--- a/other/logos_grafiken_illustrationen_2.pptx
+++ b/other/logos_grafiken_illustrationen_2.pptx
@@ -5,23 +5,24 @@
     <p:sldMasterId id="2147483648" r:id="rId1"/>
   </p:sldMasterIdLst>
   <p:notesMasterIdLst>
-    <p:notesMasterId r:id="rId16"/>
+    <p:notesMasterId r:id="rId17"/>
   </p:notesMasterIdLst>
   <p:sldIdLst>
     <p:sldId id="281" r:id="rId2"/>
     <p:sldId id="282" r:id="rId3"/>
     <p:sldId id="278" r:id="rId4"/>
     <p:sldId id="285" r:id="rId5"/>
-    <p:sldId id="287" r:id="rId6"/>
-    <p:sldId id="288" r:id="rId7"/>
-    <p:sldId id="293" r:id="rId8"/>
-    <p:sldId id="289" r:id="rId9"/>
-    <p:sldId id="291" r:id="rId10"/>
-    <p:sldId id="292" r:id="rId11"/>
-    <p:sldId id="290" r:id="rId12"/>
-    <p:sldId id="286" r:id="rId13"/>
-    <p:sldId id="284" r:id="rId14"/>
-    <p:sldId id="283" r:id="rId15"/>
+    <p:sldId id="294" r:id="rId6"/>
+    <p:sldId id="287" r:id="rId7"/>
+    <p:sldId id="288" r:id="rId8"/>
+    <p:sldId id="293" r:id="rId9"/>
+    <p:sldId id="289" r:id="rId10"/>
+    <p:sldId id="291" r:id="rId11"/>
+    <p:sldId id="292" r:id="rId12"/>
+    <p:sldId id="290" r:id="rId13"/>
+    <p:sldId id="286" r:id="rId14"/>
+    <p:sldId id="284" r:id="rId15"/>
+    <p:sldId id="283" r:id="rId16"/>
   </p:sldIdLst>
   <p:sldSz cx="9144000" cy="6858000" type="screen4x3"/>
   <p:notesSz cx="6858000" cy="9144000"/>
@@ -554,7 +555,7 @@
           <a:p>
             <a:fld id="{1CE315C7-5D1A-A642-914E-2ADCB0B2BA6A}" type="slidenum">
               <a:rPr lang="de-DE" smtClean="0"/>
-              <a:t>6</a:t>
+              <a:t>7</a:t>
             </a:fld>
             <a:endParaRPr lang="de-DE"/>
           </a:p>
@@ -638,7 +639,7 @@
           <a:p>
             <a:fld id="{1CE315C7-5D1A-A642-914E-2ADCB0B2BA6A}" type="slidenum">
               <a:rPr lang="de-DE" smtClean="0"/>
-              <a:t>7</a:t>
+              <a:t>8</a:t>
             </a:fld>
             <a:endParaRPr lang="de-DE"/>
           </a:p>
@@ -722,7 +723,7 @@
           <a:p>
             <a:fld id="{1CE315C7-5D1A-A642-914E-2ADCB0B2BA6A}" type="slidenum">
               <a:rPr lang="de-DE" smtClean="0"/>
-              <a:t>8</a:t>
+              <a:t>9</a:t>
             </a:fld>
             <a:endParaRPr lang="de-DE"/>
           </a:p>
@@ -806,7 +807,7 @@
           <a:p>
             <a:fld id="{1CE315C7-5D1A-A642-914E-2ADCB0B2BA6A}" type="slidenum">
               <a:rPr lang="de-DE" smtClean="0"/>
-              <a:t>9</a:t>
+              <a:t>10</a:t>
             </a:fld>
             <a:endParaRPr lang="de-DE"/>
           </a:p>
@@ -890,7 +891,7 @@
           <a:p>
             <a:fld id="{1CE315C7-5D1A-A642-914E-2ADCB0B2BA6A}" type="slidenum">
               <a:rPr lang="de-DE" smtClean="0"/>
-              <a:t>10</a:t>
+              <a:t>11</a:t>
             </a:fld>
             <a:endParaRPr lang="de-DE"/>
           </a:p>
@@ -974,7 +975,7 @@
           <a:p>
             <a:fld id="{1CE315C7-5D1A-A642-914E-2ADCB0B2BA6A}" type="slidenum">
               <a:rPr lang="de-DE" smtClean="0"/>
-              <a:t>11</a:t>
+              <a:t>12</a:t>
             </a:fld>
             <a:endParaRPr lang="de-DE"/>
           </a:p>
@@ -7537,6 +7538,3072 @@
     </p:spTree>
     <p:extLst>
       <p:ext uri="{BB962C8B-B14F-4D97-AF65-F5344CB8AC3E}">
+        <p14:creationId xmlns:p14="http://schemas.microsoft.com/office/powerpoint/2010/main" val="1823674781"/>
+      </p:ext>
+    </p:extLst>
+  </p:cSld>
+  <p:clrMapOvr>
+    <a:masterClrMapping/>
+  </p:clrMapOvr>
+  <p:timing>
+    <p:tnLst>
+      <p:par>
+        <p:cTn id="1" dur="indefinite" restart="never" nodeType="tmRoot"/>
+      </p:par>
+    </p:tnLst>
+  </p:timing>
+</p:sld>
+</file>
+
+<file path=ppt/slides/slide11.xml><?xml version="1.0" encoding="utf-8"?>
+<p:sld xmlns:a="http://schemas.openxmlformats.org/drawingml/2006/main" xmlns:r="http://schemas.openxmlformats.org/officeDocument/2006/relationships" xmlns:p="http://schemas.openxmlformats.org/presentationml/2006/main">
+  <p:cSld>
+    <p:spTree>
+      <p:nvGrpSpPr>
+        <p:cNvPr id="1" name=""/>
+        <p:cNvGrpSpPr/>
+        <p:nvPr/>
+      </p:nvGrpSpPr>
+      <p:grpSpPr>
+        <a:xfrm>
+          <a:off x="0" y="0"/>
+          <a:ext cx="0" cy="0"/>
+          <a:chOff x="0" y="0"/>
+          <a:chExt cx="0" cy="0"/>
+        </a:xfrm>
+      </p:grpSpPr>
+      <p:grpSp>
+        <p:nvGrpSpPr>
+          <p:cNvPr id="43" name="Gruppierung 42"/>
+          <p:cNvGrpSpPr/>
+          <p:nvPr/>
+        </p:nvGrpSpPr>
+        <p:grpSpPr>
+          <a:xfrm>
+            <a:off x="1150477" y="7477"/>
+            <a:ext cx="6972680" cy="6843046"/>
+            <a:chOff x="1150477" y="7477"/>
+            <a:chExt cx="6972680" cy="6843046"/>
+          </a:xfrm>
+        </p:grpSpPr>
+        <p:sp>
+          <p:nvSpPr>
+            <p:cNvPr id="4" name="Rechteck 3"/>
+            <p:cNvSpPr/>
+            <p:nvPr/>
+          </p:nvSpPr>
+          <p:spPr>
+            <a:xfrm>
+              <a:off x="1150477" y="7477"/>
+              <a:ext cx="6843046" cy="6843046"/>
+            </a:xfrm>
+            <a:prstGeom prst="rect">
+              <a:avLst/>
+            </a:prstGeom>
+            <a:solidFill>
+              <a:srgbClr val="47A4B1"/>
+            </a:solidFill>
+            <a:ln>
+              <a:noFill/>
+            </a:ln>
+            <a:effectLst/>
+          </p:spPr>
+          <p:style>
+            <a:lnRef idx="1">
+              <a:schemeClr val="accent1"/>
+            </a:lnRef>
+            <a:fillRef idx="3">
+              <a:schemeClr val="accent1"/>
+            </a:fillRef>
+            <a:effectRef idx="2">
+              <a:schemeClr val="accent1"/>
+            </a:effectRef>
+            <a:fontRef idx="minor">
+              <a:schemeClr val="lt1"/>
+            </a:fontRef>
+          </p:style>
+          <p:txBody>
+            <a:bodyPr rtlCol="0" anchor="ctr"/>
+            <a:lstStyle/>
+            <a:p>
+              <a:pPr algn="ctr"/>
+              <a:endParaRPr lang="de-DE"/>
+            </a:p>
+          </p:txBody>
+        </p:sp>
+        <p:sp>
+          <p:nvSpPr>
+            <p:cNvPr id="60" name="Textfeld 59"/>
+            <p:cNvSpPr txBox="1"/>
+            <p:nvPr/>
+          </p:nvSpPr>
+          <p:spPr>
+            <a:xfrm>
+              <a:off x="7256472" y="6511969"/>
+              <a:ext cx="866685" cy="338554"/>
+            </a:xfrm>
+            <a:prstGeom prst="rect">
+              <a:avLst/>
+            </a:prstGeom>
+            <a:noFill/>
+          </p:spPr>
+          <p:txBody>
+            <a:bodyPr wrap="square" rtlCol="0">
+              <a:spAutoFit/>
+            </a:bodyPr>
+            <a:lstStyle/>
+            <a:p>
+              <a:r>
+                <a:rPr lang="de-DE" sz="1600" b="1" dirty="0" smtClean="0">
+                  <a:solidFill>
+                    <a:schemeClr val="bg1"/>
+                  </a:solidFill>
+                  <a:latin typeface="Audiowide" charset="0"/>
+                  <a:ea typeface="Audiowide" charset="0"/>
+                  <a:cs typeface="Audiowide" charset="0"/>
+                </a:rPr>
+                <a:t>Fin</a:t>
+              </a:r>
+              <a:r>
+                <a:rPr lang="de-DE" sz="1600" b="1" dirty="0" smtClean="0">
+                  <a:solidFill>
+                    <a:srgbClr val="F38200"/>
+                  </a:solidFill>
+                  <a:latin typeface="Audiowide" charset="0"/>
+                  <a:ea typeface="Audiowide" charset="0"/>
+                  <a:cs typeface="Audiowide" charset="0"/>
+                </a:rPr>
+                <a:t>IQ</a:t>
+              </a:r>
+              <a:endParaRPr lang="de-DE" sz="1600" b="1" dirty="0">
+                <a:solidFill>
+                  <a:srgbClr val="F38200"/>
+                </a:solidFill>
+                <a:latin typeface="Audiowide" charset="0"/>
+                <a:ea typeface="Audiowide" charset="0"/>
+                <a:cs typeface="Audiowide" charset="0"/>
+              </a:endParaRPr>
+            </a:p>
+          </p:txBody>
+        </p:sp>
+        <p:sp>
+          <p:nvSpPr>
+            <p:cNvPr id="6" name="Abgerundetes Rechteck 5"/>
+            <p:cNvSpPr/>
+            <p:nvPr/>
+          </p:nvSpPr>
+          <p:spPr>
+            <a:xfrm>
+              <a:off x="1562583" y="2158973"/>
+              <a:ext cx="6018835" cy="4441912"/>
+            </a:xfrm>
+            <a:prstGeom prst="roundRect">
+              <a:avLst/>
+            </a:prstGeom>
+            <a:solidFill>
+              <a:schemeClr val="bg1">
+                <a:lumMod val="95000"/>
+              </a:schemeClr>
+            </a:solidFill>
+            <a:ln>
+              <a:noFill/>
+            </a:ln>
+            <a:effectLst>
+              <a:outerShdw blurRad="25400" dist="76200" dir="5400000" algn="t" rotWithShape="0">
+                <a:prstClr val="black">
+                  <a:alpha val="20000"/>
+                </a:prstClr>
+              </a:outerShdw>
+            </a:effectLst>
+          </p:spPr>
+          <p:style>
+            <a:lnRef idx="1">
+              <a:schemeClr val="accent1"/>
+            </a:lnRef>
+            <a:fillRef idx="3">
+              <a:schemeClr val="accent1"/>
+            </a:fillRef>
+            <a:effectRef idx="2">
+              <a:schemeClr val="accent1"/>
+            </a:effectRef>
+            <a:fontRef idx="minor">
+              <a:schemeClr val="lt1"/>
+            </a:fontRef>
+          </p:style>
+          <p:txBody>
+            <a:bodyPr rtlCol="0" anchor="ctr"/>
+            <a:lstStyle/>
+            <a:p>
+              <a:pPr algn="ctr"/>
+              <a:endParaRPr lang="de-DE"/>
+            </a:p>
+          </p:txBody>
+        </p:sp>
+        <p:grpSp>
+          <p:nvGrpSpPr>
+            <p:cNvPr id="17" name="Gruppierung 16"/>
+            <p:cNvGrpSpPr/>
+            <p:nvPr/>
+          </p:nvGrpSpPr>
+          <p:grpSpPr>
+            <a:xfrm>
+              <a:off x="1717375" y="2925270"/>
+              <a:ext cx="4813139" cy="2685326"/>
+              <a:chOff x="2187617" y="1792139"/>
+              <a:chExt cx="4813139" cy="2685326"/>
+            </a:xfrm>
+          </p:grpSpPr>
+          <p:cxnSp>
+            <p:nvCxnSpPr>
+              <p:cNvPr id="8" name="Gerade Verbindung 7"/>
+              <p:cNvCxnSpPr/>
+              <p:nvPr/>
+            </p:nvCxnSpPr>
+            <p:spPr>
+              <a:xfrm>
+                <a:off x="2187617" y="1792139"/>
+                <a:ext cx="0" cy="2685326"/>
+              </a:xfrm>
+              <a:prstGeom prst="line">
+                <a:avLst/>
+              </a:prstGeom>
+              <a:ln>
+                <a:solidFill>
+                  <a:schemeClr val="bg1">
+                    <a:lumMod val="85000"/>
+                  </a:schemeClr>
+                </a:solidFill>
+              </a:ln>
+              <a:effectLst/>
+            </p:spPr>
+            <p:style>
+              <a:lnRef idx="2">
+                <a:schemeClr val="accent1"/>
+              </a:lnRef>
+              <a:fillRef idx="0">
+                <a:schemeClr val="accent1"/>
+              </a:fillRef>
+              <a:effectRef idx="1">
+                <a:schemeClr val="accent1"/>
+              </a:effectRef>
+              <a:fontRef idx="minor">
+                <a:schemeClr val="tx1"/>
+              </a:fontRef>
+            </p:style>
+          </p:cxnSp>
+          <p:cxnSp>
+            <p:nvCxnSpPr>
+              <p:cNvPr id="58" name="Gerade Verbindung 57"/>
+              <p:cNvCxnSpPr/>
+              <p:nvPr/>
+            </p:nvCxnSpPr>
+            <p:spPr>
+              <a:xfrm>
+                <a:off x="3150245" y="1792139"/>
+                <a:ext cx="0" cy="2685326"/>
+              </a:xfrm>
+              <a:prstGeom prst="line">
+                <a:avLst/>
+              </a:prstGeom>
+              <a:ln>
+                <a:solidFill>
+                  <a:schemeClr val="bg1">
+                    <a:lumMod val="85000"/>
+                  </a:schemeClr>
+                </a:solidFill>
+              </a:ln>
+              <a:effectLst/>
+            </p:spPr>
+            <p:style>
+              <a:lnRef idx="2">
+                <a:schemeClr val="accent1"/>
+              </a:lnRef>
+              <a:fillRef idx="0">
+                <a:schemeClr val="accent1"/>
+              </a:fillRef>
+              <a:effectRef idx="1">
+                <a:schemeClr val="accent1"/>
+              </a:effectRef>
+              <a:fontRef idx="minor">
+                <a:schemeClr val="tx1"/>
+              </a:fontRef>
+            </p:style>
+          </p:cxnSp>
+          <p:cxnSp>
+            <p:nvCxnSpPr>
+              <p:cNvPr id="62" name="Gerade Verbindung 61"/>
+              <p:cNvCxnSpPr/>
+              <p:nvPr/>
+            </p:nvCxnSpPr>
+            <p:spPr>
+              <a:xfrm>
+                <a:off x="4112873" y="1792139"/>
+                <a:ext cx="0" cy="2685326"/>
+              </a:xfrm>
+              <a:prstGeom prst="line">
+                <a:avLst/>
+              </a:prstGeom>
+              <a:ln>
+                <a:solidFill>
+                  <a:schemeClr val="bg1">
+                    <a:lumMod val="85000"/>
+                  </a:schemeClr>
+                </a:solidFill>
+              </a:ln>
+              <a:effectLst/>
+            </p:spPr>
+            <p:style>
+              <a:lnRef idx="2">
+                <a:schemeClr val="accent1"/>
+              </a:lnRef>
+              <a:fillRef idx="0">
+                <a:schemeClr val="accent1"/>
+              </a:fillRef>
+              <a:effectRef idx="1">
+                <a:schemeClr val="accent1"/>
+              </a:effectRef>
+              <a:fontRef idx="minor">
+                <a:schemeClr val="tx1"/>
+              </a:fontRef>
+            </p:style>
+          </p:cxnSp>
+          <p:cxnSp>
+            <p:nvCxnSpPr>
+              <p:cNvPr id="63" name="Gerade Verbindung 62"/>
+              <p:cNvCxnSpPr/>
+              <p:nvPr/>
+            </p:nvCxnSpPr>
+            <p:spPr>
+              <a:xfrm>
+                <a:off x="5075501" y="1792139"/>
+                <a:ext cx="0" cy="2685326"/>
+              </a:xfrm>
+              <a:prstGeom prst="line">
+                <a:avLst/>
+              </a:prstGeom>
+              <a:ln>
+                <a:solidFill>
+                  <a:schemeClr val="bg1">
+                    <a:lumMod val="85000"/>
+                  </a:schemeClr>
+                </a:solidFill>
+              </a:ln>
+              <a:effectLst/>
+            </p:spPr>
+            <p:style>
+              <a:lnRef idx="2">
+                <a:schemeClr val="accent1"/>
+              </a:lnRef>
+              <a:fillRef idx="0">
+                <a:schemeClr val="accent1"/>
+              </a:fillRef>
+              <a:effectRef idx="1">
+                <a:schemeClr val="accent1"/>
+              </a:effectRef>
+              <a:fontRef idx="minor">
+                <a:schemeClr val="tx1"/>
+              </a:fontRef>
+            </p:style>
+          </p:cxnSp>
+          <p:cxnSp>
+            <p:nvCxnSpPr>
+              <p:cNvPr id="64" name="Gerade Verbindung 63"/>
+              <p:cNvCxnSpPr/>
+              <p:nvPr/>
+            </p:nvCxnSpPr>
+            <p:spPr>
+              <a:xfrm>
+                <a:off x="6038129" y="1792139"/>
+                <a:ext cx="0" cy="2685326"/>
+              </a:xfrm>
+              <a:prstGeom prst="line">
+                <a:avLst/>
+              </a:prstGeom>
+              <a:ln>
+                <a:solidFill>
+                  <a:schemeClr val="bg1">
+                    <a:lumMod val="85000"/>
+                  </a:schemeClr>
+                </a:solidFill>
+              </a:ln>
+              <a:effectLst/>
+            </p:spPr>
+            <p:style>
+              <a:lnRef idx="2">
+                <a:schemeClr val="accent1"/>
+              </a:lnRef>
+              <a:fillRef idx="0">
+                <a:schemeClr val="accent1"/>
+              </a:fillRef>
+              <a:effectRef idx="1">
+                <a:schemeClr val="accent1"/>
+              </a:effectRef>
+              <a:fontRef idx="minor">
+                <a:schemeClr val="tx1"/>
+              </a:fontRef>
+            </p:style>
+          </p:cxnSp>
+          <p:cxnSp>
+            <p:nvCxnSpPr>
+              <p:cNvPr id="65" name="Gerade Verbindung 64"/>
+              <p:cNvCxnSpPr/>
+              <p:nvPr/>
+            </p:nvCxnSpPr>
+            <p:spPr>
+              <a:xfrm>
+                <a:off x="7000756" y="1792139"/>
+                <a:ext cx="0" cy="2685326"/>
+              </a:xfrm>
+              <a:prstGeom prst="line">
+                <a:avLst/>
+              </a:prstGeom>
+              <a:ln>
+                <a:solidFill>
+                  <a:schemeClr val="bg1">
+                    <a:lumMod val="85000"/>
+                  </a:schemeClr>
+                </a:solidFill>
+              </a:ln>
+              <a:effectLst/>
+            </p:spPr>
+            <p:style>
+              <a:lnRef idx="2">
+                <a:schemeClr val="accent1"/>
+              </a:lnRef>
+              <a:fillRef idx="0">
+                <a:schemeClr val="accent1"/>
+              </a:fillRef>
+              <a:effectRef idx="1">
+                <a:schemeClr val="accent1"/>
+              </a:effectRef>
+              <a:fontRef idx="minor">
+                <a:schemeClr val="tx1"/>
+              </a:fontRef>
+            </p:style>
+          </p:cxnSp>
+        </p:grpSp>
+        <p:cxnSp>
+          <p:nvCxnSpPr>
+            <p:cNvPr id="36" name="Gerade Verbindung 35"/>
+            <p:cNvCxnSpPr/>
+            <p:nvPr/>
+          </p:nvCxnSpPr>
+          <p:spPr>
+            <a:xfrm flipV="1">
+              <a:off x="1717375" y="3998958"/>
+              <a:ext cx="1387997" cy="495662"/>
+            </a:xfrm>
+            <a:prstGeom prst="line">
+              <a:avLst/>
+            </a:prstGeom>
+            <a:ln>
+              <a:solidFill>
+                <a:srgbClr val="FF5722"/>
+              </a:solidFill>
+            </a:ln>
+          </p:spPr>
+          <p:style>
+            <a:lnRef idx="2">
+              <a:schemeClr val="accent1"/>
+            </a:lnRef>
+            <a:fillRef idx="0">
+              <a:schemeClr val="accent1"/>
+            </a:fillRef>
+            <a:effectRef idx="1">
+              <a:schemeClr val="accent1"/>
+            </a:effectRef>
+            <a:fontRef idx="minor">
+              <a:schemeClr val="tx1"/>
+            </a:fontRef>
+          </p:style>
+        </p:cxnSp>
+        <p:cxnSp>
+          <p:nvCxnSpPr>
+            <p:cNvPr id="66" name="Gerade Verbindung 65"/>
+            <p:cNvCxnSpPr/>
+            <p:nvPr/>
+          </p:nvCxnSpPr>
+          <p:spPr>
+            <a:xfrm>
+              <a:off x="3105372" y="4007514"/>
+              <a:ext cx="884438" cy="204998"/>
+            </a:xfrm>
+            <a:prstGeom prst="line">
+              <a:avLst/>
+            </a:prstGeom>
+            <a:ln>
+              <a:solidFill>
+                <a:srgbClr val="FF5722"/>
+              </a:solidFill>
+            </a:ln>
+          </p:spPr>
+          <p:style>
+            <a:lnRef idx="2">
+              <a:schemeClr val="accent1"/>
+            </a:lnRef>
+            <a:fillRef idx="0">
+              <a:schemeClr val="accent1"/>
+            </a:fillRef>
+            <a:effectRef idx="1">
+              <a:schemeClr val="accent1"/>
+            </a:effectRef>
+            <a:fontRef idx="minor">
+              <a:schemeClr val="tx1"/>
+            </a:fontRef>
+          </p:style>
+        </p:cxnSp>
+        <p:cxnSp>
+          <p:nvCxnSpPr>
+            <p:cNvPr id="67" name="Gerade Verbindung 66"/>
+            <p:cNvCxnSpPr/>
+            <p:nvPr/>
+          </p:nvCxnSpPr>
+          <p:spPr>
+            <a:xfrm flipV="1">
+              <a:off x="3961965" y="3940288"/>
+              <a:ext cx="1228312" cy="273450"/>
+            </a:xfrm>
+            <a:prstGeom prst="line">
+              <a:avLst/>
+            </a:prstGeom>
+            <a:ln>
+              <a:solidFill>
+                <a:srgbClr val="FF5722"/>
+              </a:solidFill>
+            </a:ln>
+          </p:spPr>
+          <p:style>
+            <a:lnRef idx="2">
+              <a:schemeClr val="accent1"/>
+            </a:lnRef>
+            <a:fillRef idx="0">
+              <a:schemeClr val="accent1"/>
+            </a:fillRef>
+            <a:effectRef idx="1">
+              <a:schemeClr val="accent1"/>
+            </a:effectRef>
+            <a:fontRef idx="minor">
+              <a:schemeClr val="tx1"/>
+            </a:fontRef>
+          </p:style>
+        </p:cxnSp>
+        <p:cxnSp>
+          <p:nvCxnSpPr>
+            <p:cNvPr id="72" name="Gerade Verbindung 71"/>
+            <p:cNvCxnSpPr/>
+            <p:nvPr/>
+          </p:nvCxnSpPr>
+          <p:spPr>
+            <a:xfrm flipV="1">
+              <a:off x="5191410" y="3457196"/>
+              <a:ext cx="1316246" cy="477036"/>
+            </a:xfrm>
+            <a:prstGeom prst="line">
+              <a:avLst/>
+            </a:prstGeom>
+            <a:ln>
+              <a:solidFill>
+                <a:srgbClr val="FF5722"/>
+              </a:solidFill>
+            </a:ln>
+          </p:spPr>
+          <p:style>
+            <a:lnRef idx="2">
+              <a:schemeClr val="accent1"/>
+            </a:lnRef>
+            <a:fillRef idx="0">
+              <a:schemeClr val="accent1"/>
+            </a:fillRef>
+            <a:effectRef idx="1">
+              <a:schemeClr val="accent1"/>
+            </a:effectRef>
+            <a:fontRef idx="minor">
+              <a:schemeClr val="tx1"/>
+            </a:fontRef>
+          </p:style>
+        </p:cxnSp>
+        <p:cxnSp>
+          <p:nvCxnSpPr>
+            <p:cNvPr id="166" name="Gerade Verbindung 165"/>
+            <p:cNvCxnSpPr/>
+            <p:nvPr/>
+          </p:nvCxnSpPr>
+          <p:spPr>
+            <a:xfrm flipV="1">
+              <a:off x="1705638" y="3502940"/>
+              <a:ext cx="1387586" cy="990029"/>
+            </a:xfrm>
+            <a:prstGeom prst="line">
+              <a:avLst/>
+            </a:prstGeom>
+            <a:ln>
+              <a:solidFill>
+                <a:srgbClr val="2196F3"/>
+              </a:solidFill>
+            </a:ln>
+          </p:spPr>
+          <p:style>
+            <a:lnRef idx="2">
+              <a:schemeClr val="accent1"/>
+            </a:lnRef>
+            <a:fillRef idx="0">
+              <a:schemeClr val="accent1"/>
+            </a:fillRef>
+            <a:effectRef idx="1">
+              <a:schemeClr val="accent1"/>
+            </a:effectRef>
+            <a:fontRef idx="minor">
+              <a:schemeClr val="tx1"/>
+            </a:fontRef>
+          </p:style>
+        </p:cxnSp>
+        <p:cxnSp>
+          <p:nvCxnSpPr>
+            <p:cNvPr id="168" name="Gerade Verbindung 167"/>
+            <p:cNvCxnSpPr/>
+            <p:nvPr/>
+          </p:nvCxnSpPr>
+          <p:spPr>
+            <a:xfrm flipV="1">
+              <a:off x="1724746" y="4464676"/>
+              <a:ext cx="1377035" cy="24751"/>
+            </a:xfrm>
+            <a:prstGeom prst="line">
+              <a:avLst/>
+            </a:prstGeom>
+            <a:ln>
+              <a:solidFill>
+                <a:schemeClr val="accent3">
+                  <a:lumMod val="75000"/>
+                </a:schemeClr>
+              </a:solidFill>
+            </a:ln>
+          </p:spPr>
+          <p:style>
+            <a:lnRef idx="2">
+              <a:schemeClr val="accent1"/>
+            </a:lnRef>
+            <a:fillRef idx="0">
+              <a:schemeClr val="accent1"/>
+            </a:fillRef>
+            <a:effectRef idx="1">
+              <a:schemeClr val="accent1"/>
+            </a:effectRef>
+            <a:fontRef idx="minor">
+              <a:schemeClr val="tx1"/>
+            </a:fontRef>
+          </p:style>
+        </p:cxnSp>
+        <p:cxnSp>
+          <p:nvCxnSpPr>
+            <p:cNvPr id="170" name="Gerade Verbindung 169"/>
+            <p:cNvCxnSpPr/>
+            <p:nvPr/>
+          </p:nvCxnSpPr>
+          <p:spPr>
+            <a:xfrm flipV="1">
+              <a:off x="3096973" y="2934201"/>
+              <a:ext cx="821841" cy="570837"/>
+            </a:xfrm>
+            <a:prstGeom prst="line">
+              <a:avLst/>
+            </a:prstGeom>
+            <a:ln>
+              <a:solidFill>
+                <a:srgbClr val="2196F3"/>
+              </a:solidFill>
+            </a:ln>
+          </p:spPr>
+          <p:style>
+            <a:lnRef idx="2">
+              <a:schemeClr val="accent1"/>
+            </a:lnRef>
+            <a:fillRef idx="0">
+              <a:schemeClr val="accent1"/>
+            </a:fillRef>
+            <a:effectRef idx="1">
+              <a:schemeClr val="accent1"/>
+            </a:effectRef>
+            <a:fontRef idx="minor">
+              <a:schemeClr val="tx1"/>
+            </a:fontRef>
+          </p:style>
+        </p:cxnSp>
+        <p:cxnSp>
+          <p:nvCxnSpPr>
+            <p:cNvPr id="172" name="Gerade Verbindung 171"/>
+            <p:cNvCxnSpPr/>
+            <p:nvPr/>
+          </p:nvCxnSpPr>
+          <p:spPr>
+            <a:xfrm>
+              <a:off x="3079410" y="4464676"/>
+              <a:ext cx="876499" cy="1142565"/>
+            </a:xfrm>
+            <a:prstGeom prst="line">
+              <a:avLst/>
+            </a:prstGeom>
+            <a:ln>
+              <a:solidFill>
+                <a:schemeClr val="accent3">
+                  <a:lumMod val="75000"/>
+                </a:schemeClr>
+              </a:solidFill>
+            </a:ln>
+          </p:spPr>
+          <p:style>
+            <a:lnRef idx="2">
+              <a:schemeClr val="accent1"/>
+            </a:lnRef>
+            <a:fillRef idx="0">
+              <a:schemeClr val="accent1"/>
+            </a:fillRef>
+            <a:effectRef idx="1">
+              <a:schemeClr val="accent1"/>
+            </a:effectRef>
+            <a:fontRef idx="minor">
+              <a:schemeClr val="tx1"/>
+            </a:fontRef>
+          </p:style>
+        </p:cxnSp>
+        <p:cxnSp>
+          <p:nvCxnSpPr>
+            <p:cNvPr id="174" name="Gerade Verbindung 173"/>
+            <p:cNvCxnSpPr/>
+            <p:nvPr/>
+          </p:nvCxnSpPr>
+          <p:spPr>
+            <a:xfrm flipV="1">
+              <a:off x="3955909" y="3111005"/>
+              <a:ext cx="1212572" cy="2481085"/>
+            </a:xfrm>
+            <a:prstGeom prst="line">
+              <a:avLst/>
+            </a:prstGeom>
+            <a:ln>
+              <a:solidFill>
+                <a:schemeClr val="accent3">
+                  <a:lumMod val="75000"/>
+                </a:schemeClr>
+              </a:solidFill>
+            </a:ln>
+          </p:spPr>
+          <p:style>
+            <a:lnRef idx="2">
+              <a:schemeClr val="accent1"/>
+            </a:lnRef>
+            <a:fillRef idx="0">
+              <a:schemeClr val="accent1"/>
+            </a:fillRef>
+            <a:effectRef idx="1">
+              <a:schemeClr val="accent1"/>
+            </a:effectRef>
+            <a:fontRef idx="minor">
+              <a:schemeClr val="tx1"/>
+            </a:fontRef>
+          </p:style>
+        </p:cxnSp>
+        <p:cxnSp>
+          <p:nvCxnSpPr>
+            <p:cNvPr id="176" name="Gerade Verbindung 175"/>
+            <p:cNvCxnSpPr/>
+            <p:nvPr/>
+          </p:nvCxnSpPr>
+          <p:spPr>
+            <a:xfrm>
+              <a:off x="3924173" y="2920403"/>
+              <a:ext cx="1309125" cy="1696718"/>
+            </a:xfrm>
+            <a:prstGeom prst="line">
+              <a:avLst/>
+            </a:prstGeom>
+            <a:ln>
+              <a:solidFill>
+                <a:srgbClr val="2196F3"/>
+              </a:solidFill>
+            </a:ln>
+          </p:spPr>
+          <p:style>
+            <a:lnRef idx="2">
+              <a:schemeClr val="accent1"/>
+            </a:lnRef>
+            <a:fillRef idx="0">
+              <a:schemeClr val="accent1"/>
+            </a:fillRef>
+            <a:effectRef idx="1">
+              <a:schemeClr val="accent1"/>
+            </a:effectRef>
+            <a:fontRef idx="minor">
+              <a:schemeClr val="tx1"/>
+            </a:fontRef>
+          </p:style>
+        </p:cxnSp>
+        <p:cxnSp>
+          <p:nvCxnSpPr>
+            <p:cNvPr id="189" name="Gerade Verbindung 188"/>
+            <p:cNvCxnSpPr/>
+            <p:nvPr/>
+          </p:nvCxnSpPr>
+          <p:spPr>
+            <a:xfrm flipV="1">
+              <a:off x="5219008" y="2927082"/>
+              <a:ext cx="1304317" cy="1690039"/>
+            </a:xfrm>
+            <a:prstGeom prst="line">
+              <a:avLst/>
+            </a:prstGeom>
+            <a:ln>
+              <a:solidFill>
+                <a:srgbClr val="2196F3"/>
+              </a:solidFill>
+            </a:ln>
+          </p:spPr>
+          <p:style>
+            <a:lnRef idx="2">
+              <a:schemeClr val="accent1"/>
+            </a:lnRef>
+            <a:fillRef idx="0">
+              <a:schemeClr val="accent1"/>
+            </a:fillRef>
+            <a:effectRef idx="1">
+              <a:schemeClr val="accent1"/>
+            </a:effectRef>
+            <a:fontRef idx="minor">
+              <a:schemeClr val="tx1"/>
+            </a:fontRef>
+          </p:style>
+        </p:cxnSp>
+        <p:cxnSp>
+          <p:nvCxnSpPr>
+            <p:cNvPr id="191" name="Gerade Verbindung 190"/>
+            <p:cNvCxnSpPr/>
+            <p:nvPr/>
+          </p:nvCxnSpPr>
+          <p:spPr>
+            <a:xfrm>
+              <a:off x="5179199" y="3127430"/>
+              <a:ext cx="1351315" cy="243225"/>
+            </a:xfrm>
+            <a:prstGeom prst="line">
+              <a:avLst/>
+            </a:prstGeom>
+            <a:ln>
+              <a:solidFill>
+                <a:schemeClr val="accent3">
+                  <a:lumMod val="75000"/>
+                </a:schemeClr>
+              </a:solidFill>
+            </a:ln>
+          </p:spPr>
+          <p:style>
+            <a:lnRef idx="2">
+              <a:schemeClr val="accent1"/>
+            </a:lnRef>
+            <a:fillRef idx="0">
+              <a:schemeClr val="accent1"/>
+            </a:fillRef>
+            <a:effectRef idx="1">
+              <a:schemeClr val="accent1"/>
+            </a:effectRef>
+            <a:fontRef idx="minor">
+              <a:schemeClr val="tx1"/>
+            </a:fontRef>
+          </p:style>
+        </p:cxnSp>
+        <p:sp>
+          <p:nvSpPr>
+            <p:cNvPr id="111" name="Oval 110"/>
+            <p:cNvSpPr/>
+            <p:nvPr/>
+          </p:nvSpPr>
+          <p:spPr>
+            <a:xfrm>
+              <a:off x="3045987" y="3976508"/>
+              <a:ext cx="86710" cy="86710"/>
+            </a:xfrm>
+            <a:prstGeom prst="ellipse">
+              <a:avLst/>
+            </a:prstGeom>
+            <a:solidFill>
+              <a:srgbClr val="FF5722"/>
+            </a:solidFill>
+            <a:ln>
+              <a:noFill/>
+            </a:ln>
+            <a:effectLst/>
+          </p:spPr>
+          <p:style>
+            <a:lnRef idx="1">
+              <a:schemeClr val="accent1"/>
+            </a:lnRef>
+            <a:fillRef idx="3">
+              <a:schemeClr val="accent1"/>
+            </a:fillRef>
+            <a:effectRef idx="2">
+              <a:schemeClr val="accent1"/>
+            </a:effectRef>
+            <a:fontRef idx="minor">
+              <a:schemeClr val="lt1"/>
+            </a:fontRef>
+          </p:style>
+          <p:txBody>
+            <a:bodyPr rtlCol="0" anchor="ctr"/>
+            <a:lstStyle/>
+            <a:p>
+              <a:pPr algn="ctr"/>
+              <a:endParaRPr lang="de-DE"/>
+            </a:p>
+          </p:txBody>
+        </p:sp>
+        <p:sp>
+          <p:nvSpPr>
+            <p:cNvPr id="197" name="Oval 196"/>
+            <p:cNvSpPr/>
+            <p:nvPr/>
+          </p:nvSpPr>
+          <p:spPr>
+            <a:xfrm>
+              <a:off x="3932980" y="4165678"/>
+              <a:ext cx="86710" cy="86710"/>
+            </a:xfrm>
+            <a:prstGeom prst="ellipse">
+              <a:avLst/>
+            </a:prstGeom>
+            <a:solidFill>
+              <a:srgbClr val="FF5722"/>
+            </a:solidFill>
+            <a:ln>
+              <a:noFill/>
+            </a:ln>
+            <a:effectLst/>
+          </p:spPr>
+          <p:style>
+            <a:lnRef idx="1">
+              <a:schemeClr val="accent1"/>
+            </a:lnRef>
+            <a:fillRef idx="3">
+              <a:schemeClr val="accent1"/>
+            </a:fillRef>
+            <a:effectRef idx="2">
+              <a:schemeClr val="accent1"/>
+            </a:effectRef>
+            <a:fontRef idx="minor">
+              <a:schemeClr val="lt1"/>
+            </a:fontRef>
+          </p:style>
+          <p:txBody>
+            <a:bodyPr rtlCol="0" anchor="ctr"/>
+            <a:lstStyle/>
+            <a:p>
+              <a:pPr algn="ctr"/>
+              <a:endParaRPr lang="de-DE"/>
+            </a:p>
+          </p:txBody>
+        </p:sp>
+        <p:sp>
+          <p:nvSpPr>
+            <p:cNvPr id="198" name="Oval 197"/>
+            <p:cNvSpPr/>
+            <p:nvPr/>
+          </p:nvSpPr>
+          <p:spPr>
+            <a:xfrm>
+              <a:off x="5146588" y="3894508"/>
+              <a:ext cx="86710" cy="86710"/>
+            </a:xfrm>
+            <a:prstGeom prst="ellipse">
+              <a:avLst/>
+            </a:prstGeom>
+            <a:solidFill>
+              <a:srgbClr val="FF5722"/>
+            </a:solidFill>
+            <a:ln>
+              <a:noFill/>
+            </a:ln>
+            <a:effectLst/>
+          </p:spPr>
+          <p:style>
+            <a:lnRef idx="1">
+              <a:schemeClr val="accent1"/>
+            </a:lnRef>
+            <a:fillRef idx="3">
+              <a:schemeClr val="accent1"/>
+            </a:fillRef>
+            <a:effectRef idx="2">
+              <a:schemeClr val="accent1"/>
+            </a:effectRef>
+            <a:fontRef idx="minor">
+              <a:schemeClr val="lt1"/>
+            </a:fontRef>
+          </p:style>
+          <p:txBody>
+            <a:bodyPr rtlCol="0" anchor="ctr"/>
+            <a:lstStyle/>
+            <a:p>
+              <a:pPr algn="ctr"/>
+              <a:endParaRPr lang="de-DE"/>
+            </a:p>
+          </p:txBody>
+        </p:sp>
+        <p:sp>
+          <p:nvSpPr>
+            <p:cNvPr id="199" name="Oval 198"/>
+            <p:cNvSpPr/>
+            <p:nvPr/>
+          </p:nvSpPr>
+          <p:spPr>
+            <a:xfrm>
+              <a:off x="3045987" y="3472550"/>
+              <a:ext cx="86710" cy="86710"/>
+            </a:xfrm>
+            <a:prstGeom prst="ellipse">
+              <a:avLst/>
+            </a:prstGeom>
+            <a:solidFill>
+              <a:srgbClr val="2196F3"/>
+            </a:solidFill>
+            <a:ln>
+              <a:noFill/>
+            </a:ln>
+            <a:effectLst/>
+          </p:spPr>
+          <p:style>
+            <a:lnRef idx="1">
+              <a:schemeClr val="accent1"/>
+            </a:lnRef>
+            <a:fillRef idx="3">
+              <a:schemeClr val="accent1"/>
+            </a:fillRef>
+            <a:effectRef idx="2">
+              <a:schemeClr val="accent1"/>
+            </a:effectRef>
+            <a:fontRef idx="minor">
+              <a:schemeClr val="lt1"/>
+            </a:fontRef>
+          </p:style>
+          <p:txBody>
+            <a:bodyPr rtlCol="0" anchor="ctr"/>
+            <a:lstStyle/>
+            <a:p>
+              <a:pPr algn="ctr"/>
+              <a:endParaRPr lang="de-DE"/>
+            </a:p>
+          </p:txBody>
+        </p:sp>
+        <p:sp>
+          <p:nvSpPr>
+            <p:cNvPr id="201" name="Oval 200"/>
+            <p:cNvSpPr/>
+            <p:nvPr/>
+          </p:nvSpPr>
+          <p:spPr>
+            <a:xfrm>
+              <a:off x="3883939" y="2886546"/>
+              <a:ext cx="86710" cy="86710"/>
+            </a:xfrm>
+            <a:prstGeom prst="ellipse">
+              <a:avLst/>
+            </a:prstGeom>
+            <a:solidFill>
+              <a:srgbClr val="2196F3"/>
+            </a:solidFill>
+            <a:ln>
+              <a:noFill/>
+            </a:ln>
+            <a:effectLst/>
+          </p:spPr>
+          <p:style>
+            <a:lnRef idx="1">
+              <a:schemeClr val="accent1"/>
+            </a:lnRef>
+            <a:fillRef idx="3">
+              <a:schemeClr val="accent1"/>
+            </a:fillRef>
+            <a:effectRef idx="2">
+              <a:schemeClr val="accent1"/>
+            </a:effectRef>
+            <a:fontRef idx="minor">
+              <a:schemeClr val="lt1"/>
+            </a:fontRef>
+          </p:style>
+          <p:txBody>
+            <a:bodyPr rtlCol="0" anchor="ctr"/>
+            <a:lstStyle/>
+            <a:p>
+              <a:pPr algn="ctr"/>
+              <a:endParaRPr lang="de-DE"/>
+            </a:p>
+          </p:txBody>
+        </p:sp>
+        <p:sp>
+          <p:nvSpPr>
+            <p:cNvPr id="202" name="Oval 201"/>
+            <p:cNvSpPr/>
+            <p:nvPr/>
+          </p:nvSpPr>
+          <p:spPr>
+            <a:xfrm>
+              <a:off x="5175670" y="4563432"/>
+              <a:ext cx="86710" cy="86710"/>
+            </a:xfrm>
+            <a:prstGeom prst="ellipse">
+              <a:avLst/>
+            </a:prstGeom>
+            <a:solidFill>
+              <a:srgbClr val="2196F3"/>
+            </a:solidFill>
+            <a:ln>
+              <a:noFill/>
+            </a:ln>
+            <a:effectLst/>
+          </p:spPr>
+          <p:style>
+            <a:lnRef idx="1">
+              <a:schemeClr val="accent1"/>
+            </a:lnRef>
+            <a:fillRef idx="3">
+              <a:schemeClr val="accent1"/>
+            </a:fillRef>
+            <a:effectRef idx="2">
+              <a:schemeClr val="accent1"/>
+            </a:effectRef>
+            <a:fontRef idx="minor">
+              <a:schemeClr val="lt1"/>
+            </a:fontRef>
+          </p:style>
+          <p:txBody>
+            <a:bodyPr rtlCol="0" anchor="ctr"/>
+            <a:lstStyle/>
+            <a:p>
+              <a:pPr algn="ctr"/>
+              <a:endParaRPr lang="de-DE"/>
+            </a:p>
+          </p:txBody>
+        </p:sp>
+        <p:sp>
+          <p:nvSpPr>
+            <p:cNvPr id="238" name="Oval 237"/>
+            <p:cNvSpPr/>
+            <p:nvPr/>
+          </p:nvSpPr>
+          <p:spPr>
+            <a:xfrm>
+              <a:off x="3049870" y="4443287"/>
+              <a:ext cx="86710" cy="86710"/>
+            </a:xfrm>
+            <a:prstGeom prst="ellipse">
+              <a:avLst/>
+            </a:prstGeom>
+            <a:solidFill>
+              <a:schemeClr val="accent3">
+                <a:lumMod val="75000"/>
+              </a:schemeClr>
+            </a:solidFill>
+            <a:ln>
+              <a:noFill/>
+            </a:ln>
+            <a:effectLst/>
+          </p:spPr>
+          <p:style>
+            <a:lnRef idx="1">
+              <a:schemeClr val="accent1"/>
+            </a:lnRef>
+            <a:fillRef idx="3">
+              <a:schemeClr val="accent1"/>
+            </a:fillRef>
+            <a:effectRef idx="2">
+              <a:schemeClr val="accent1"/>
+            </a:effectRef>
+            <a:fontRef idx="minor">
+              <a:schemeClr val="lt1"/>
+            </a:fontRef>
+          </p:style>
+          <p:txBody>
+            <a:bodyPr rtlCol="0" anchor="ctr"/>
+            <a:lstStyle/>
+            <a:p>
+              <a:pPr algn="ctr"/>
+              <a:endParaRPr lang="de-DE"/>
+            </a:p>
+          </p:txBody>
+        </p:sp>
+        <p:sp>
+          <p:nvSpPr>
+            <p:cNvPr id="240" name="Oval 239"/>
+            <p:cNvSpPr/>
+            <p:nvPr/>
+          </p:nvSpPr>
+          <p:spPr>
+            <a:xfrm>
+              <a:off x="3905382" y="5562564"/>
+              <a:ext cx="86710" cy="86710"/>
+            </a:xfrm>
+            <a:prstGeom prst="ellipse">
+              <a:avLst/>
+            </a:prstGeom>
+            <a:solidFill>
+              <a:schemeClr val="accent3">
+                <a:lumMod val="75000"/>
+              </a:schemeClr>
+            </a:solidFill>
+            <a:ln>
+              <a:noFill/>
+            </a:ln>
+            <a:effectLst/>
+          </p:spPr>
+          <p:style>
+            <a:lnRef idx="1">
+              <a:schemeClr val="accent1"/>
+            </a:lnRef>
+            <a:fillRef idx="3">
+              <a:schemeClr val="accent1"/>
+            </a:fillRef>
+            <a:effectRef idx="2">
+              <a:schemeClr val="accent1"/>
+            </a:effectRef>
+            <a:fontRef idx="minor">
+              <a:schemeClr val="lt1"/>
+            </a:fontRef>
+          </p:style>
+          <p:txBody>
+            <a:bodyPr rtlCol="0" anchor="ctr"/>
+            <a:lstStyle/>
+            <a:p>
+              <a:pPr algn="ctr"/>
+              <a:endParaRPr lang="de-DE"/>
+            </a:p>
+          </p:txBody>
+        </p:sp>
+        <p:sp>
+          <p:nvSpPr>
+            <p:cNvPr id="241" name="Oval 240"/>
+            <p:cNvSpPr/>
+            <p:nvPr/>
+          </p:nvSpPr>
+          <p:spPr>
+            <a:xfrm>
+              <a:off x="5125741" y="3088780"/>
+              <a:ext cx="86710" cy="86710"/>
+            </a:xfrm>
+            <a:prstGeom prst="ellipse">
+              <a:avLst/>
+            </a:prstGeom>
+            <a:solidFill>
+              <a:schemeClr val="accent3">
+                <a:lumMod val="75000"/>
+              </a:schemeClr>
+            </a:solidFill>
+            <a:ln>
+              <a:noFill/>
+            </a:ln>
+            <a:effectLst/>
+          </p:spPr>
+          <p:style>
+            <a:lnRef idx="1">
+              <a:schemeClr val="accent1"/>
+            </a:lnRef>
+            <a:fillRef idx="3">
+              <a:schemeClr val="accent1"/>
+            </a:fillRef>
+            <a:effectRef idx="2">
+              <a:schemeClr val="accent1"/>
+            </a:effectRef>
+            <a:fontRef idx="minor">
+              <a:schemeClr val="lt1"/>
+            </a:fontRef>
+          </p:style>
+          <p:txBody>
+            <a:bodyPr rtlCol="0" anchor="ctr"/>
+            <a:lstStyle/>
+            <a:p>
+              <a:pPr algn="ctr"/>
+              <a:endParaRPr lang="de-DE"/>
+            </a:p>
+          </p:txBody>
+        </p:sp>
+        <p:sp>
+          <p:nvSpPr>
+            <p:cNvPr id="242" name="Rechteck 241"/>
+            <p:cNvSpPr/>
+            <p:nvPr/>
+          </p:nvSpPr>
+          <p:spPr>
+            <a:xfrm>
+              <a:off x="2335301" y="5800780"/>
+              <a:ext cx="236021" cy="236021"/>
+            </a:xfrm>
+            <a:prstGeom prst="rect">
+              <a:avLst/>
+            </a:prstGeom>
+            <a:solidFill>
+              <a:srgbClr val="2196F3"/>
+            </a:solidFill>
+            <a:ln>
+              <a:noFill/>
+            </a:ln>
+            <a:effectLst>
+              <a:outerShdw blurRad="25400" dist="23000" dir="5400000" rotWithShape="0">
+                <a:srgbClr val="000000">
+                  <a:alpha val="35000"/>
+                </a:srgbClr>
+              </a:outerShdw>
+            </a:effectLst>
+          </p:spPr>
+          <p:style>
+            <a:lnRef idx="1">
+              <a:schemeClr val="accent1"/>
+            </a:lnRef>
+            <a:fillRef idx="3">
+              <a:schemeClr val="accent1"/>
+            </a:fillRef>
+            <a:effectRef idx="2">
+              <a:schemeClr val="accent1"/>
+            </a:effectRef>
+            <a:fontRef idx="minor">
+              <a:schemeClr val="lt1"/>
+            </a:fontRef>
+          </p:style>
+          <p:txBody>
+            <a:bodyPr rtlCol="0" anchor="ctr"/>
+            <a:lstStyle/>
+            <a:p>
+              <a:pPr algn="ctr"/>
+              <a:endParaRPr lang="de-DE"/>
+            </a:p>
+          </p:txBody>
+        </p:sp>
+        <p:sp>
+          <p:nvSpPr>
+            <p:cNvPr id="243" name="Rechteck 242"/>
+            <p:cNvSpPr/>
+            <p:nvPr/>
+          </p:nvSpPr>
+          <p:spPr>
+            <a:xfrm>
+              <a:off x="4629956" y="5796161"/>
+              <a:ext cx="236021" cy="236021"/>
+            </a:xfrm>
+            <a:prstGeom prst="rect">
+              <a:avLst/>
+            </a:prstGeom>
+            <a:solidFill>
+              <a:schemeClr val="accent3">
+                <a:lumMod val="75000"/>
+              </a:schemeClr>
+            </a:solidFill>
+            <a:ln>
+              <a:noFill/>
+            </a:ln>
+            <a:effectLst>
+              <a:outerShdw blurRad="25400" dist="23000" dir="5400000" rotWithShape="0">
+                <a:srgbClr val="000000">
+                  <a:alpha val="35000"/>
+                </a:srgbClr>
+              </a:outerShdw>
+            </a:effectLst>
+          </p:spPr>
+          <p:style>
+            <a:lnRef idx="1">
+              <a:schemeClr val="accent1"/>
+            </a:lnRef>
+            <a:fillRef idx="3">
+              <a:schemeClr val="accent1"/>
+            </a:fillRef>
+            <a:effectRef idx="2">
+              <a:schemeClr val="accent1"/>
+            </a:effectRef>
+            <a:fontRef idx="minor">
+              <a:schemeClr val="lt1"/>
+            </a:fontRef>
+          </p:style>
+          <p:txBody>
+            <a:bodyPr rtlCol="0" anchor="ctr"/>
+            <a:lstStyle/>
+            <a:p>
+              <a:pPr algn="ctr"/>
+              <a:endParaRPr lang="de-DE"/>
+            </a:p>
+          </p:txBody>
+        </p:sp>
+        <p:sp>
+          <p:nvSpPr>
+            <p:cNvPr id="244" name="Rechteck 243"/>
+            <p:cNvSpPr/>
+            <p:nvPr/>
+          </p:nvSpPr>
+          <p:spPr>
+            <a:xfrm>
+              <a:off x="2327424" y="6202458"/>
+              <a:ext cx="236021" cy="236021"/>
+            </a:xfrm>
+            <a:prstGeom prst="rect">
+              <a:avLst/>
+            </a:prstGeom>
+            <a:solidFill>
+              <a:srgbClr val="FF5722"/>
+            </a:solidFill>
+            <a:ln>
+              <a:noFill/>
+            </a:ln>
+            <a:effectLst>
+              <a:outerShdw blurRad="25400" dist="23000" dir="5400000" rotWithShape="0">
+                <a:srgbClr val="000000">
+                  <a:alpha val="35000"/>
+                </a:srgbClr>
+              </a:outerShdw>
+            </a:effectLst>
+          </p:spPr>
+          <p:style>
+            <a:lnRef idx="1">
+              <a:schemeClr val="accent1"/>
+            </a:lnRef>
+            <a:fillRef idx="3">
+              <a:schemeClr val="accent1"/>
+            </a:fillRef>
+            <a:effectRef idx="2">
+              <a:schemeClr val="accent1"/>
+            </a:effectRef>
+            <a:fontRef idx="minor">
+              <a:schemeClr val="lt1"/>
+            </a:fontRef>
+          </p:style>
+          <p:txBody>
+            <a:bodyPr rtlCol="0" anchor="ctr"/>
+            <a:lstStyle/>
+            <a:p>
+              <a:pPr algn="ctr"/>
+              <a:endParaRPr lang="de-DE"/>
+            </a:p>
+          </p:txBody>
+        </p:sp>
+        <p:sp>
+          <p:nvSpPr>
+            <p:cNvPr id="245" name="Textfeld 244"/>
+            <p:cNvSpPr txBox="1"/>
+            <p:nvPr/>
+          </p:nvSpPr>
+          <p:spPr>
+            <a:xfrm>
+              <a:off x="2562297" y="5762107"/>
+              <a:ext cx="2544715" cy="338554"/>
+            </a:xfrm>
+            <a:prstGeom prst="rect">
+              <a:avLst/>
+            </a:prstGeom>
+            <a:noFill/>
+          </p:spPr>
+          <p:txBody>
+            <a:bodyPr wrap="square" rtlCol="0">
+              <a:spAutoFit/>
+            </a:bodyPr>
+            <a:lstStyle/>
+            <a:p>
+              <a:r>
+                <a:rPr lang="de-DE" sz="1600" dirty="0" smtClean="0">
+                  <a:solidFill>
+                    <a:schemeClr val="tx1">
+                      <a:lumMod val="50000"/>
+                      <a:lumOff val="50000"/>
+                    </a:schemeClr>
+                  </a:solidFill>
+                </a:rPr>
+                <a:t>AUTO AG</a:t>
+              </a:r>
+              <a:endParaRPr lang="de-DE" sz="1600" dirty="0">
+                <a:solidFill>
+                  <a:schemeClr val="tx1">
+                    <a:lumMod val="50000"/>
+                    <a:lumOff val="50000"/>
+                  </a:schemeClr>
+                </a:solidFill>
+              </a:endParaRPr>
+            </a:p>
+          </p:txBody>
+        </p:sp>
+        <p:sp>
+          <p:nvSpPr>
+            <p:cNvPr id="246" name="Textfeld 245"/>
+            <p:cNvSpPr txBox="1"/>
+            <p:nvPr/>
+          </p:nvSpPr>
+          <p:spPr>
+            <a:xfrm>
+              <a:off x="4874269" y="5754564"/>
+              <a:ext cx="2544715" cy="338554"/>
+            </a:xfrm>
+            <a:prstGeom prst="rect">
+              <a:avLst/>
+            </a:prstGeom>
+            <a:noFill/>
+          </p:spPr>
+          <p:txBody>
+            <a:bodyPr wrap="square" rtlCol="0">
+              <a:spAutoFit/>
+            </a:bodyPr>
+            <a:lstStyle/>
+            <a:p>
+              <a:r>
+                <a:rPr lang="de-DE" sz="1600" dirty="0" smtClean="0">
+                  <a:solidFill>
+                    <a:schemeClr val="tx1">
+                      <a:lumMod val="50000"/>
+                      <a:lumOff val="50000"/>
+                    </a:schemeClr>
+                  </a:solidFill>
+                </a:rPr>
+                <a:t>CHEMIE AG</a:t>
+              </a:r>
+              <a:endParaRPr lang="de-DE" sz="1600" dirty="0">
+                <a:solidFill>
+                  <a:schemeClr val="tx1">
+                    <a:lumMod val="50000"/>
+                    <a:lumOff val="50000"/>
+                  </a:schemeClr>
+                </a:solidFill>
+              </a:endParaRPr>
+            </a:p>
+          </p:txBody>
+        </p:sp>
+        <p:sp>
+          <p:nvSpPr>
+            <p:cNvPr id="247" name="Textfeld 246"/>
+            <p:cNvSpPr txBox="1"/>
+            <p:nvPr/>
+          </p:nvSpPr>
+          <p:spPr>
+            <a:xfrm>
+              <a:off x="2570957" y="6168329"/>
+              <a:ext cx="4866400" cy="338554"/>
+            </a:xfrm>
+            <a:prstGeom prst="rect">
+              <a:avLst/>
+            </a:prstGeom>
+            <a:noFill/>
+          </p:spPr>
+          <p:txBody>
+            <a:bodyPr wrap="square" rtlCol="0">
+              <a:spAutoFit/>
+            </a:bodyPr>
+            <a:lstStyle/>
+            <a:p>
+              <a:r>
+                <a:rPr lang="de-DE" sz="1600" dirty="0" smtClean="0">
+                  <a:solidFill>
+                    <a:schemeClr val="tx1">
+                      <a:lumMod val="50000"/>
+                      <a:lumOff val="50000"/>
+                    </a:schemeClr>
+                  </a:solidFill>
+                </a:rPr>
+                <a:t>PORTFOLIO = AUTO AG + CHEMIE AG</a:t>
+              </a:r>
+              <a:endParaRPr lang="de-DE" sz="1600" dirty="0">
+                <a:solidFill>
+                  <a:schemeClr val="tx1">
+                    <a:lumMod val="50000"/>
+                    <a:lumOff val="50000"/>
+                  </a:schemeClr>
+                </a:solidFill>
+              </a:endParaRPr>
+            </a:p>
+          </p:txBody>
+        </p:sp>
+        <p:cxnSp>
+          <p:nvCxnSpPr>
+            <p:cNvPr id="248" name="Gerade Verbindung 247"/>
+            <p:cNvCxnSpPr/>
+            <p:nvPr/>
+          </p:nvCxnSpPr>
+          <p:spPr>
+            <a:xfrm flipH="1">
+              <a:off x="1703045" y="4475936"/>
+              <a:ext cx="4850983" cy="0"/>
+            </a:xfrm>
+            <a:prstGeom prst="line">
+              <a:avLst/>
+            </a:prstGeom>
+            <a:ln>
+              <a:solidFill>
+                <a:srgbClr val="FF5722"/>
+              </a:solidFill>
+              <a:prstDash val="dash"/>
+            </a:ln>
+            <a:effectLst/>
+          </p:spPr>
+          <p:style>
+            <a:lnRef idx="2">
+              <a:schemeClr val="accent1"/>
+            </a:lnRef>
+            <a:fillRef idx="0">
+              <a:schemeClr val="accent1"/>
+            </a:fillRef>
+            <a:effectRef idx="1">
+              <a:schemeClr val="accent1"/>
+            </a:effectRef>
+            <a:fontRef idx="minor">
+              <a:schemeClr val="tx1"/>
+            </a:fontRef>
+          </p:style>
+        </p:cxnSp>
+        <p:cxnSp>
+          <p:nvCxnSpPr>
+            <p:cNvPr id="251" name="Gerade Verbindung 250"/>
+            <p:cNvCxnSpPr/>
+            <p:nvPr/>
+          </p:nvCxnSpPr>
+          <p:spPr>
+            <a:xfrm flipH="1">
+              <a:off x="1704847" y="3457196"/>
+              <a:ext cx="4850983" cy="0"/>
+            </a:xfrm>
+            <a:prstGeom prst="line">
+              <a:avLst/>
+            </a:prstGeom>
+            <a:ln>
+              <a:solidFill>
+                <a:srgbClr val="FF5722"/>
+              </a:solidFill>
+              <a:prstDash val="dash"/>
+            </a:ln>
+            <a:effectLst/>
+          </p:spPr>
+          <p:style>
+            <a:lnRef idx="2">
+              <a:schemeClr val="accent1"/>
+            </a:lnRef>
+            <a:fillRef idx="0">
+              <a:schemeClr val="accent1"/>
+            </a:fillRef>
+            <a:effectRef idx="1">
+              <a:schemeClr val="accent1"/>
+            </a:effectRef>
+            <a:fontRef idx="minor">
+              <a:schemeClr val="tx1"/>
+            </a:fontRef>
+          </p:style>
+        </p:cxnSp>
+        <p:cxnSp>
+          <p:nvCxnSpPr>
+            <p:cNvPr id="252" name="Gerade Verbindung 251"/>
+            <p:cNvCxnSpPr/>
+            <p:nvPr/>
+          </p:nvCxnSpPr>
+          <p:spPr>
+            <a:xfrm flipH="1">
+              <a:off x="1720087" y="2914652"/>
+              <a:ext cx="4850983" cy="0"/>
+            </a:xfrm>
+            <a:prstGeom prst="line">
+              <a:avLst/>
+            </a:prstGeom>
+            <a:ln>
+              <a:solidFill>
+                <a:srgbClr val="2196F3"/>
+              </a:solidFill>
+              <a:prstDash val="dash"/>
+            </a:ln>
+            <a:effectLst/>
+          </p:spPr>
+          <p:style>
+            <a:lnRef idx="2">
+              <a:schemeClr val="accent1"/>
+            </a:lnRef>
+            <a:fillRef idx="0">
+              <a:schemeClr val="accent1"/>
+            </a:fillRef>
+            <a:effectRef idx="1">
+              <a:schemeClr val="accent1"/>
+            </a:effectRef>
+            <a:fontRef idx="minor">
+              <a:schemeClr val="tx1"/>
+            </a:fontRef>
+          </p:style>
+        </p:cxnSp>
+        <p:cxnSp>
+          <p:nvCxnSpPr>
+            <p:cNvPr id="253" name="Gerade Verbindung 252"/>
+            <p:cNvCxnSpPr/>
+            <p:nvPr/>
+          </p:nvCxnSpPr>
+          <p:spPr>
+            <a:xfrm flipH="1">
+              <a:off x="1699774" y="4617121"/>
+              <a:ext cx="4850983" cy="0"/>
+            </a:xfrm>
+            <a:prstGeom prst="line">
+              <a:avLst/>
+            </a:prstGeom>
+            <a:ln>
+              <a:solidFill>
+                <a:srgbClr val="2196F3"/>
+              </a:solidFill>
+              <a:prstDash val="dash"/>
+            </a:ln>
+            <a:effectLst/>
+          </p:spPr>
+          <p:style>
+            <a:lnRef idx="2">
+              <a:schemeClr val="accent1"/>
+            </a:lnRef>
+            <a:fillRef idx="0">
+              <a:schemeClr val="accent1"/>
+            </a:fillRef>
+            <a:effectRef idx="1">
+              <a:schemeClr val="accent1"/>
+            </a:effectRef>
+            <a:fontRef idx="minor">
+              <a:schemeClr val="tx1"/>
+            </a:fontRef>
+          </p:style>
+        </p:cxnSp>
+        <p:cxnSp>
+          <p:nvCxnSpPr>
+            <p:cNvPr id="254" name="Gerade Verbindung 253"/>
+            <p:cNvCxnSpPr/>
+            <p:nvPr/>
+          </p:nvCxnSpPr>
+          <p:spPr>
+            <a:xfrm flipH="1">
+              <a:off x="1726183" y="3112772"/>
+              <a:ext cx="4850983" cy="0"/>
+            </a:xfrm>
+            <a:prstGeom prst="line">
+              <a:avLst/>
+            </a:prstGeom>
+            <a:ln>
+              <a:solidFill>
+                <a:schemeClr val="accent3">
+                  <a:lumMod val="75000"/>
+                </a:schemeClr>
+              </a:solidFill>
+              <a:prstDash val="dash"/>
+            </a:ln>
+            <a:effectLst/>
+          </p:spPr>
+          <p:style>
+            <a:lnRef idx="2">
+              <a:schemeClr val="accent1"/>
+            </a:lnRef>
+            <a:fillRef idx="0">
+              <a:schemeClr val="accent1"/>
+            </a:fillRef>
+            <a:effectRef idx="1">
+              <a:schemeClr val="accent1"/>
+            </a:effectRef>
+            <a:fontRef idx="minor">
+              <a:schemeClr val="tx1"/>
+            </a:fontRef>
+          </p:style>
+        </p:cxnSp>
+        <p:cxnSp>
+          <p:nvCxnSpPr>
+            <p:cNvPr id="255" name="Gerade Verbindung 254"/>
+            <p:cNvCxnSpPr/>
+            <p:nvPr/>
+          </p:nvCxnSpPr>
+          <p:spPr>
+            <a:xfrm flipH="1">
+              <a:off x="1717375" y="5609021"/>
+              <a:ext cx="4850983" cy="0"/>
+            </a:xfrm>
+            <a:prstGeom prst="line">
+              <a:avLst/>
+            </a:prstGeom>
+            <a:ln>
+              <a:solidFill>
+                <a:schemeClr val="accent3">
+                  <a:lumMod val="75000"/>
+                </a:schemeClr>
+              </a:solidFill>
+              <a:prstDash val="dash"/>
+            </a:ln>
+            <a:effectLst/>
+          </p:spPr>
+          <p:style>
+            <a:lnRef idx="2">
+              <a:schemeClr val="accent1"/>
+            </a:lnRef>
+            <a:fillRef idx="0">
+              <a:schemeClr val="accent1"/>
+            </a:fillRef>
+            <a:effectRef idx="1">
+              <a:schemeClr val="accent1"/>
+            </a:effectRef>
+            <a:fontRef idx="minor">
+              <a:schemeClr val="tx1"/>
+            </a:fontRef>
+          </p:style>
+        </p:cxnSp>
+        <p:sp>
+          <p:nvSpPr>
+            <p:cNvPr id="34" name="Rechteck 33"/>
+            <p:cNvSpPr/>
+            <p:nvPr/>
+          </p:nvSpPr>
+          <p:spPr>
+            <a:xfrm>
+              <a:off x="6699983" y="3457196"/>
+              <a:ext cx="100281" cy="1018740"/>
+            </a:xfrm>
+            <a:prstGeom prst="rect">
+              <a:avLst/>
+            </a:prstGeom>
+            <a:solidFill>
+              <a:srgbClr val="FF5722"/>
+            </a:solidFill>
+            <a:ln>
+              <a:noFill/>
+            </a:ln>
+          </p:spPr>
+          <p:style>
+            <a:lnRef idx="1">
+              <a:schemeClr val="accent1"/>
+            </a:lnRef>
+            <a:fillRef idx="3">
+              <a:schemeClr val="accent1"/>
+            </a:fillRef>
+            <a:effectRef idx="2">
+              <a:schemeClr val="accent1"/>
+            </a:effectRef>
+            <a:fontRef idx="minor">
+              <a:schemeClr val="lt1"/>
+            </a:fontRef>
+          </p:style>
+          <p:txBody>
+            <a:bodyPr rtlCol="0" anchor="ctr"/>
+            <a:lstStyle/>
+            <a:p>
+              <a:pPr algn="ctr"/>
+              <a:endParaRPr lang="de-DE"/>
+            </a:p>
+          </p:txBody>
+        </p:sp>
+        <p:sp>
+          <p:nvSpPr>
+            <p:cNvPr id="256" name="Rechteck 255"/>
+            <p:cNvSpPr/>
+            <p:nvPr/>
+          </p:nvSpPr>
+          <p:spPr>
+            <a:xfrm>
+              <a:off x="6852383" y="2896361"/>
+              <a:ext cx="100281" cy="1728000"/>
+            </a:xfrm>
+            <a:prstGeom prst="rect">
+              <a:avLst/>
+            </a:prstGeom>
+            <a:solidFill>
+              <a:srgbClr val="2196F3"/>
+            </a:solidFill>
+            <a:ln>
+              <a:noFill/>
+            </a:ln>
+          </p:spPr>
+          <p:style>
+            <a:lnRef idx="1">
+              <a:schemeClr val="accent1"/>
+            </a:lnRef>
+            <a:fillRef idx="3">
+              <a:schemeClr val="accent1"/>
+            </a:fillRef>
+            <a:effectRef idx="2">
+              <a:schemeClr val="accent1"/>
+            </a:effectRef>
+            <a:fontRef idx="minor">
+              <a:schemeClr val="lt1"/>
+            </a:fontRef>
+          </p:style>
+          <p:txBody>
+            <a:bodyPr rtlCol="0" anchor="ctr"/>
+            <a:lstStyle/>
+            <a:p>
+              <a:pPr algn="ctr"/>
+              <a:endParaRPr lang="de-DE"/>
+            </a:p>
+          </p:txBody>
+        </p:sp>
+        <p:sp>
+          <p:nvSpPr>
+            <p:cNvPr id="257" name="Rechteck 256"/>
+            <p:cNvSpPr/>
+            <p:nvPr/>
+          </p:nvSpPr>
+          <p:spPr>
+            <a:xfrm>
+              <a:off x="7004783" y="3085335"/>
+              <a:ext cx="100281" cy="2556000"/>
+            </a:xfrm>
+            <a:prstGeom prst="rect">
+              <a:avLst/>
+            </a:prstGeom>
+            <a:solidFill>
+              <a:schemeClr val="accent3">
+                <a:lumMod val="75000"/>
+              </a:schemeClr>
+            </a:solidFill>
+            <a:ln>
+              <a:noFill/>
+            </a:ln>
+          </p:spPr>
+          <p:style>
+            <a:lnRef idx="1">
+              <a:schemeClr val="accent1"/>
+            </a:lnRef>
+            <a:fillRef idx="3">
+              <a:schemeClr val="accent1"/>
+            </a:fillRef>
+            <a:effectRef idx="2">
+              <a:schemeClr val="accent1"/>
+            </a:effectRef>
+            <a:fontRef idx="minor">
+              <a:schemeClr val="lt1"/>
+            </a:fontRef>
+          </p:style>
+          <p:txBody>
+            <a:bodyPr rtlCol="0" anchor="ctr"/>
+            <a:lstStyle/>
+            <a:p>
+              <a:pPr algn="ctr"/>
+              <a:endParaRPr lang="de-DE"/>
+            </a:p>
+          </p:txBody>
+        </p:sp>
+        <p:sp>
+          <p:nvSpPr>
+            <p:cNvPr id="258" name="Textfeld 257"/>
+            <p:cNvSpPr txBox="1"/>
+            <p:nvPr/>
+          </p:nvSpPr>
+          <p:spPr>
+            <a:xfrm>
+              <a:off x="2451403" y="2284435"/>
+              <a:ext cx="3733497" cy="338554"/>
+            </a:xfrm>
+            <a:prstGeom prst="rect">
+              <a:avLst/>
+            </a:prstGeom>
+            <a:noFill/>
+          </p:spPr>
+          <p:txBody>
+            <a:bodyPr wrap="square" rtlCol="0">
+              <a:spAutoFit/>
+            </a:bodyPr>
+            <a:lstStyle/>
+            <a:p>
+              <a:pPr algn="ctr"/>
+              <a:r>
+                <a:rPr lang="de-DE" sz="1600" smtClean="0">
+                  <a:solidFill>
+                    <a:schemeClr val="tx1">
+                      <a:lumMod val="50000"/>
+                      <a:lumOff val="50000"/>
+                    </a:schemeClr>
+                  </a:solidFill>
+                </a:rPr>
+                <a:t>SCHWANKUNGSBREITE / RISIKO</a:t>
+              </a:r>
+              <a:endParaRPr lang="de-DE" sz="1600" dirty="0">
+                <a:solidFill>
+                  <a:schemeClr val="tx1">
+                    <a:lumMod val="50000"/>
+                    <a:lumOff val="50000"/>
+                  </a:schemeClr>
+                </a:solidFill>
+              </a:endParaRPr>
+            </a:p>
+          </p:txBody>
+        </p:sp>
+        <p:sp>
+          <p:nvSpPr>
+            <p:cNvPr id="37" name="Pfeil nach rechts 36"/>
+            <p:cNvSpPr/>
+            <p:nvPr/>
+          </p:nvSpPr>
+          <p:spPr>
+            <a:xfrm rot="904814">
+              <a:off x="6010825" y="2442943"/>
+              <a:ext cx="667991" cy="301752"/>
+            </a:xfrm>
+            <a:prstGeom prst="rightArrow">
+              <a:avLst/>
+            </a:prstGeom>
+            <a:solidFill>
+              <a:schemeClr val="bg1">
+                <a:lumMod val="50000"/>
+              </a:schemeClr>
+            </a:solidFill>
+            <a:ln>
+              <a:noFill/>
+            </a:ln>
+          </p:spPr>
+          <p:style>
+            <a:lnRef idx="1">
+              <a:schemeClr val="accent1"/>
+            </a:lnRef>
+            <a:fillRef idx="3">
+              <a:schemeClr val="accent1"/>
+            </a:fillRef>
+            <a:effectRef idx="2">
+              <a:schemeClr val="accent1"/>
+            </a:effectRef>
+            <a:fontRef idx="minor">
+              <a:schemeClr val="lt1"/>
+            </a:fontRef>
+          </p:style>
+          <p:txBody>
+            <a:bodyPr rtlCol="0" anchor="ctr"/>
+            <a:lstStyle/>
+            <a:p>
+              <a:pPr algn="ctr"/>
+              <a:endParaRPr lang="de-DE"/>
+            </a:p>
+          </p:txBody>
+        </p:sp>
+        <p:grpSp>
+          <p:nvGrpSpPr>
+            <p:cNvPr id="38" name="Gruppierung 37"/>
+            <p:cNvGrpSpPr/>
+            <p:nvPr/>
+          </p:nvGrpSpPr>
+          <p:grpSpPr>
+            <a:xfrm>
+              <a:off x="1969109" y="684579"/>
+              <a:ext cx="1459285" cy="1285501"/>
+              <a:chOff x="2230136" y="179129"/>
+              <a:chExt cx="1459285" cy="1285501"/>
+            </a:xfrm>
+          </p:grpSpPr>
+          <p:grpSp>
+            <p:nvGrpSpPr>
+              <p:cNvPr id="259" name="Gruppierung 258"/>
+              <p:cNvGrpSpPr/>
+              <p:nvPr/>
+            </p:nvGrpSpPr>
+            <p:grpSpPr>
+              <a:xfrm>
+                <a:off x="2230136" y="179129"/>
+                <a:ext cx="1332001" cy="1285501"/>
+                <a:chOff x="3304022" y="2838058"/>
+                <a:chExt cx="526570" cy="675861"/>
+              </a:xfrm>
+            </p:grpSpPr>
+            <p:sp>
+              <p:nvSpPr>
+                <p:cNvPr id="260" name="Rechteck 259"/>
+                <p:cNvSpPr/>
+                <p:nvPr/>
+              </p:nvSpPr>
+              <p:spPr>
+                <a:xfrm>
+                  <a:off x="3304022" y="2838058"/>
+                  <a:ext cx="526570" cy="675861"/>
+                </a:xfrm>
+                <a:prstGeom prst="rect">
+                  <a:avLst/>
+                </a:prstGeom>
+                <a:solidFill>
+                  <a:schemeClr val="bg1"/>
+                </a:solidFill>
+                <a:ln>
+                  <a:noFill/>
+                </a:ln>
+                <a:effectLst>
+                  <a:outerShdw blurRad="25400" dist="76200" dir="5400000" algn="t" rotWithShape="0">
+                    <a:prstClr val="black">
+                      <a:alpha val="20000"/>
+                    </a:prstClr>
+                  </a:outerShdw>
+                </a:effectLst>
+              </p:spPr>
+              <p:style>
+                <a:lnRef idx="1">
+                  <a:schemeClr val="accent1"/>
+                </a:lnRef>
+                <a:fillRef idx="3">
+                  <a:schemeClr val="accent1"/>
+                </a:fillRef>
+                <a:effectRef idx="2">
+                  <a:schemeClr val="accent1"/>
+                </a:effectRef>
+                <a:fontRef idx="minor">
+                  <a:schemeClr val="lt1"/>
+                </a:fontRef>
+              </p:style>
+              <p:txBody>
+                <a:bodyPr rtlCol="0" anchor="ctr"/>
+                <a:lstStyle/>
+                <a:p>
+                  <a:pPr algn="ctr"/>
+                  <a:endParaRPr lang="de-DE" dirty="0"/>
+                </a:p>
+              </p:txBody>
+            </p:sp>
+            <p:cxnSp>
+              <p:nvCxnSpPr>
+                <p:cNvPr id="261" name="Gerade Verbindung 260"/>
+                <p:cNvCxnSpPr/>
+                <p:nvPr/>
+              </p:nvCxnSpPr>
+              <p:spPr>
+                <a:xfrm>
+                  <a:off x="3366630" y="3059861"/>
+                  <a:ext cx="384253" cy="0"/>
+                </a:xfrm>
+                <a:prstGeom prst="line">
+                  <a:avLst/>
+                </a:prstGeom>
+                <a:ln>
+                  <a:solidFill>
+                    <a:schemeClr val="tx1">
+                      <a:lumMod val="50000"/>
+                      <a:lumOff val="50000"/>
+                    </a:schemeClr>
+                  </a:solidFill>
+                </a:ln>
+                <a:effectLst/>
+              </p:spPr>
+              <p:style>
+                <a:lnRef idx="2">
+                  <a:schemeClr val="accent1"/>
+                </a:lnRef>
+                <a:fillRef idx="0">
+                  <a:schemeClr val="accent1"/>
+                </a:fillRef>
+                <a:effectRef idx="1">
+                  <a:schemeClr val="accent1"/>
+                </a:effectRef>
+                <a:fontRef idx="minor">
+                  <a:schemeClr val="tx1"/>
+                </a:fontRef>
+              </p:style>
+            </p:cxnSp>
+            <p:cxnSp>
+              <p:nvCxnSpPr>
+                <p:cNvPr id="262" name="Gerade Verbindung 261"/>
+                <p:cNvCxnSpPr/>
+                <p:nvPr/>
+              </p:nvCxnSpPr>
+              <p:spPr>
+                <a:xfrm>
+                  <a:off x="3366630" y="3164391"/>
+                  <a:ext cx="384253" cy="0"/>
+                </a:xfrm>
+                <a:prstGeom prst="line">
+                  <a:avLst/>
+                </a:prstGeom>
+                <a:ln>
+                  <a:solidFill>
+                    <a:schemeClr val="tx1">
+                      <a:lumMod val="50000"/>
+                      <a:lumOff val="50000"/>
+                    </a:schemeClr>
+                  </a:solidFill>
+                </a:ln>
+                <a:effectLst/>
+              </p:spPr>
+              <p:style>
+                <a:lnRef idx="2">
+                  <a:schemeClr val="accent1"/>
+                </a:lnRef>
+                <a:fillRef idx="0">
+                  <a:schemeClr val="accent1"/>
+                </a:fillRef>
+                <a:effectRef idx="1">
+                  <a:schemeClr val="accent1"/>
+                </a:effectRef>
+                <a:fontRef idx="minor">
+                  <a:schemeClr val="tx1"/>
+                </a:fontRef>
+              </p:style>
+            </p:cxnSp>
+            <p:sp>
+              <p:nvSpPr>
+                <p:cNvPr id="266" name="Textfeld 265"/>
+                <p:cNvSpPr txBox="1"/>
+                <p:nvPr/>
+              </p:nvSpPr>
+              <p:spPr>
+                <a:xfrm>
+                  <a:off x="3339156" y="2855246"/>
+                  <a:ext cx="469330" cy="161816"/>
+                </a:xfrm>
+                <a:prstGeom prst="rect">
+                  <a:avLst/>
+                </a:prstGeom>
+                <a:noFill/>
+              </p:spPr>
+              <p:txBody>
+                <a:bodyPr wrap="square" rtlCol="0">
+                  <a:spAutoFit/>
+                </a:bodyPr>
+                <a:lstStyle/>
+                <a:p>
+                  <a:r>
+                    <a:rPr lang="de-DE" sz="1400" dirty="0" smtClean="0">
+                      <a:solidFill>
+                        <a:srgbClr val="2196F3"/>
+                      </a:solidFill>
+                    </a:rPr>
+                    <a:t>AUTO AG</a:t>
+                  </a:r>
+                  <a:endParaRPr lang="de-DE" sz="1400" dirty="0">
+                    <a:solidFill>
+                      <a:srgbClr val="2196F3"/>
+                    </a:solidFill>
+                  </a:endParaRPr>
+                </a:p>
+              </p:txBody>
+            </p:sp>
+          </p:grpSp>
+          <p:sp>
+            <p:nvSpPr>
+              <p:cNvPr id="267" name="Textfeld 266"/>
+              <p:cNvSpPr txBox="1"/>
+              <p:nvPr/>
+            </p:nvSpPr>
+            <p:spPr>
+              <a:xfrm>
+                <a:off x="2302846" y="845216"/>
+                <a:ext cx="1015891" cy="548868"/>
+              </a:xfrm>
+              <a:prstGeom prst="rect">
+                <a:avLst/>
+              </a:prstGeom>
+              <a:noFill/>
+            </p:spPr>
+            <p:txBody>
+              <a:bodyPr wrap="square" rtlCol="0">
+                <a:spAutoFit/>
+              </a:bodyPr>
+              <a:lstStyle/>
+              <a:p>
+                <a:pPr>
+                  <a:spcBef>
+                    <a:spcPts val="200"/>
+                  </a:spcBef>
+                </a:pPr>
+                <a:r>
+                  <a:rPr lang="de-DE" sz="1400" dirty="0" smtClean="0">
+                    <a:solidFill>
+                      <a:schemeClr val="tx1">
+                        <a:lumMod val="50000"/>
+                        <a:lumOff val="50000"/>
+                      </a:schemeClr>
+                    </a:solidFill>
+                  </a:rPr>
+                  <a:t>RENDITE</a:t>
+                </a:r>
+              </a:p>
+              <a:p>
+                <a:pPr>
+                  <a:spcBef>
+                    <a:spcPts val="200"/>
+                  </a:spcBef>
+                </a:pPr>
+                <a:r>
+                  <a:rPr lang="de-DE" sz="1400" dirty="0" smtClean="0">
+                    <a:solidFill>
+                      <a:schemeClr val="tx1">
+                        <a:lumMod val="50000"/>
+                        <a:lumOff val="50000"/>
+                      </a:schemeClr>
+                    </a:solidFill>
+                  </a:rPr>
+                  <a:t>RISIKO   </a:t>
+                </a:r>
+                <a:endParaRPr lang="de-DE" sz="1400" dirty="0">
+                  <a:solidFill>
+                    <a:schemeClr val="tx1">
+                      <a:lumMod val="50000"/>
+                      <a:lumOff val="50000"/>
+                    </a:schemeClr>
+                  </a:solidFill>
+                </a:endParaRPr>
+              </a:p>
+            </p:txBody>
+          </p:sp>
+          <p:sp>
+            <p:nvSpPr>
+              <p:cNvPr id="268" name="Textfeld 267"/>
+              <p:cNvSpPr txBox="1"/>
+              <p:nvPr/>
+            </p:nvSpPr>
+            <p:spPr>
+              <a:xfrm>
+                <a:off x="3177588" y="839587"/>
+                <a:ext cx="511833" cy="553998"/>
+              </a:xfrm>
+              <a:prstGeom prst="rect">
+                <a:avLst/>
+              </a:prstGeom>
+              <a:noFill/>
+            </p:spPr>
+            <p:txBody>
+              <a:bodyPr wrap="square" lIns="108000" tIns="0" bIns="0" rtlCol="0">
+                <a:spAutoFit/>
+              </a:bodyPr>
+              <a:lstStyle/>
+              <a:p>
+                <a:r>
+                  <a:rPr lang="de-DE" b="1" dirty="0" smtClean="0">
+                    <a:solidFill>
+                      <a:srgbClr val="47A4B1"/>
+                    </a:solidFill>
+                    <a:effectLst>
+                      <a:outerShdw blurRad="50800" dir="5400000" algn="ctr" rotWithShape="0">
+                        <a:srgbClr val="000000">
+                          <a:alpha val="43137"/>
+                        </a:srgbClr>
+                      </a:outerShdw>
+                    </a:effectLst>
+                  </a:rPr>
+                  <a:t>+</a:t>
+                </a:r>
+              </a:p>
+              <a:p>
+                <a:r>
+                  <a:rPr lang="de-DE" b="1" dirty="0" smtClean="0">
+                    <a:solidFill>
+                      <a:srgbClr val="FF5722"/>
+                    </a:solidFill>
+                    <a:effectLst>
+                      <a:outerShdw blurRad="50800" dir="5400000" algn="ctr" rotWithShape="0">
+                        <a:srgbClr val="000000">
+                          <a:alpha val="43137"/>
+                        </a:srgbClr>
+                      </a:outerShdw>
+                    </a:effectLst>
+                  </a:rPr>
+                  <a:t>-</a:t>
+                </a:r>
+                <a:endParaRPr lang="de-DE" b="1" dirty="0">
+                  <a:solidFill>
+                    <a:srgbClr val="FF5722"/>
+                  </a:solidFill>
+                  <a:effectLst>
+                    <a:outerShdw blurRad="50800" dir="5400000" algn="ctr" rotWithShape="0">
+                      <a:srgbClr val="000000">
+                        <a:alpha val="43137"/>
+                      </a:srgbClr>
+                    </a:outerShdw>
+                  </a:effectLst>
+                </a:endParaRPr>
+              </a:p>
+            </p:txBody>
+          </p:sp>
+        </p:grpSp>
+        <p:grpSp>
+          <p:nvGrpSpPr>
+            <p:cNvPr id="269" name="Gruppierung 268"/>
+            <p:cNvGrpSpPr/>
+            <p:nvPr/>
+          </p:nvGrpSpPr>
+          <p:grpSpPr>
+            <a:xfrm>
+              <a:off x="3899509" y="684579"/>
+              <a:ext cx="1459286" cy="1285501"/>
+              <a:chOff x="2230135" y="179129"/>
+              <a:chExt cx="1459286" cy="1285501"/>
+            </a:xfrm>
+          </p:grpSpPr>
+          <p:grpSp>
+            <p:nvGrpSpPr>
+              <p:cNvPr id="270" name="Gruppierung 269"/>
+              <p:cNvGrpSpPr/>
+              <p:nvPr/>
+            </p:nvGrpSpPr>
+            <p:grpSpPr>
+              <a:xfrm>
+                <a:off x="2230135" y="179129"/>
+                <a:ext cx="1332001" cy="1285501"/>
+                <a:chOff x="3304022" y="2838058"/>
+                <a:chExt cx="526570" cy="675861"/>
+              </a:xfrm>
+            </p:grpSpPr>
+            <p:sp>
+              <p:nvSpPr>
+                <p:cNvPr id="273" name="Rechteck 272"/>
+                <p:cNvSpPr/>
+                <p:nvPr/>
+              </p:nvSpPr>
+              <p:spPr>
+                <a:xfrm>
+                  <a:off x="3304022" y="2838058"/>
+                  <a:ext cx="526570" cy="675861"/>
+                </a:xfrm>
+                <a:prstGeom prst="rect">
+                  <a:avLst/>
+                </a:prstGeom>
+                <a:solidFill>
+                  <a:schemeClr val="bg1"/>
+                </a:solidFill>
+                <a:ln>
+                  <a:noFill/>
+                </a:ln>
+                <a:effectLst>
+                  <a:outerShdw blurRad="25400" dist="76200" dir="5400000" algn="t" rotWithShape="0">
+                    <a:prstClr val="black">
+                      <a:alpha val="20000"/>
+                    </a:prstClr>
+                  </a:outerShdw>
+                </a:effectLst>
+              </p:spPr>
+              <p:style>
+                <a:lnRef idx="1">
+                  <a:schemeClr val="accent1"/>
+                </a:lnRef>
+                <a:fillRef idx="3">
+                  <a:schemeClr val="accent1"/>
+                </a:fillRef>
+                <a:effectRef idx="2">
+                  <a:schemeClr val="accent1"/>
+                </a:effectRef>
+                <a:fontRef idx="minor">
+                  <a:schemeClr val="lt1"/>
+                </a:fontRef>
+              </p:style>
+              <p:txBody>
+                <a:bodyPr rtlCol="0" anchor="ctr"/>
+                <a:lstStyle/>
+                <a:p>
+                  <a:pPr algn="ctr"/>
+                  <a:endParaRPr lang="de-DE" dirty="0"/>
+                </a:p>
+              </p:txBody>
+            </p:sp>
+            <p:cxnSp>
+              <p:nvCxnSpPr>
+                <p:cNvPr id="274" name="Gerade Verbindung 273"/>
+                <p:cNvCxnSpPr/>
+                <p:nvPr/>
+              </p:nvCxnSpPr>
+              <p:spPr>
+                <a:xfrm>
+                  <a:off x="3366630" y="3059861"/>
+                  <a:ext cx="384253" cy="0"/>
+                </a:xfrm>
+                <a:prstGeom prst="line">
+                  <a:avLst/>
+                </a:prstGeom>
+                <a:ln>
+                  <a:solidFill>
+                    <a:schemeClr val="tx1">
+                      <a:lumMod val="50000"/>
+                      <a:lumOff val="50000"/>
+                    </a:schemeClr>
+                  </a:solidFill>
+                </a:ln>
+                <a:effectLst/>
+              </p:spPr>
+              <p:style>
+                <a:lnRef idx="2">
+                  <a:schemeClr val="accent1"/>
+                </a:lnRef>
+                <a:fillRef idx="0">
+                  <a:schemeClr val="accent1"/>
+                </a:fillRef>
+                <a:effectRef idx="1">
+                  <a:schemeClr val="accent1"/>
+                </a:effectRef>
+                <a:fontRef idx="minor">
+                  <a:schemeClr val="tx1"/>
+                </a:fontRef>
+              </p:style>
+            </p:cxnSp>
+            <p:cxnSp>
+              <p:nvCxnSpPr>
+                <p:cNvPr id="275" name="Gerade Verbindung 274"/>
+                <p:cNvCxnSpPr/>
+                <p:nvPr/>
+              </p:nvCxnSpPr>
+              <p:spPr>
+                <a:xfrm>
+                  <a:off x="3366630" y="3164391"/>
+                  <a:ext cx="384253" cy="0"/>
+                </a:xfrm>
+                <a:prstGeom prst="line">
+                  <a:avLst/>
+                </a:prstGeom>
+                <a:ln>
+                  <a:solidFill>
+                    <a:schemeClr val="tx1">
+                      <a:lumMod val="50000"/>
+                      <a:lumOff val="50000"/>
+                    </a:schemeClr>
+                  </a:solidFill>
+                </a:ln>
+                <a:effectLst/>
+              </p:spPr>
+              <p:style>
+                <a:lnRef idx="2">
+                  <a:schemeClr val="accent1"/>
+                </a:lnRef>
+                <a:fillRef idx="0">
+                  <a:schemeClr val="accent1"/>
+                </a:fillRef>
+                <a:effectRef idx="1">
+                  <a:schemeClr val="accent1"/>
+                </a:effectRef>
+                <a:fontRef idx="minor">
+                  <a:schemeClr val="tx1"/>
+                </a:fontRef>
+              </p:style>
+            </p:cxnSp>
+            <p:sp>
+              <p:nvSpPr>
+                <p:cNvPr id="276" name="Textfeld 275"/>
+                <p:cNvSpPr txBox="1"/>
+                <p:nvPr/>
+              </p:nvSpPr>
+              <p:spPr>
+                <a:xfrm>
+                  <a:off x="3334135" y="2855246"/>
+                  <a:ext cx="469330" cy="161816"/>
+                </a:xfrm>
+                <a:prstGeom prst="rect">
+                  <a:avLst/>
+                </a:prstGeom>
+                <a:noFill/>
+              </p:spPr>
+              <p:txBody>
+                <a:bodyPr wrap="square" rtlCol="0">
+                  <a:spAutoFit/>
+                </a:bodyPr>
+                <a:lstStyle/>
+                <a:p>
+                  <a:r>
+                    <a:rPr lang="de-DE" sz="1400" dirty="0" smtClean="0">
+                      <a:solidFill>
+                        <a:schemeClr val="accent3">
+                          <a:lumMod val="75000"/>
+                        </a:schemeClr>
+                      </a:solidFill>
+                    </a:rPr>
+                    <a:t>CHEMIE AG</a:t>
+                  </a:r>
+                  <a:endParaRPr lang="de-DE" sz="1400" dirty="0">
+                    <a:solidFill>
+                      <a:schemeClr val="accent3">
+                        <a:lumMod val="75000"/>
+                      </a:schemeClr>
+                    </a:solidFill>
+                  </a:endParaRPr>
+                </a:p>
+              </p:txBody>
+            </p:sp>
+          </p:grpSp>
+          <p:sp>
+            <p:nvSpPr>
+              <p:cNvPr id="271" name="Textfeld 270"/>
+              <p:cNvSpPr txBox="1"/>
+              <p:nvPr/>
+            </p:nvSpPr>
+            <p:spPr>
+              <a:xfrm>
+                <a:off x="2302846" y="845216"/>
+                <a:ext cx="1015891" cy="548868"/>
+              </a:xfrm>
+              <a:prstGeom prst="rect">
+                <a:avLst/>
+              </a:prstGeom>
+              <a:noFill/>
+            </p:spPr>
+            <p:txBody>
+              <a:bodyPr wrap="square" rtlCol="0">
+                <a:spAutoFit/>
+              </a:bodyPr>
+              <a:lstStyle>
+                <a:defPPr>
+                  <a:defRPr lang="de-DE"/>
+                </a:defPPr>
+                <a:lvl1pPr>
+                  <a:spcBef>
+                    <a:spcPts val="200"/>
+                  </a:spcBef>
+                  <a:defRPr sz="1400">
+                    <a:solidFill>
+                      <a:schemeClr val="tx1">
+                        <a:lumMod val="50000"/>
+                        <a:lumOff val="50000"/>
+                      </a:schemeClr>
+                    </a:solidFill>
+                  </a:defRPr>
+                </a:lvl1pPr>
+              </a:lstStyle>
+              <a:p>
+                <a:r>
+                  <a:rPr lang="de-DE" dirty="0"/>
+                  <a:t>RENDITE</a:t>
+                </a:r>
+              </a:p>
+              <a:p>
+                <a:r>
+                  <a:rPr lang="de-DE" dirty="0"/>
+                  <a:t>RISIKO   </a:t>
+                </a:r>
+              </a:p>
+            </p:txBody>
+          </p:sp>
+          <p:sp>
+            <p:nvSpPr>
+              <p:cNvPr id="272" name="Textfeld 271"/>
+              <p:cNvSpPr txBox="1"/>
+              <p:nvPr/>
+            </p:nvSpPr>
+            <p:spPr>
+              <a:xfrm>
+                <a:off x="3177588" y="801487"/>
+                <a:ext cx="511833" cy="646331"/>
+              </a:xfrm>
+              <a:prstGeom prst="rect">
+                <a:avLst/>
+              </a:prstGeom>
+              <a:noFill/>
+            </p:spPr>
+            <p:txBody>
+              <a:bodyPr wrap="square" rtlCol="0">
+                <a:spAutoFit/>
+              </a:bodyPr>
+              <a:lstStyle/>
+              <a:p>
+                <a:r>
+                  <a:rPr lang="de-DE" b="1" dirty="0" smtClean="0">
+                    <a:solidFill>
+                      <a:srgbClr val="47A4B1"/>
+                    </a:solidFill>
+                  </a:rPr>
+                  <a:t>+</a:t>
+                </a:r>
+              </a:p>
+              <a:p>
+                <a:r>
+                  <a:rPr lang="de-DE" b="1" dirty="0" smtClean="0">
+                    <a:solidFill>
+                      <a:srgbClr val="FF5722"/>
+                    </a:solidFill>
+                  </a:rPr>
+                  <a:t>-</a:t>
+                </a:r>
+                <a:endParaRPr lang="de-DE" b="1" dirty="0">
+                  <a:solidFill>
+                    <a:srgbClr val="FF5722"/>
+                  </a:solidFill>
+                </a:endParaRPr>
+              </a:p>
+            </p:txBody>
+          </p:sp>
+        </p:grpSp>
+        <p:grpSp>
+          <p:nvGrpSpPr>
+            <p:cNvPr id="277" name="Gruppierung 276"/>
+            <p:cNvGrpSpPr/>
+            <p:nvPr/>
+          </p:nvGrpSpPr>
+          <p:grpSpPr>
+            <a:xfrm>
+              <a:off x="5829912" y="684579"/>
+              <a:ext cx="1471984" cy="1285501"/>
+              <a:chOff x="2230137" y="179129"/>
+              <a:chExt cx="1471984" cy="1285501"/>
+            </a:xfrm>
+          </p:grpSpPr>
+          <p:grpSp>
+            <p:nvGrpSpPr>
+              <p:cNvPr id="278" name="Gruppierung 277"/>
+              <p:cNvGrpSpPr/>
+              <p:nvPr/>
+            </p:nvGrpSpPr>
+            <p:grpSpPr>
+              <a:xfrm>
+                <a:off x="2230137" y="179129"/>
+                <a:ext cx="1456358" cy="1285501"/>
+                <a:chOff x="3304022" y="2838058"/>
+                <a:chExt cx="575731" cy="675861"/>
+              </a:xfrm>
+            </p:grpSpPr>
+            <p:sp>
+              <p:nvSpPr>
+                <p:cNvPr id="281" name="Rechteck 280"/>
+                <p:cNvSpPr/>
+                <p:nvPr/>
+              </p:nvSpPr>
+              <p:spPr>
+                <a:xfrm>
+                  <a:off x="3304022" y="2838058"/>
+                  <a:ext cx="526570" cy="675861"/>
+                </a:xfrm>
+                <a:prstGeom prst="rect">
+                  <a:avLst/>
+                </a:prstGeom>
+                <a:solidFill>
+                  <a:schemeClr val="bg1"/>
+                </a:solidFill>
+                <a:ln>
+                  <a:noFill/>
+                </a:ln>
+                <a:effectLst>
+                  <a:outerShdw blurRad="25400" dist="76200" dir="5400000" algn="t" rotWithShape="0">
+                    <a:prstClr val="black">
+                      <a:alpha val="20000"/>
+                    </a:prstClr>
+                  </a:outerShdw>
+                </a:effectLst>
+              </p:spPr>
+              <p:style>
+                <a:lnRef idx="1">
+                  <a:schemeClr val="accent1"/>
+                </a:lnRef>
+                <a:fillRef idx="3">
+                  <a:schemeClr val="accent1"/>
+                </a:fillRef>
+                <a:effectRef idx="2">
+                  <a:schemeClr val="accent1"/>
+                </a:effectRef>
+                <a:fontRef idx="minor">
+                  <a:schemeClr val="lt1"/>
+                </a:fontRef>
+              </p:style>
+              <p:txBody>
+                <a:bodyPr rtlCol="0" anchor="ctr"/>
+                <a:lstStyle/>
+                <a:p>
+                  <a:pPr algn="ctr"/>
+                  <a:endParaRPr lang="de-DE" dirty="0"/>
+                </a:p>
+              </p:txBody>
+            </p:sp>
+            <p:cxnSp>
+              <p:nvCxnSpPr>
+                <p:cNvPr id="282" name="Gerade Verbindung 281"/>
+                <p:cNvCxnSpPr/>
+                <p:nvPr/>
+              </p:nvCxnSpPr>
+              <p:spPr>
+                <a:xfrm>
+                  <a:off x="3366631" y="3059861"/>
+                  <a:ext cx="384253" cy="0"/>
+                </a:xfrm>
+                <a:prstGeom prst="line">
+                  <a:avLst/>
+                </a:prstGeom>
+                <a:ln>
+                  <a:solidFill>
+                    <a:schemeClr val="tx1">
+                      <a:lumMod val="50000"/>
+                      <a:lumOff val="50000"/>
+                    </a:schemeClr>
+                  </a:solidFill>
+                </a:ln>
+                <a:effectLst/>
+              </p:spPr>
+              <p:style>
+                <a:lnRef idx="2">
+                  <a:schemeClr val="accent1"/>
+                </a:lnRef>
+                <a:fillRef idx="0">
+                  <a:schemeClr val="accent1"/>
+                </a:fillRef>
+                <a:effectRef idx="1">
+                  <a:schemeClr val="accent1"/>
+                </a:effectRef>
+                <a:fontRef idx="minor">
+                  <a:schemeClr val="tx1"/>
+                </a:fontRef>
+              </p:style>
+            </p:cxnSp>
+            <p:cxnSp>
+              <p:nvCxnSpPr>
+                <p:cNvPr id="283" name="Gerade Verbindung 282"/>
+                <p:cNvCxnSpPr/>
+                <p:nvPr/>
+              </p:nvCxnSpPr>
+              <p:spPr>
+                <a:xfrm>
+                  <a:off x="3366631" y="3164391"/>
+                  <a:ext cx="384253" cy="0"/>
+                </a:xfrm>
+                <a:prstGeom prst="line">
+                  <a:avLst/>
+                </a:prstGeom>
+                <a:ln>
+                  <a:solidFill>
+                    <a:schemeClr val="tx1">
+                      <a:lumMod val="50000"/>
+                      <a:lumOff val="50000"/>
+                    </a:schemeClr>
+                  </a:solidFill>
+                </a:ln>
+                <a:effectLst/>
+              </p:spPr>
+              <p:style>
+                <a:lnRef idx="2">
+                  <a:schemeClr val="accent1"/>
+                </a:lnRef>
+                <a:fillRef idx="0">
+                  <a:schemeClr val="accent1"/>
+                </a:fillRef>
+                <a:effectRef idx="1">
+                  <a:schemeClr val="accent1"/>
+                </a:effectRef>
+                <a:fontRef idx="minor">
+                  <a:schemeClr val="tx1"/>
+                </a:fontRef>
+              </p:style>
+            </p:cxnSp>
+            <p:sp>
+              <p:nvSpPr>
+                <p:cNvPr id="284" name="Textfeld 283"/>
+                <p:cNvSpPr txBox="1"/>
+                <p:nvPr/>
+              </p:nvSpPr>
+              <p:spPr>
+                <a:xfrm>
+                  <a:off x="3334135" y="2855246"/>
+                  <a:ext cx="545618" cy="161816"/>
+                </a:xfrm>
+                <a:prstGeom prst="rect">
+                  <a:avLst/>
+                </a:prstGeom>
+                <a:noFill/>
+              </p:spPr>
+              <p:txBody>
+                <a:bodyPr wrap="square" rtlCol="0">
+                  <a:spAutoFit/>
+                </a:bodyPr>
+                <a:lstStyle/>
+                <a:p>
+                  <a:r>
+                    <a:rPr lang="de-DE" sz="1400" dirty="0" smtClean="0">
+                      <a:solidFill>
+                        <a:srgbClr val="FF5722"/>
+                      </a:solidFill>
+                    </a:rPr>
+                    <a:t>PORTFOLIO</a:t>
+                  </a:r>
+                  <a:endParaRPr lang="de-DE" sz="1400" dirty="0">
+                    <a:solidFill>
+                      <a:srgbClr val="FF5722"/>
+                    </a:solidFill>
+                  </a:endParaRPr>
+                </a:p>
+              </p:txBody>
+            </p:sp>
+          </p:grpSp>
+          <p:sp>
+            <p:nvSpPr>
+              <p:cNvPr id="279" name="Textfeld 278"/>
+              <p:cNvSpPr txBox="1"/>
+              <p:nvPr/>
+            </p:nvSpPr>
+            <p:spPr>
+              <a:xfrm>
+                <a:off x="2302846" y="857916"/>
+                <a:ext cx="1015891" cy="548868"/>
+              </a:xfrm>
+              <a:prstGeom prst="rect">
+                <a:avLst/>
+              </a:prstGeom>
+              <a:noFill/>
+            </p:spPr>
+            <p:txBody>
+              <a:bodyPr wrap="square" rtlCol="0">
+                <a:spAutoFit/>
+              </a:bodyPr>
+              <a:lstStyle>
+                <a:defPPr>
+                  <a:defRPr lang="de-DE"/>
+                </a:defPPr>
+                <a:lvl1pPr>
+                  <a:spcBef>
+                    <a:spcPts val="200"/>
+                  </a:spcBef>
+                  <a:defRPr sz="1400">
+                    <a:solidFill>
+                      <a:schemeClr val="tx1">
+                        <a:lumMod val="50000"/>
+                        <a:lumOff val="50000"/>
+                      </a:schemeClr>
+                    </a:solidFill>
+                  </a:defRPr>
+                </a:lvl1pPr>
+              </a:lstStyle>
+              <a:p>
+                <a:r>
+                  <a:rPr lang="de-DE" dirty="0"/>
+                  <a:t>RENDITE</a:t>
+                </a:r>
+              </a:p>
+              <a:p>
+                <a:r>
+                  <a:rPr lang="de-DE" dirty="0"/>
+                  <a:t>RISIKO   </a:t>
+                </a:r>
+              </a:p>
+            </p:txBody>
+          </p:sp>
+          <p:sp>
+            <p:nvSpPr>
+              <p:cNvPr id="280" name="Textfeld 279"/>
+              <p:cNvSpPr txBox="1"/>
+              <p:nvPr/>
+            </p:nvSpPr>
+            <p:spPr>
+              <a:xfrm>
+                <a:off x="3190288" y="814187"/>
+                <a:ext cx="511833" cy="646331"/>
+              </a:xfrm>
+              <a:prstGeom prst="rect">
+                <a:avLst/>
+              </a:prstGeom>
+              <a:noFill/>
+            </p:spPr>
+            <p:txBody>
+              <a:bodyPr wrap="square" rtlCol="0">
+                <a:spAutoFit/>
+              </a:bodyPr>
+              <a:lstStyle/>
+              <a:p>
+                <a:r>
+                  <a:rPr lang="de-DE" b="1" dirty="0" smtClean="0">
+                    <a:solidFill>
+                      <a:srgbClr val="47A4B1"/>
+                    </a:solidFill>
+                  </a:rPr>
+                  <a:t>+</a:t>
+                </a:r>
+              </a:p>
+              <a:p>
+                <a:r>
+                  <a:rPr lang="de-DE" b="1" dirty="0" smtClean="0">
+                    <a:solidFill>
+                      <a:srgbClr val="47A4B1"/>
+                    </a:solidFill>
+                  </a:rPr>
+                  <a:t>+</a:t>
+                </a:r>
+                <a:endParaRPr lang="de-DE" b="1" dirty="0">
+                  <a:solidFill>
+                    <a:srgbClr val="47A4B1"/>
+                  </a:solidFill>
+                </a:endParaRPr>
+              </a:p>
+            </p:txBody>
+          </p:sp>
+        </p:grpSp>
+        <p:sp>
+          <p:nvSpPr>
+            <p:cNvPr id="40" name="Textfeld 39"/>
+            <p:cNvSpPr txBox="1"/>
+            <p:nvPr/>
+          </p:nvSpPr>
+          <p:spPr>
+            <a:xfrm flipH="1">
+              <a:off x="3412531" y="1015054"/>
+              <a:ext cx="513284" cy="584775"/>
+            </a:xfrm>
+            <a:prstGeom prst="rect">
+              <a:avLst/>
+            </a:prstGeom>
+            <a:noFill/>
+          </p:spPr>
+          <p:txBody>
+            <a:bodyPr wrap="square" rtlCol="0">
+              <a:spAutoFit/>
+            </a:bodyPr>
+            <a:lstStyle/>
+            <a:p>
+              <a:r>
+                <a:rPr lang="de-DE" sz="3200" dirty="0" smtClean="0">
+                  <a:solidFill>
+                    <a:schemeClr val="bg1"/>
+                  </a:solidFill>
+                </a:rPr>
+                <a:t>+</a:t>
+              </a:r>
+              <a:endParaRPr lang="de-DE" sz="3200" dirty="0">
+                <a:solidFill>
+                  <a:schemeClr val="bg1"/>
+                </a:solidFill>
+              </a:endParaRPr>
+            </a:p>
+          </p:txBody>
+        </p:sp>
+        <p:sp>
+          <p:nvSpPr>
+            <p:cNvPr id="285" name="Textfeld 284"/>
+            <p:cNvSpPr txBox="1"/>
+            <p:nvPr/>
+          </p:nvSpPr>
+          <p:spPr>
+            <a:xfrm flipH="1">
+              <a:off x="5344669" y="1002877"/>
+              <a:ext cx="513284" cy="584775"/>
+            </a:xfrm>
+            <a:prstGeom prst="rect">
+              <a:avLst/>
+            </a:prstGeom>
+            <a:noFill/>
+          </p:spPr>
+          <p:txBody>
+            <a:bodyPr wrap="square" rtlCol="0">
+              <a:spAutoFit/>
+            </a:bodyPr>
+            <a:lstStyle/>
+            <a:p>
+              <a:r>
+                <a:rPr lang="de-DE" sz="3200">
+                  <a:solidFill>
+                    <a:schemeClr val="bg1"/>
+                  </a:solidFill>
+                </a:rPr>
+                <a:t>=</a:t>
+              </a:r>
+            </a:p>
+          </p:txBody>
+        </p:sp>
+        <p:sp>
+          <p:nvSpPr>
+            <p:cNvPr id="286" name="Textfeld 285"/>
+            <p:cNvSpPr txBox="1"/>
+            <p:nvPr/>
+          </p:nvSpPr>
+          <p:spPr>
+            <a:xfrm>
+              <a:off x="2159609" y="61752"/>
+              <a:ext cx="4680160" cy="584775"/>
+            </a:xfrm>
+            <a:prstGeom prst="rect">
+              <a:avLst/>
+            </a:prstGeom>
+            <a:noFill/>
+          </p:spPr>
+          <p:txBody>
+            <a:bodyPr wrap="square" rtlCol="0">
+              <a:spAutoFit/>
+            </a:bodyPr>
+            <a:lstStyle/>
+            <a:p>
+              <a:pPr algn="ctr"/>
+              <a:r>
+                <a:rPr lang="de-DE" sz="3200" smtClean="0">
+                  <a:solidFill>
+                    <a:schemeClr val="bg1"/>
+                  </a:solidFill>
+                </a:rPr>
+                <a:t>DIVERSIFIKATION</a:t>
+              </a:r>
+              <a:endParaRPr lang="de-DE" sz="3200" dirty="0">
+                <a:solidFill>
+                  <a:schemeClr val="bg1"/>
+                </a:solidFill>
+              </a:endParaRPr>
+            </a:p>
+          </p:txBody>
+        </p:sp>
+      </p:grpSp>
+    </p:spTree>
+    <p:extLst>
+      <p:ext uri="{BB962C8B-B14F-4D97-AF65-F5344CB8AC3E}">
         <p14:creationId xmlns:p14="http://schemas.microsoft.com/office/powerpoint/2010/main" val="1208899313"/>
       </p:ext>
     </p:extLst>
@@ -7554,7 +10621,7 @@
 </p:sld>
 </file>
 
-<file path=ppt/slides/slide11.xml><?xml version="1.0" encoding="utf-8"?>
+<file path=ppt/slides/slide12.xml><?xml version="1.0" encoding="utf-8"?>
 <p:sld xmlns:a="http://schemas.openxmlformats.org/drawingml/2006/main" xmlns:r="http://schemas.openxmlformats.org/officeDocument/2006/relationships" xmlns:p="http://schemas.openxmlformats.org/presentationml/2006/main">
   <p:cSld>
     <p:spTree>
@@ -9760,7 +12827,7 @@
 </p:sld>
 </file>
 
-<file path=ppt/slides/slide12.xml><?xml version="1.0" encoding="utf-8"?>
+<file path=ppt/slides/slide13.xml><?xml version="1.0" encoding="utf-8"?>
 <p:sld xmlns:a="http://schemas.openxmlformats.org/drawingml/2006/main" xmlns:r="http://schemas.openxmlformats.org/officeDocument/2006/relationships" xmlns:p="http://schemas.openxmlformats.org/presentationml/2006/main">
   <p:cSld>
     <p:bg>
@@ -9849,7 +12916,7 @@
 </p:sld>
 </file>
 
-<file path=ppt/slides/slide13.xml><?xml version="1.0" encoding="utf-8"?>
+<file path=ppt/slides/slide14.xml><?xml version="1.0" encoding="utf-8"?>
 <p:sld xmlns:a="http://schemas.openxmlformats.org/drawingml/2006/main" xmlns:r="http://schemas.openxmlformats.org/officeDocument/2006/relationships" xmlns:p="http://schemas.openxmlformats.org/presentationml/2006/main">
   <p:cSld>
     <p:spTree>
@@ -10570,7 +13637,7 @@
 </p:sld>
 </file>
 
-<file path=ppt/slides/slide14.xml><?xml version="1.0" encoding="utf-8"?>
+<file path=ppt/slides/slide15.xml><?xml version="1.0" encoding="utf-8"?>
 <p:sld xmlns:a="http://schemas.openxmlformats.org/drawingml/2006/main" xmlns:r="http://schemas.openxmlformats.org/officeDocument/2006/relationships" xmlns:p="http://schemas.openxmlformats.org/presentationml/2006/main">
   <p:cSld>
     <p:bg>
@@ -11224,6 +14291,165 @@
     <p:bg>
       <p:bgPr>
         <a:solidFill>
+          <a:srgbClr val="325C72">
+            <a:alpha val="0"/>
+          </a:srgbClr>
+        </a:solidFill>
+        <a:effectLst/>
+      </p:bgPr>
+    </p:bg>
+    <p:spTree>
+      <p:nvGrpSpPr>
+        <p:cNvPr id="1" name=""/>
+        <p:cNvGrpSpPr/>
+        <p:nvPr/>
+      </p:nvGrpSpPr>
+      <p:grpSpPr>
+        <a:xfrm>
+          <a:off x="0" y="0"/>
+          <a:ext cx="0" cy="0"/>
+          <a:chOff x="0" y="0"/>
+          <a:chExt cx="0" cy="0"/>
+        </a:xfrm>
+      </p:grpSpPr>
+      <p:grpSp>
+        <p:nvGrpSpPr>
+          <p:cNvPr id="3" name="Gruppierung 2"/>
+          <p:cNvGrpSpPr/>
+          <p:nvPr/>
+        </p:nvGrpSpPr>
+        <p:grpSpPr>
+          <a:xfrm>
+            <a:off x="2870200" y="1268007"/>
+            <a:ext cx="3327400" cy="3227793"/>
+            <a:chOff x="2870200" y="1268007"/>
+            <a:chExt cx="3327400" cy="3227793"/>
+          </a:xfrm>
+        </p:grpSpPr>
+        <p:sp>
+          <p:nvSpPr>
+            <p:cNvPr id="2" name="Rechteck 1"/>
+            <p:cNvSpPr/>
+            <p:nvPr/>
+          </p:nvSpPr>
+          <p:spPr>
+            <a:xfrm>
+              <a:off x="2870200" y="1320800"/>
+              <a:ext cx="3175000" cy="3175000"/>
+            </a:xfrm>
+            <a:prstGeom prst="rect">
+              <a:avLst/>
+            </a:prstGeom>
+            <a:solidFill>
+              <a:srgbClr val="325C72"/>
+            </a:solidFill>
+            <a:effectLst/>
+          </p:spPr>
+          <p:style>
+            <a:lnRef idx="1">
+              <a:schemeClr val="accent1"/>
+            </a:lnRef>
+            <a:fillRef idx="3">
+              <a:schemeClr val="accent1"/>
+            </a:fillRef>
+            <a:effectRef idx="2">
+              <a:schemeClr val="accent1"/>
+            </a:effectRef>
+            <a:fontRef idx="minor">
+              <a:schemeClr val="lt1"/>
+            </a:fontRef>
+          </p:style>
+          <p:txBody>
+            <a:bodyPr rtlCol="0" anchor="ctr"/>
+            <a:lstStyle/>
+            <a:p>
+              <a:pPr algn="ctr"/>
+              <a:endParaRPr lang="de-DE"/>
+            </a:p>
+          </p:txBody>
+        </p:sp>
+        <p:sp>
+          <p:nvSpPr>
+            <p:cNvPr id="6" name="Textfeld 5"/>
+            <p:cNvSpPr txBox="1"/>
+            <p:nvPr/>
+          </p:nvSpPr>
+          <p:spPr>
+            <a:xfrm>
+              <a:off x="2941868" y="1268007"/>
+              <a:ext cx="3255732" cy="1323439"/>
+            </a:xfrm>
+            <a:prstGeom prst="rect">
+              <a:avLst/>
+            </a:prstGeom>
+            <a:noFill/>
+          </p:spPr>
+          <p:txBody>
+            <a:bodyPr wrap="square" rtlCol="0">
+              <a:spAutoFit/>
+            </a:bodyPr>
+            <a:lstStyle/>
+            <a:p>
+              <a:r>
+                <a:rPr lang="de-DE" sz="8000" b="1" dirty="0" smtClean="0">
+                  <a:solidFill>
+                    <a:schemeClr val="bg1"/>
+                  </a:solidFill>
+                  <a:latin typeface="Audiowide" charset="0"/>
+                  <a:ea typeface="Audiowide" charset="0"/>
+                  <a:cs typeface="Audiowide" charset="0"/>
+                </a:rPr>
+                <a:t>Fin</a:t>
+              </a:r>
+              <a:r>
+                <a:rPr lang="de-DE" sz="8000" b="1" dirty="0" smtClean="0">
+                  <a:solidFill>
+                    <a:srgbClr val="F38200"/>
+                  </a:solidFill>
+                  <a:latin typeface="Audiowide" charset="0"/>
+                  <a:ea typeface="Audiowide" charset="0"/>
+                  <a:cs typeface="Audiowide" charset="0"/>
+                </a:rPr>
+                <a:t>IQ</a:t>
+              </a:r>
+              <a:endParaRPr lang="de-DE" sz="8000" b="1" dirty="0">
+                <a:solidFill>
+                  <a:srgbClr val="F38200"/>
+                </a:solidFill>
+                <a:latin typeface="Audiowide" charset="0"/>
+                <a:ea typeface="Audiowide" charset="0"/>
+                <a:cs typeface="Audiowide" charset="0"/>
+              </a:endParaRPr>
+            </a:p>
+          </p:txBody>
+        </p:sp>
+      </p:grpSp>
+    </p:spTree>
+    <p:extLst>
+      <p:ext uri="{BB962C8B-B14F-4D97-AF65-F5344CB8AC3E}">
+        <p14:creationId xmlns:p14="http://schemas.microsoft.com/office/powerpoint/2010/main" val="1786728339"/>
+      </p:ext>
+    </p:extLst>
+  </p:cSld>
+  <p:clrMapOvr>
+    <a:masterClrMapping/>
+  </p:clrMapOvr>
+  <p:timing>
+    <p:tnLst>
+      <p:par>
+        <p:cTn id="1" dur="indefinite" restart="never" nodeType="tmRoot"/>
+      </p:par>
+    </p:tnLst>
+  </p:timing>
+</p:sld>
+</file>
+
+<file path=ppt/slides/slide6.xml><?xml version="1.0" encoding="utf-8"?>
+<p:sld xmlns:a="http://schemas.openxmlformats.org/drawingml/2006/main" xmlns:r="http://schemas.openxmlformats.org/officeDocument/2006/relationships" xmlns:p="http://schemas.openxmlformats.org/presentationml/2006/main">
+  <p:cSld>
+    <p:bg>
+      <p:bgPr>
+        <a:solidFill>
           <a:schemeClr val="tx2"/>
         </a:solidFill>
         <a:effectLst/>
@@ -11307,7 +14533,7 @@
 </p:sld>
 </file>
 
-<file path=ppt/slides/slide6.xml><?xml version="1.0" encoding="utf-8"?>
+<file path=ppt/slides/slide7.xml><?xml version="1.0" encoding="utf-8"?>
 <p:sld xmlns:a="http://schemas.openxmlformats.org/drawingml/2006/main" xmlns:r="http://schemas.openxmlformats.org/officeDocument/2006/relationships" xmlns:p="http://schemas.openxmlformats.org/presentationml/2006/main">
   <p:cSld>
     <p:spTree>
@@ -13475,7 +16701,7 @@
 </p:sld>
 </file>
 
-<file path=ppt/slides/slide7.xml><?xml version="1.0" encoding="utf-8"?>
+<file path=ppt/slides/slide8.xml><?xml version="1.0" encoding="utf-8"?>
 <p:sld xmlns:a="http://schemas.openxmlformats.org/drawingml/2006/main" xmlns:r="http://schemas.openxmlformats.org/officeDocument/2006/relationships" xmlns:p="http://schemas.openxmlformats.org/presentationml/2006/main">
   <p:cSld>
     <p:spTree>
@@ -13783,11 +17009,6 @@
                 </a:rPr>
                 <a:t>Aktives Management</a:t>
               </a:r>
-              <a:endParaRPr lang="de-DE" dirty="0" smtClean="0">
-                <a:solidFill>
-                  <a:schemeClr val="bg1"/>
-                </a:solidFill>
-              </a:endParaRPr>
             </a:p>
             <a:p>
               <a:pPr marL="342900" indent="-342900">
@@ -14380,11 +17601,6 @@
                 </a:rPr>
                 <a:t>Liquidität</a:t>
               </a:r>
-              <a:endParaRPr lang="de-DE" sz="1600" dirty="0" smtClean="0">
-                <a:solidFill>
-                  <a:schemeClr val="bg1"/>
-                </a:solidFill>
-              </a:endParaRPr>
             </a:p>
           </p:txBody>
         </p:sp>
@@ -14422,11 +17638,6 @@
                 </a:rPr>
                 <a:t>Zins</a:t>
               </a:r>
-              <a:endParaRPr lang="de-DE" sz="1600" dirty="0" smtClean="0">
-                <a:solidFill>
-                  <a:schemeClr val="bg1"/>
-                </a:solidFill>
-              </a:endParaRPr>
             </a:p>
           </p:txBody>
         </p:sp>
@@ -14464,11 +17675,6 @@
                 </a:rPr>
                 <a:t>Wechselkurs</a:t>
               </a:r>
-              <a:endParaRPr lang="de-DE" sz="1600" dirty="0" smtClean="0">
-                <a:solidFill>
-                  <a:schemeClr val="bg1"/>
-                </a:solidFill>
-              </a:endParaRPr>
             </a:p>
           </p:txBody>
         </p:sp>
@@ -14493,7 +17699,7 @@
 </p:sld>
 </file>
 
-<file path=ppt/slides/slide8.xml><?xml version="1.0" encoding="utf-8"?>
+<file path=ppt/slides/slide9.xml><?xml version="1.0" encoding="utf-8"?>
 <p:sld xmlns:a="http://schemas.openxmlformats.org/drawingml/2006/main" xmlns:r="http://schemas.openxmlformats.org/officeDocument/2006/relationships" xmlns:p="http://schemas.openxmlformats.org/presentationml/2006/main">
   <p:cSld>
     <p:spTree>
@@ -21124,3072 +24330,6 @@
     <p:extLst>
       <p:ext uri="{BB962C8B-B14F-4D97-AF65-F5344CB8AC3E}">
         <p14:creationId xmlns:p14="http://schemas.microsoft.com/office/powerpoint/2010/main" val="595818973"/>
-      </p:ext>
-    </p:extLst>
-  </p:cSld>
-  <p:clrMapOvr>
-    <a:masterClrMapping/>
-  </p:clrMapOvr>
-  <p:timing>
-    <p:tnLst>
-      <p:par>
-        <p:cTn id="1" dur="indefinite" restart="never" nodeType="tmRoot"/>
-      </p:par>
-    </p:tnLst>
-  </p:timing>
-</p:sld>
-</file>
-
-<file path=ppt/slides/slide9.xml><?xml version="1.0" encoding="utf-8"?>
-<p:sld xmlns:a="http://schemas.openxmlformats.org/drawingml/2006/main" xmlns:r="http://schemas.openxmlformats.org/officeDocument/2006/relationships" xmlns:p="http://schemas.openxmlformats.org/presentationml/2006/main">
-  <p:cSld>
-    <p:spTree>
-      <p:nvGrpSpPr>
-        <p:cNvPr id="1" name=""/>
-        <p:cNvGrpSpPr/>
-        <p:nvPr/>
-      </p:nvGrpSpPr>
-      <p:grpSpPr>
-        <a:xfrm>
-          <a:off x="0" y="0"/>
-          <a:ext cx="0" cy="0"/>
-          <a:chOff x="0" y="0"/>
-          <a:chExt cx="0" cy="0"/>
-        </a:xfrm>
-      </p:grpSpPr>
-      <p:grpSp>
-        <p:nvGrpSpPr>
-          <p:cNvPr id="43" name="Gruppierung 42"/>
-          <p:cNvGrpSpPr/>
-          <p:nvPr/>
-        </p:nvGrpSpPr>
-        <p:grpSpPr>
-          <a:xfrm>
-            <a:off x="1150477" y="7477"/>
-            <a:ext cx="6972680" cy="6843046"/>
-            <a:chOff x="1150477" y="7477"/>
-            <a:chExt cx="6972680" cy="6843046"/>
-          </a:xfrm>
-        </p:grpSpPr>
-        <p:sp>
-          <p:nvSpPr>
-            <p:cNvPr id="4" name="Rechteck 3"/>
-            <p:cNvSpPr/>
-            <p:nvPr/>
-          </p:nvSpPr>
-          <p:spPr>
-            <a:xfrm>
-              <a:off x="1150477" y="7477"/>
-              <a:ext cx="6843046" cy="6843046"/>
-            </a:xfrm>
-            <a:prstGeom prst="rect">
-              <a:avLst/>
-            </a:prstGeom>
-            <a:solidFill>
-              <a:srgbClr val="47A4B1"/>
-            </a:solidFill>
-            <a:ln>
-              <a:noFill/>
-            </a:ln>
-            <a:effectLst/>
-          </p:spPr>
-          <p:style>
-            <a:lnRef idx="1">
-              <a:schemeClr val="accent1"/>
-            </a:lnRef>
-            <a:fillRef idx="3">
-              <a:schemeClr val="accent1"/>
-            </a:fillRef>
-            <a:effectRef idx="2">
-              <a:schemeClr val="accent1"/>
-            </a:effectRef>
-            <a:fontRef idx="minor">
-              <a:schemeClr val="lt1"/>
-            </a:fontRef>
-          </p:style>
-          <p:txBody>
-            <a:bodyPr rtlCol="0" anchor="ctr"/>
-            <a:lstStyle/>
-            <a:p>
-              <a:pPr algn="ctr"/>
-              <a:endParaRPr lang="de-DE"/>
-            </a:p>
-          </p:txBody>
-        </p:sp>
-        <p:sp>
-          <p:nvSpPr>
-            <p:cNvPr id="60" name="Textfeld 59"/>
-            <p:cNvSpPr txBox="1"/>
-            <p:nvPr/>
-          </p:nvSpPr>
-          <p:spPr>
-            <a:xfrm>
-              <a:off x="7256472" y="6511969"/>
-              <a:ext cx="866685" cy="338554"/>
-            </a:xfrm>
-            <a:prstGeom prst="rect">
-              <a:avLst/>
-            </a:prstGeom>
-            <a:noFill/>
-          </p:spPr>
-          <p:txBody>
-            <a:bodyPr wrap="square" rtlCol="0">
-              <a:spAutoFit/>
-            </a:bodyPr>
-            <a:lstStyle/>
-            <a:p>
-              <a:r>
-                <a:rPr lang="de-DE" sz="1600" b="1" dirty="0" smtClean="0">
-                  <a:solidFill>
-                    <a:schemeClr val="bg1"/>
-                  </a:solidFill>
-                  <a:latin typeface="Audiowide" charset="0"/>
-                  <a:ea typeface="Audiowide" charset="0"/>
-                  <a:cs typeface="Audiowide" charset="0"/>
-                </a:rPr>
-                <a:t>Fin</a:t>
-              </a:r>
-              <a:r>
-                <a:rPr lang="de-DE" sz="1600" b="1" dirty="0" smtClean="0">
-                  <a:solidFill>
-                    <a:srgbClr val="F38200"/>
-                  </a:solidFill>
-                  <a:latin typeface="Audiowide" charset="0"/>
-                  <a:ea typeface="Audiowide" charset="0"/>
-                  <a:cs typeface="Audiowide" charset="0"/>
-                </a:rPr>
-                <a:t>IQ</a:t>
-              </a:r>
-              <a:endParaRPr lang="de-DE" sz="1600" b="1" dirty="0">
-                <a:solidFill>
-                  <a:srgbClr val="F38200"/>
-                </a:solidFill>
-                <a:latin typeface="Audiowide" charset="0"/>
-                <a:ea typeface="Audiowide" charset="0"/>
-                <a:cs typeface="Audiowide" charset="0"/>
-              </a:endParaRPr>
-            </a:p>
-          </p:txBody>
-        </p:sp>
-        <p:sp>
-          <p:nvSpPr>
-            <p:cNvPr id="6" name="Abgerundetes Rechteck 5"/>
-            <p:cNvSpPr/>
-            <p:nvPr/>
-          </p:nvSpPr>
-          <p:spPr>
-            <a:xfrm>
-              <a:off x="1562583" y="2158973"/>
-              <a:ext cx="6018835" cy="4441912"/>
-            </a:xfrm>
-            <a:prstGeom prst="roundRect">
-              <a:avLst/>
-            </a:prstGeom>
-            <a:solidFill>
-              <a:schemeClr val="bg1">
-                <a:lumMod val="95000"/>
-              </a:schemeClr>
-            </a:solidFill>
-            <a:ln>
-              <a:noFill/>
-            </a:ln>
-            <a:effectLst>
-              <a:outerShdw blurRad="25400" dist="76200" dir="5400000" algn="t" rotWithShape="0">
-                <a:prstClr val="black">
-                  <a:alpha val="20000"/>
-                </a:prstClr>
-              </a:outerShdw>
-            </a:effectLst>
-          </p:spPr>
-          <p:style>
-            <a:lnRef idx="1">
-              <a:schemeClr val="accent1"/>
-            </a:lnRef>
-            <a:fillRef idx="3">
-              <a:schemeClr val="accent1"/>
-            </a:fillRef>
-            <a:effectRef idx="2">
-              <a:schemeClr val="accent1"/>
-            </a:effectRef>
-            <a:fontRef idx="minor">
-              <a:schemeClr val="lt1"/>
-            </a:fontRef>
-          </p:style>
-          <p:txBody>
-            <a:bodyPr rtlCol="0" anchor="ctr"/>
-            <a:lstStyle/>
-            <a:p>
-              <a:pPr algn="ctr"/>
-              <a:endParaRPr lang="de-DE"/>
-            </a:p>
-          </p:txBody>
-        </p:sp>
-        <p:grpSp>
-          <p:nvGrpSpPr>
-            <p:cNvPr id="17" name="Gruppierung 16"/>
-            <p:cNvGrpSpPr/>
-            <p:nvPr/>
-          </p:nvGrpSpPr>
-          <p:grpSpPr>
-            <a:xfrm>
-              <a:off x="1717375" y="2925270"/>
-              <a:ext cx="4813139" cy="2685326"/>
-              <a:chOff x="2187617" y="1792139"/>
-              <a:chExt cx="4813139" cy="2685326"/>
-            </a:xfrm>
-          </p:grpSpPr>
-          <p:cxnSp>
-            <p:nvCxnSpPr>
-              <p:cNvPr id="8" name="Gerade Verbindung 7"/>
-              <p:cNvCxnSpPr/>
-              <p:nvPr/>
-            </p:nvCxnSpPr>
-            <p:spPr>
-              <a:xfrm>
-                <a:off x="2187617" y="1792139"/>
-                <a:ext cx="0" cy="2685326"/>
-              </a:xfrm>
-              <a:prstGeom prst="line">
-                <a:avLst/>
-              </a:prstGeom>
-              <a:ln>
-                <a:solidFill>
-                  <a:schemeClr val="bg1">
-                    <a:lumMod val="85000"/>
-                  </a:schemeClr>
-                </a:solidFill>
-              </a:ln>
-              <a:effectLst/>
-            </p:spPr>
-            <p:style>
-              <a:lnRef idx="2">
-                <a:schemeClr val="accent1"/>
-              </a:lnRef>
-              <a:fillRef idx="0">
-                <a:schemeClr val="accent1"/>
-              </a:fillRef>
-              <a:effectRef idx="1">
-                <a:schemeClr val="accent1"/>
-              </a:effectRef>
-              <a:fontRef idx="minor">
-                <a:schemeClr val="tx1"/>
-              </a:fontRef>
-            </p:style>
-          </p:cxnSp>
-          <p:cxnSp>
-            <p:nvCxnSpPr>
-              <p:cNvPr id="58" name="Gerade Verbindung 57"/>
-              <p:cNvCxnSpPr/>
-              <p:nvPr/>
-            </p:nvCxnSpPr>
-            <p:spPr>
-              <a:xfrm>
-                <a:off x="3150245" y="1792139"/>
-                <a:ext cx="0" cy="2685326"/>
-              </a:xfrm>
-              <a:prstGeom prst="line">
-                <a:avLst/>
-              </a:prstGeom>
-              <a:ln>
-                <a:solidFill>
-                  <a:schemeClr val="bg1">
-                    <a:lumMod val="85000"/>
-                  </a:schemeClr>
-                </a:solidFill>
-              </a:ln>
-              <a:effectLst/>
-            </p:spPr>
-            <p:style>
-              <a:lnRef idx="2">
-                <a:schemeClr val="accent1"/>
-              </a:lnRef>
-              <a:fillRef idx="0">
-                <a:schemeClr val="accent1"/>
-              </a:fillRef>
-              <a:effectRef idx="1">
-                <a:schemeClr val="accent1"/>
-              </a:effectRef>
-              <a:fontRef idx="minor">
-                <a:schemeClr val="tx1"/>
-              </a:fontRef>
-            </p:style>
-          </p:cxnSp>
-          <p:cxnSp>
-            <p:nvCxnSpPr>
-              <p:cNvPr id="62" name="Gerade Verbindung 61"/>
-              <p:cNvCxnSpPr/>
-              <p:nvPr/>
-            </p:nvCxnSpPr>
-            <p:spPr>
-              <a:xfrm>
-                <a:off x="4112873" y="1792139"/>
-                <a:ext cx="0" cy="2685326"/>
-              </a:xfrm>
-              <a:prstGeom prst="line">
-                <a:avLst/>
-              </a:prstGeom>
-              <a:ln>
-                <a:solidFill>
-                  <a:schemeClr val="bg1">
-                    <a:lumMod val="85000"/>
-                  </a:schemeClr>
-                </a:solidFill>
-              </a:ln>
-              <a:effectLst/>
-            </p:spPr>
-            <p:style>
-              <a:lnRef idx="2">
-                <a:schemeClr val="accent1"/>
-              </a:lnRef>
-              <a:fillRef idx="0">
-                <a:schemeClr val="accent1"/>
-              </a:fillRef>
-              <a:effectRef idx="1">
-                <a:schemeClr val="accent1"/>
-              </a:effectRef>
-              <a:fontRef idx="minor">
-                <a:schemeClr val="tx1"/>
-              </a:fontRef>
-            </p:style>
-          </p:cxnSp>
-          <p:cxnSp>
-            <p:nvCxnSpPr>
-              <p:cNvPr id="63" name="Gerade Verbindung 62"/>
-              <p:cNvCxnSpPr/>
-              <p:nvPr/>
-            </p:nvCxnSpPr>
-            <p:spPr>
-              <a:xfrm>
-                <a:off x="5075501" y="1792139"/>
-                <a:ext cx="0" cy="2685326"/>
-              </a:xfrm>
-              <a:prstGeom prst="line">
-                <a:avLst/>
-              </a:prstGeom>
-              <a:ln>
-                <a:solidFill>
-                  <a:schemeClr val="bg1">
-                    <a:lumMod val="85000"/>
-                  </a:schemeClr>
-                </a:solidFill>
-              </a:ln>
-              <a:effectLst/>
-            </p:spPr>
-            <p:style>
-              <a:lnRef idx="2">
-                <a:schemeClr val="accent1"/>
-              </a:lnRef>
-              <a:fillRef idx="0">
-                <a:schemeClr val="accent1"/>
-              </a:fillRef>
-              <a:effectRef idx="1">
-                <a:schemeClr val="accent1"/>
-              </a:effectRef>
-              <a:fontRef idx="minor">
-                <a:schemeClr val="tx1"/>
-              </a:fontRef>
-            </p:style>
-          </p:cxnSp>
-          <p:cxnSp>
-            <p:nvCxnSpPr>
-              <p:cNvPr id="64" name="Gerade Verbindung 63"/>
-              <p:cNvCxnSpPr/>
-              <p:nvPr/>
-            </p:nvCxnSpPr>
-            <p:spPr>
-              <a:xfrm>
-                <a:off x="6038129" y="1792139"/>
-                <a:ext cx="0" cy="2685326"/>
-              </a:xfrm>
-              <a:prstGeom prst="line">
-                <a:avLst/>
-              </a:prstGeom>
-              <a:ln>
-                <a:solidFill>
-                  <a:schemeClr val="bg1">
-                    <a:lumMod val="85000"/>
-                  </a:schemeClr>
-                </a:solidFill>
-              </a:ln>
-              <a:effectLst/>
-            </p:spPr>
-            <p:style>
-              <a:lnRef idx="2">
-                <a:schemeClr val="accent1"/>
-              </a:lnRef>
-              <a:fillRef idx="0">
-                <a:schemeClr val="accent1"/>
-              </a:fillRef>
-              <a:effectRef idx="1">
-                <a:schemeClr val="accent1"/>
-              </a:effectRef>
-              <a:fontRef idx="minor">
-                <a:schemeClr val="tx1"/>
-              </a:fontRef>
-            </p:style>
-          </p:cxnSp>
-          <p:cxnSp>
-            <p:nvCxnSpPr>
-              <p:cNvPr id="65" name="Gerade Verbindung 64"/>
-              <p:cNvCxnSpPr/>
-              <p:nvPr/>
-            </p:nvCxnSpPr>
-            <p:spPr>
-              <a:xfrm>
-                <a:off x="7000756" y="1792139"/>
-                <a:ext cx="0" cy="2685326"/>
-              </a:xfrm>
-              <a:prstGeom prst="line">
-                <a:avLst/>
-              </a:prstGeom>
-              <a:ln>
-                <a:solidFill>
-                  <a:schemeClr val="bg1">
-                    <a:lumMod val="85000"/>
-                  </a:schemeClr>
-                </a:solidFill>
-              </a:ln>
-              <a:effectLst/>
-            </p:spPr>
-            <p:style>
-              <a:lnRef idx="2">
-                <a:schemeClr val="accent1"/>
-              </a:lnRef>
-              <a:fillRef idx="0">
-                <a:schemeClr val="accent1"/>
-              </a:fillRef>
-              <a:effectRef idx="1">
-                <a:schemeClr val="accent1"/>
-              </a:effectRef>
-              <a:fontRef idx="minor">
-                <a:schemeClr val="tx1"/>
-              </a:fontRef>
-            </p:style>
-          </p:cxnSp>
-        </p:grpSp>
-        <p:cxnSp>
-          <p:nvCxnSpPr>
-            <p:cNvPr id="36" name="Gerade Verbindung 35"/>
-            <p:cNvCxnSpPr/>
-            <p:nvPr/>
-          </p:nvCxnSpPr>
-          <p:spPr>
-            <a:xfrm flipV="1">
-              <a:off x="1717375" y="3998958"/>
-              <a:ext cx="1387997" cy="495662"/>
-            </a:xfrm>
-            <a:prstGeom prst="line">
-              <a:avLst/>
-            </a:prstGeom>
-            <a:ln>
-              <a:solidFill>
-                <a:srgbClr val="FF5722"/>
-              </a:solidFill>
-            </a:ln>
-          </p:spPr>
-          <p:style>
-            <a:lnRef idx="2">
-              <a:schemeClr val="accent1"/>
-            </a:lnRef>
-            <a:fillRef idx="0">
-              <a:schemeClr val="accent1"/>
-            </a:fillRef>
-            <a:effectRef idx="1">
-              <a:schemeClr val="accent1"/>
-            </a:effectRef>
-            <a:fontRef idx="minor">
-              <a:schemeClr val="tx1"/>
-            </a:fontRef>
-          </p:style>
-        </p:cxnSp>
-        <p:cxnSp>
-          <p:nvCxnSpPr>
-            <p:cNvPr id="66" name="Gerade Verbindung 65"/>
-            <p:cNvCxnSpPr/>
-            <p:nvPr/>
-          </p:nvCxnSpPr>
-          <p:spPr>
-            <a:xfrm>
-              <a:off x="3105372" y="4007514"/>
-              <a:ext cx="884438" cy="204998"/>
-            </a:xfrm>
-            <a:prstGeom prst="line">
-              <a:avLst/>
-            </a:prstGeom>
-            <a:ln>
-              <a:solidFill>
-                <a:srgbClr val="FF5722"/>
-              </a:solidFill>
-            </a:ln>
-          </p:spPr>
-          <p:style>
-            <a:lnRef idx="2">
-              <a:schemeClr val="accent1"/>
-            </a:lnRef>
-            <a:fillRef idx="0">
-              <a:schemeClr val="accent1"/>
-            </a:fillRef>
-            <a:effectRef idx="1">
-              <a:schemeClr val="accent1"/>
-            </a:effectRef>
-            <a:fontRef idx="minor">
-              <a:schemeClr val="tx1"/>
-            </a:fontRef>
-          </p:style>
-        </p:cxnSp>
-        <p:cxnSp>
-          <p:nvCxnSpPr>
-            <p:cNvPr id="67" name="Gerade Verbindung 66"/>
-            <p:cNvCxnSpPr/>
-            <p:nvPr/>
-          </p:nvCxnSpPr>
-          <p:spPr>
-            <a:xfrm flipV="1">
-              <a:off x="3961965" y="3940288"/>
-              <a:ext cx="1228312" cy="273450"/>
-            </a:xfrm>
-            <a:prstGeom prst="line">
-              <a:avLst/>
-            </a:prstGeom>
-            <a:ln>
-              <a:solidFill>
-                <a:srgbClr val="FF5722"/>
-              </a:solidFill>
-            </a:ln>
-          </p:spPr>
-          <p:style>
-            <a:lnRef idx="2">
-              <a:schemeClr val="accent1"/>
-            </a:lnRef>
-            <a:fillRef idx="0">
-              <a:schemeClr val="accent1"/>
-            </a:fillRef>
-            <a:effectRef idx="1">
-              <a:schemeClr val="accent1"/>
-            </a:effectRef>
-            <a:fontRef idx="minor">
-              <a:schemeClr val="tx1"/>
-            </a:fontRef>
-          </p:style>
-        </p:cxnSp>
-        <p:cxnSp>
-          <p:nvCxnSpPr>
-            <p:cNvPr id="72" name="Gerade Verbindung 71"/>
-            <p:cNvCxnSpPr/>
-            <p:nvPr/>
-          </p:nvCxnSpPr>
-          <p:spPr>
-            <a:xfrm flipV="1">
-              <a:off x="5191410" y="3457196"/>
-              <a:ext cx="1316246" cy="477036"/>
-            </a:xfrm>
-            <a:prstGeom prst="line">
-              <a:avLst/>
-            </a:prstGeom>
-            <a:ln>
-              <a:solidFill>
-                <a:srgbClr val="FF5722"/>
-              </a:solidFill>
-            </a:ln>
-          </p:spPr>
-          <p:style>
-            <a:lnRef idx="2">
-              <a:schemeClr val="accent1"/>
-            </a:lnRef>
-            <a:fillRef idx="0">
-              <a:schemeClr val="accent1"/>
-            </a:fillRef>
-            <a:effectRef idx="1">
-              <a:schemeClr val="accent1"/>
-            </a:effectRef>
-            <a:fontRef idx="minor">
-              <a:schemeClr val="tx1"/>
-            </a:fontRef>
-          </p:style>
-        </p:cxnSp>
-        <p:cxnSp>
-          <p:nvCxnSpPr>
-            <p:cNvPr id="166" name="Gerade Verbindung 165"/>
-            <p:cNvCxnSpPr/>
-            <p:nvPr/>
-          </p:nvCxnSpPr>
-          <p:spPr>
-            <a:xfrm flipV="1">
-              <a:off x="1705638" y="3502940"/>
-              <a:ext cx="1387586" cy="990029"/>
-            </a:xfrm>
-            <a:prstGeom prst="line">
-              <a:avLst/>
-            </a:prstGeom>
-            <a:ln>
-              <a:solidFill>
-                <a:srgbClr val="2196F3"/>
-              </a:solidFill>
-            </a:ln>
-          </p:spPr>
-          <p:style>
-            <a:lnRef idx="2">
-              <a:schemeClr val="accent1"/>
-            </a:lnRef>
-            <a:fillRef idx="0">
-              <a:schemeClr val="accent1"/>
-            </a:fillRef>
-            <a:effectRef idx="1">
-              <a:schemeClr val="accent1"/>
-            </a:effectRef>
-            <a:fontRef idx="minor">
-              <a:schemeClr val="tx1"/>
-            </a:fontRef>
-          </p:style>
-        </p:cxnSp>
-        <p:cxnSp>
-          <p:nvCxnSpPr>
-            <p:cNvPr id="168" name="Gerade Verbindung 167"/>
-            <p:cNvCxnSpPr/>
-            <p:nvPr/>
-          </p:nvCxnSpPr>
-          <p:spPr>
-            <a:xfrm flipV="1">
-              <a:off x="1724746" y="4464676"/>
-              <a:ext cx="1377035" cy="24751"/>
-            </a:xfrm>
-            <a:prstGeom prst="line">
-              <a:avLst/>
-            </a:prstGeom>
-            <a:ln>
-              <a:solidFill>
-                <a:schemeClr val="accent3">
-                  <a:lumMod val="75000"/>
-                </a:schemeClr>
-              </a:solidFill>
-            </a:ln>
-          </p:spPr>
-          <p:style>
-            <a:lnRef idx="2">
-              <a:schemeClr val="accent1"/>
-            </a:lnRef>
-            <a:fillRef idx="0">
-              <a:schemeClr val="accent1"/>
-            </a:fillRef>
-            <a:effectRef idx="1">
-              <a:schemeClr val="accent1"/>
-            </a:effectRef>
-            <a:fontRef idx="minor">
-              <a:schemeClr val="tx1"/>
-            </a:fontRef>
-          </p:style>
-        </p:cxnSp>
-        <p:cxnSp>
-          <p:nvCxnSpPr>
-            <p:cNvPr id="170" name="Gerade Verbindung 169"/>
-            <p:cNvCxnSpPr/>
-            <p:nvPr/>
-          </p:nvCxnSpPr>
-          <p:spPr>
-            <a:xfrm flipV="1">
-              <a:off x="3096973" y="2934201"/>
-              <a:ext cx="821841" cy="570837"/>
-            </a:xfrm>
-            <a:prstGeom prst="line">
-              <a:avLst/>
-            </a:prstGeom>
-            <a:ln>
-              <a:solidFill>
-                <a:srgbClr val="2196F3"/>
-              </a:solidFill>
-            </a:ln>
-          </p:spPr>
-          <p:style>
-            <a:lnRef idx="2">
-              <a:schemeClr val="accent1"/>
-            </a:lnRef>
-            <a:fillRef idx="0">
-              <a:schemeClr val="accent1"/>
-            </a:fillRef>
-            <a:effectRef idx="1">
-              <a:schemeClr val="accent1"/>
-            </a:effectRef>
-            <a:fontRef idx="minor">
-              <a:schemeClr val="tx1"/>
-            </a:fontRef>
-          </p:style>
-        </p:cxnSp>
-        <p:cxnSp>
-          <p:nvCxnSpPr>
-            <p:cNvPr id="172" name="Gerade Verbindung 171"/>
-            <p:cNvCxnSpPr/>
-            <p:nvPr/>
-          </p:nvCxnSpPr>
-          <p:spPr>
-            <a:xfrm>
-              <a:off x="3079410" y="4464676"/>
-              <a:ext cx="876499" cy="1142565"/>
-            </a:xfrm>
-            <a:prstGeom prst="line">
-              <a:avLst/>
-            </a:prstGeom>
-            <a:ln>
-              <a:solidFill>
-                <a:schemeClr val="accent3">
-                  <a:lumMod val="75000"/>
-                </a:schemeClr>
-              </a:solidFill>
-            </a:ln>
-          </p:spPr>
-          <p:style>
-            <a:lnRef idx="2">
-              <a:schemeClr val="accent1"/>
-            </a:lnRef>
-            <a:fillRef idx="0">
-              <a:schemeClr val="accent1"/>
-            </a:fillRef>
-            <a:effectRef idx="1">
-              <a:schemeClr val="accent1"/>
-            </a:effectRef>
-            <a:fontRef idx="minor">
-              <a:schemeClr val="tx1"/>
-            </a:fontRef>
-          </p:style>
-        </p:cxnSp>
-        <p:cxnSp>
-          <p:nvCxnSpPr>
-            <p:cNvPr id="174" name="Gerade Verbindung 173"/>
-            <p:cNvCxnSpPr/>
-            <p:nvPr/>
-          </p:nvCxnSpPr>
-          <p:spPr>
-            <a:xfrm flipV="1">
-              <a:off x="3955909" y="3111005"/>
-              <a:ext cx="1212572" cy="2481085"/>
-            </a:xfrm>
-            <a:prstGeom prst="line">
-              <a:avLst/>
-            </a:prstGeom>
-            <a:ln>
-              <a:solidFill>
-                <a:schemeClr val="accent3">
-                  <a:lumMod val="75000"/>
-                </a:schemeClr>
-              </a:solidFill>
-            </a:ln>
-          </p:spPr>
-          <p:style>
-            <a:lnRef idx="2">
-              <a:schemeClr val="accent1"/>
-            </a:lnRef>
-            <a:fillRef idx="0">
-              <a:schemeClr val="accent1"/>
-            </a:fillRef>
-            <a:effectRef idx="1">
-              <a:schemeClr val="accent1"/>
-            </a:effectRef>
-            <a:fontRef idx="minor">
-              <a:schemeClr val="tx1"/>
-            </a:fontRef>
-          </p:style>
-        </p:cxnSp>
-        <p:cxnSp>
-          <p:nvCxnSpPr>
-            <p:cNvPr id="176" name="Gerade Verbindung 175"/>
-            <p:cNvCxnSpPr/>
-            <p:nvPr/>
-          </p:nvCxnSpPr>
-          <p:spPr>
-            <a:xfrm>
-              <a:off x="3924173" y="2920403"/>
-              <a:ext cx="1309125" cy="1696718"/>
-            </a:xfrm>
-            <a:prstGeom prst="line">
-              <a:avLst/>
-            </a:prstGeom>
-            <a:ln>
-              <a:solidFill>
-                <a:srgbClr val="2196F3"/>
-              </a:solidFill>
-            </a:ln>
-          </p:spPr>
-          <p:style>
-            <a:lnRef idx="2">
-              <a:schemeClr val="accent1"/>
-            </a:lnRef>
-            <a:fillRef idx="0">
-              <a:schemeClr val="accent1"/>
-            </a:fillRef>
-            <a:effectRef idx="1">
-              <a:schemeClr val="accent1"/>
-            </a:effectRef>
-            <a:fontRef idx="minor">
-              <a:schemeClr val="tx1"/>
-            </a:fontRef>
-          </p:style>
-        </p:cxnSp>
-        <p:cxnSp>
-          <p:nvCxnSpPr>
-            <p:cNvPr id="189" name="Gerade Verbindung 188"/>
-            <p:cNvCxnSpPr/>
-            <p:nvPr/>
-          </p:nvCxnSpPr>
-          <p:spPr>
-            <a:xfrm flipV="1">
-              <a:off x="5219008" y="2927082"/>
-              <a:ext cx="1304317" cy="1690039"/>
-            </a:xfrm>
-            <a:prstGeom prst="line">
-              <a:avLst/>
-            </a:prstGeom>
-            <a:ln>
-              <a:solidFill>
-                <a:srgbClr val="2196F3"/>
-              </a:solidFill>
-            </a:ln>
-          </p:spPr>
-          <p:style>
-            <a:lnRef idx="2">
-              <a:schemeClr val="accent1"/>
-            </a:lnRef>
-            <a:fillRef idx="0">
-              <a:schemeClr val="accent1"/>
-            </a:fillRef>
-            <a:effectRef idx="1">
-              <a:schemeClr val="accent1"/>
-            </a:effectRef>
-            <a:fontRef idx="minor">
-              <a:schemeClr val="tx1"/>
-            </a:fontRef>
-          </p:style>
-        </p:cxnSp>
-        <p:cxnSp>
-          <p:nvCxnSpPr>
-            <p:cNvPr id="191" name="Gerade Verbindung 190"/>
-            <p:cNvCxnSpPr/>
-            <p:nvPr/>
-          </p:nvCxnSpPr>
-          <p:spPr>
-            <a:xfrm>
-              <a:off x="5179199" y="3127430"/>
-              <a:ext cx="1351315" cy="243225"/>
-            </a:xfrm>
-            <a:prstGeom prst="line">
-              <a:avLst/>
-            </a:prstGeom>
-            <a:ln>
-              <a:solidFill>
-                <a:schemeClr val="accent3">
-                  <a:lumMod val="75000"/>
-                </a:schemeClr>
-              </a:solidFill>
-            </a:ln>
-          </p:spPr>
-          <p:style>
-            <a:lnRef idx="2">
-              <a:schemeClr val="accent1"/>
-            </a:lnRef>
-            <a:fillRef idx="0">
-              <a:schemeClr val="accent1"/>
-            </a:fillRef>
-            <a:effectRef idx="1">
-              <a:schemeClr val="accent1"/>
-            </a:effectRef>
-            <a:fontRef idx="minor">
-              <a:schemeClr val="tx1"/>
-            </a:fontRef>
-          </p:style>
-        </p:cxnSp>
-        <p:sp>
-          <p:nvSpPr>
-            <p:cNvPr id="111" name="Oval 110"/>
-            <p:cNvSpPr/>
-            <p:nvPr/>
-          </p:nvSpPr>
-          <p:spPr>
-            <a:xfrm>
-              <a:off x="3045987" y="3976508"/>
-              <a:ext cx="86710" cy="86710"/>
-            </a:xfrm>
-            <a:prstGeom prst="ellipse">
-              <a:avLst/>
-            </a:prstGeom>
-            <a:solidFill>
-              <a:srgbClr val="FF5722"/>
-            </a:solidFill>
-            <a:ln>
-              <a:noFill/>
-            </a:ln>
-            <a:effectLst/>
-          </p:spPr>
-          <p:style>
-            <a:lnRef idx="1">
-              <a:schemeClr val="accent1"/>
-            </a:lnRef>
-            <a:fillRef idx="3">
-              <a:schemeClr val="accent1"/>
-            </a:fillRef>
-            <a:effectRef idx="2">
-              <a:schemeClr val="accent1"/>
-            </a:effectRef>
-            <a:fontRef idx="minor">
-              <a:schemeClr val="lt1"/>
-            </a:fontRef>
-          </p:style>
-          <p:txBody>
-            <a:bodyPr rtlCol="0" anchor="ctr"/>
-            <a:lstStyle/>
-            <a:p>
-              <a:pPr algn="ctr"/>
-              <a:endParaRPr lang="de-DE"/>
-            </a:p>
-          </p:txBody>
-        </p:sp>
-        <p:sp>
-          <p:nvSpPr>
-            <p:cNvPr id="197" name="Oval 196"/>
-            <p:cNvSpPr/>
-            <p:nvPr/>
-          </p:nvSpPr>
-          <p:spPr>
-            <a:xfrm>
-              <a:off x="3932980" y="4165678"/>
-              <a:ext cx="86710" cy="86710"/>
-            </a:xfrm>
-            <a:prstGeom prst="ellipse">
-              <a:avLst/>
-            </a:prstGeom>
-            <a:solidFill>
-              <a:srgbClr val="FF5722"/>
-            </a:solidFill>
-            <a:ln>
-              <a:noFill/>
-            </a:ln>
-            <a:effectLst/>
-          </p:spPr>
-          <p:style>
-            <a:lnRef idx="1">
-              <a:schemeClr val="accent1"/>
-            </a:lnRef>
-            <a:fillRef idx="3">
-              <a:schemeClr val="accent1"/>
-            </a:fillRef>
-            <a:effectRef idx="2">
-              <a:schemeClr val="accent1"/>
-            </a:effectRef>
-            <a:fontRef idx="minor">
-              <a:schemeClr val="lt1"/>
-            </a:fontRef>
-          </p:style>
-          <p:txBody>
-            <a:bodyPr rtlCol="0" anchor="ctr"/>
-            <a:lstStyle/>
-            <a:p>
-              <a:pPr algn="ctr"/>
-              <a:endParaRPr lang="de-DE"/>
-            </a:p>
-          </p:txBody>
-        </p:sp>
-        <p:sp>
-          <p:nvSpPr>
-            <p:cNvPr id="198" name="Oval 197"/>
-            <p:cNvSpPr/>
-            <p:nvPr/>
-          </p:nvSpPr>
-          <p:spPr>
-            <a:xfrm>
-              <a:off x="5146588" y="3894508"/>
-              <a:ext cx="86710" cy="86710"/>
-            </a:xfrm>
-            <a:prstGeom prst="ellipse">
-              <a:avLst/>
-            </a:prstGeom>
-            <a:solidFill>
-              <a:srgbClr val="FF5722"/>
-            </a:solidFill>
-            <a:ln>
-              <a:noFill/>
-            </a:ln>
-            <a:effectLst/>
-          </p:spPr>
-          <p:style>
-            <a:lnRef idx="1">
-              <a:schemeClr val="accent1"/>
-            </a:lnRef>
-            <a:fillRef idx="3">
-              <a:schemeClr val="accent1"/>
-            </a:fillRef>
-            <a:effectRef idx="2">
-              <a:schemeClr val="accent1"/>
-            </a:effectRef>
-            <a:fontRef idx="minor">
-              <a:schemeClr val="lt1"/>
-            </a:fontRef>
-          </p:style>
-          <p:txBody>
-            <a:bodyPr rtlCol="0" anchor="ctr"/>
-            <a:lstStyle/>
-            <a:p>
-              <a:pPr algn="ctr"/>
-              <a:endParaRPr lang="de-DE"/>
-            </a:p>
-          </p:txBody>
-        </p:sp>
-        <p:sp>
-          <p:nvSpPr>
-            <p:cNvPr id="199" name="Oval 198"/>
-            <p:cNvSpPr/>
-            <p:nvPr/>
-          </p:nvSpPr>
-          <p:spPr>
-            <a:xfrm>
-              <a:off x="3045987" y="3472550"/>
-              <a:ext cx="86710" cy="86710"/>
-            </a:xfrm>
-            <a:prstGeom prst="ellipse">
-              <a:avLst/>
-            </a:prstGeom>
-            <a:solidFill>
-              <a:srgbClr val="2196F3"/>
-            </a:solidFill>
-            <a:ln>
-              <a:noFill/>
-            </a:ln>
-            <a:effectLst/>
-          </p:spPr>
-          <p:style>
-            <a:lnRef idx="1">
-              <a:schemeClr val="accent1"/>
-            </a:lnRef>
-            <a:fillRef idx="3">
-              <a:schemeClr val="accent1"/>
-            </a:fillRef>
-            <a:effectRef idx="2">
-              <a:schemeClr val="accent1"/>
-            </a:effectRef>
-            <a:fontRef idx="minor">
-              <a:schemeClr val="lt1"/>
-            </a:fontRef>
-          </p:style>
-          <p:txBody>
-            <a:bodyPr rtlCol="0" anchor="ctr"/>
-            <a:lstStyle/>
-            <a:p>
-              <a:pPr algn="ctr"/>
-              <a:endParaRPr lang="de-DE"/>
-            </a:p>
-          </p:txBody>
-        </p:sp>
-        <p:sp>
-          <p:nvSpPr>
-            <p:cNvPr id="201" name="Oval 200"/>
-            <p:cNvSpPr/>
-            <p:nvPr/>
-          </p:nvSpPr>
-          <p:spPr>
-            <a:xfrm>
-              <a:off x="3883939" y="2886546"/>
-              <a:ext cx="86710" cy="86710"/>
-            </a:xfrm>
-            <a:prstGeom prst="ellipse">
-              <a:avLst/>
-            </a:prstGeom>
-            <a:solidFill>
-              <a:srgbClr val="2196F3"/>
-            </a:solidFill>
-            <a:ln>
-              <a:noFill/>
-            </a:ln>
-            <a:effectLst/>
-          </p:spPr>
-          <p:style>
-            <a:lnRef idx="1">
-              <a:schemeClr val="accent1"/>
-            </a:lnRef>
-            <a:fillRef idx="3">
-              <a:schemeClr val="accent1"/>
-            </a:fillRef>
-            <a:effectRef idx="2">
-              <a:schemeClr val="accent1"/>
-            </a:effectRef>
-            <a:fontRef idx="minor">
-              <a:schemeClr val="lt1"/>
-            </a:fontRef>
-          </p:style>
-          <p:txBody>
-            <a:bodyPr rtlCol="0" anchor="ctr"/>
-            <a:lstStyle/>
-            <a:p>
-              <a:pPr algn="ctr"/>
-              <a:endParaRPr lang="de-DE"/>
-            </a:p>
-          </p:txBody>
-        </p:sp>
-        <p:sp>
-          <p:nvSpPr>
-            <p:cNvPr id="202" name="Oval 201"/>
-            <p:cNvSpPr/>
-            <p:nvPr/>
-          </p:nvSpPr>
-          <p:spPr>
-            <a:xfrm>
-              <a:off x="5175670" y="4563432"/>
-              <a:ext cx="86710" cy="86710"/>
-            </a:xfrm>
-            <a:prstGeom prst="ellipse">
-              <a:avLst/>
-            </a:prstGeom>
-            <a:solidFill>
-              <a:srgbClr val="2196F3"/>
-            </a:solidFill>
-            <a:ln>
-              <a:noFill/>
-            </a:ln>
-            <a:effectLst/>
-          </p:spPr>
-          <p:style>
-            <a:lnRef idx="1">
-              <a:schemeClr val="accent1"/>
-            </a:lnRef>
-            <a:fillRef idx="3">
-              <a:schemeClr val="accent1"/>
-            </a:fillRef>
-            <a:effectRef idx="2">
-              <a:schemeClr val="accent1"/>
-            </a:effectRef>
-            <a:fontRef idx="minor">
-              <a:schemeClr val="lt1"/>
-            </a:fontRef>
-          </p:style>
-          <p:txBody>
-            <a:bodyPr rtlCol="0" anchor="ctr"/>
-            <a:lstStyle/>
-            <a:p>
-              <a:pPr algn="ctr"/>
-              <a:endParaRPr lang="de-DE"/>
-            </a:p>
-          </p:txBody>
-        </p:sp>
-        <p:sp>
-          <p:nvSpPr>
-            <p:cNvPr id="238" name="Oval 237"/>
-            <p:cNvSpPr/>
-            <p:nvPr/>
-          </p:nvSpPr>
-          <p:spPr>
-            <a:xfrm>
-              <a:off x="3049870" y="4443287"/>
-              <a:ext cx="86710" cy="86710"/>
-            </a:xfrm>
-            <a:prstGeom prst="ellipse">
-              <a:avLst/>
-            </a:prstGeom>
-            <a:solidFill>
-              <a:schemeClr val="accent3">
-                <a:lumMod val="75000"/>
-              </a:schemeClr>
-            </a:solidFill>
-            <a:ln>
-              <a:noFill/>
-            </a:ln>
-            <a:effectLst/>
-          </p:spPr>
-          <p:style>
-            <a:lnRef idx="1">
-              <a:schemeClr val="accent1"/>
-            </a:lnRef>
-            <a:fillRef idx="3">
-              <a:schemeClr val="accent1"/>
-            </a:fillRef>
-            <a:effectRef idx="2">
-              <a:schemeClr val="accent1"/>
-            </a:effectRef>
-            <a:fontRef idx="minor">
-              <a:schemeClr val="lt1"/>
-            </a:fontRef>
-          </p:style>
-          <p:txBody>
-            <a:bodyPr rtlCol="0" anchor="ctr"/>
-            <a:lstStyle/>
-            <a:p>
-              <a:pPr algn="ctr"/>
-              <a:endParaRPr lang="de-DE"/>
-            </a:p>
-          </p:txBody>
-        </p:sp>
-        <p:sp>
-          <p:nvSpPr>
-            <p:cNvPr id="240" name="Oval 239"/>
-            <p:cNvSpPr/>
-            <p:nvPr/>
-          </p:nvSpPr>
-          <p:spPr>
-            <a:xfrm>
-              <a:off x="3905382" y="5562564"/>
-              <a:ext cx="86710" cy="86710"/>
-            </a:xfrm>
-            <a:prstGeom prst="ellipse">
-              <a:avLst/>
-            </a:prstGeom>
-            <a:solidFill>
-              <a:schemeClr val="accent3">
-                <a:lumMod val="75000"/>
-              </a:schemeClr>
-            </a:solidFill>
-            <a:ln>
-              <a:noFill/>
-            </a:ln>
-            <a:effectLst/>
-          </p:spPr>
-          <p:style>
-            <a:lnRef idx="1">
-              <a:schemeClr val="accent1"/>
-            </a:lnRef>
-            <a:fillRef idx="3">
-              <a:schemeClr val="accent1"/>
-            </a:fillRef>
-            <a:effectRef idx="2">
-              <a:schemeClr val="accent1"/>
-            </a:effectRef>
-            <a:fontRef idx="minor">
-              <a:schemeClr val="lt1"/>
-            </a:fontRef>
-          </p:style>
-          <p:txBody>
-            <a:bodyPr rtlCol="0" anchor="ctr"/>
-            <a:lstStyle/>
-            <a:p>
-              <a:pPr algn="ctr"/>
-              <a:endParaRPr lang="de-DE"/>
-            </a:p>
-          </p:txBody>
-        </p:sp>
-        <p:sp>
-          <p:nvSpPr>
-            <p:cNvPr id="241" name="Oval 240"/>
-            <p:cNvSpPr/>
-            <p:nvPr/>
-          </p:nvSpPr>
-          <p:spPr>
-            <a:xfrm>
-              <a:off x="5125741" y="3088780"/>
-              <a:ext cx="86710" cy="86710"/>
-            </a:xfrm>
-            <a:prstGeom prst="ellipse">
-              <a:avLst/>
-            </a:prstGeom>
-            <a:solidFill>
-              <a:schemeClr val="accent3">
-                <a:lumMod val="75000"/>
-              </a:schemeClr>
-            </a:solidFill>
-            <a:ln>
-              <a:noFill/>
-            </a:ln>
-            <a:effectLst/>
-          </p:spPr>
-          <p:style>
-            <a:lnRef idx="1">
-              <a:schemeClr val="accent1"/>
-            </a:lnRef>
-            <a:fillRef idx="3">
-              <a:schemeClr val="accent1"/>
-            </a:fillRef>
-            <a:effectRef idx="2">
-              <a:schemeClr val="accent1"/>
-            </a:effectRef>
-            <a:fontRef idx="minor">
-              <a:schemeClr val="lt1"/>
-            </a:fontRef>
-          </p:style>
-          <p:txBody>
-            <a:bodyPr rtlCol="0" anchor="ctr"/>
-            <a:lstStyle/>
-            <a:p>
-              <a:pPr algn="ctr"/>
-              <a:endParaRPr lang="de-DE"/>
-            </a:p>
-          </p:txBody>
-        </p:sp>
-        <p:sp>
-          <p:nvSpPr>
-            <p:cNvPr id="242" name="Rechteck 241"/>
-            <p:cNvSpPr/>
-            <p:nvPr/>
-          </p:nvSpPr>
-          <p:spPr>
-            <a:xfrm>
-              <a:off x="2335301" y="5800780"/>
-              <a:ext cx="236021" cy="236021"/>
-            </a:xfrm>
-            <a:prstGeom prst="rect">
-              <a:avLst/>
-            </a:prstGeom>
-            <a:solidFill>
-              <a:srgbClr val="2196F3"/>
-            </a:solidFill>
-            <a:ln>
-              <a:noFill/>
-            </a:ln>
-            <a:effectLst>
-              <a:outerShdw blurRad="25400" dist="23000" dir="5400000" rotWithShape="0">
-                <a:srgbClr val="000000">
-                  <a:alpha val="35000"/>
-                </a:srgbClr>
-              </a:outerShdw>
-            </a:effectLst>
-          </p:spPr>
-          <p:style>
-            <a:lnRef idx="1">
-              <a:schemeClr val="accent1"/>
-            </a:lnRef>
-            <a:fillRef idx="3">
-              <a:schemeClr val="accent1"/>
-            </a:fillRef>
-            <a:effectRef idx="2">
-              <a:schemeClr val="accent1"/>
-            </a:effectRef>
-            <a:fontRef idx="minor">
-              <a:schemeClr val="lt1"/>
-            </a:fontRef>
-          </p:style>
-          <p:txBody>
-            <a:bodyPr rtlCol="0" anchor="ctr"/>
-            <a:lstStyle/>
-            <a:p>
-              <a:pPr algn="ctr"/>
-              <a:endParaRPr lang="de-DE"/>
-            </a:p>
-          </p:txBody>
-        </p:sp>
-        <p:sp>
-          <p:nvSpPr>
-            <p:cNvPr id="243" name="Rechteck 242"/>
-            <p:cNvSpPr/>
-            <p:nvPr/>
-          </p:nvSpPr>
-          <p:spPr>
-            <a:xfrm>
-              <a:off x="4629956" y="5796161"/>
-              <a:ext cx="236021" cy="236021"/>
-            </a:xfrm>
-            <a:prstGeom prst="rect">
-              <a:avLst/>
-            </a:prstGeom>
-            <a:solidFill>
-              <a:schemeClr val="accent3">
-                <a:lumMod val="75000"/>
-              </a:schemeClr>
-            </a:solidFill>
-            <a:ln>
-              <a:noFill/>
-            </a:ln>
-            <a:effectLst>
-              <a:outerShdw blurRad="25400" dist="23000" dir="5400000" rotWithShape="0">
-                <a:srgbClr val="000000">
-                  <a:alpha val="35000"/>
-                </a:srgbClr>
-              </a:outerShdw>
-            </a:effectLst>
-          </p:spPr>
-          <p:style>
-            <a:lnRef idx="1">
-              <a:schemeClr val="accent1"/>
-            </a:lnRef>
-            <a:fillRef idx="3">
-              <a:schemeClr val="accent1"/>
-            </a:fillRef>
-            <a:effectRef idx="2">
-              <a:schemeClr val="accent1"/>
-            </a:effectRef>
-            <a:fontRef idx="minor">
-              <a:schemeClr val="lt1"/>
-            </a:fontRef>
-          </p:style>
-          <p:txBody>
-            <a:bodyPr rtlCol="0" anchor="ctr"/>
-            <a:lstStyle/>
-            <a:p>
-              <a:pPr algn="ctr"/>
-              <a:endParaRPr lang="de-DE"/>
-            </a:p>
-          </p:txBody>
-        </p:sp>
-        <p:sp>
-          <p:nvSpPr>
-            <p:cNvPr id="244" name="Rechteck 243"/>
-            <p:cNvSpPr/>
-            <p:nvPr/>
-          </p:nvSpPr>
-          <p:spPr>
-            <a:xfrm>
-              <a:off x="2327424" y="6202458"/>
-              <a:ext cx="236021" cy="236021"/>
-            </a:xfrm>
-            <a:prstGeom prst="rect">
-              <a:avLst/>
-            </a:prstGeom>
-            <a:solidFill>
-              <a:srgbClr val="FF5722"/>
-            </a:solidFill>
-            <a:ln>
-              <a:noFill/>
-            </a:ln>
-            <a:effectLst>
-              <a:outerShdw blurRad="25400" dist="23000" dir="5400000" rotWithShape="0">
-                <a:srgbClr val="000000">
-                  <a:alpha val="35000"/>
-                </a:srgbClr>
-              </a:outerShdw>
-            </a:effectLst>
-          </p:spPr>
-          <p:style>
-            <a:lnRef idx="1">
-              <a:schemeClr val="accent1"/>
-            </a:lnRef>
-            <a:fillRef idx="3">
-              <a:schemeClr val="accent1"/>
-            </a:fillRef>
-            <a:effectRef idx="2">
-              <a:schemeClr val="accent1"/>
-            </a:effectRef>
-            <a:fontRef idx="minor">
-              <a:schemeClr val="lt1"/>
-            </a:fontRef>
-          </p:style>
-          <p:txBody>
-            <a:bodyPr rtlCol="0" anchor="ctr"/>
-            <a:lstStyle/>
-            <a:p>
-              <a:pPr algn="ctr"/>
-              <a:endParaRPr lang="de-DE"/>
-            </a:p>
-          </p:txBody>
-        </p:sp>
-        <p:sp>
-          <p:nvSpPr>
-            <p:cNvPr id="245" name="Textfeld 244"/>
-            <p:cNvSpPr txBox="1"/>
-            <p:nvPr/>
-          </p:nvSpPr>
-          <p:spPr>
-            <a:xfrm>
-              <a:off x="2562297" y="5762107"/>
-              <a:ext cx="2544715" cy="338554"/>
-            </a:xfrm>
-            <a:prstGeom prst="rect">
-              <a:avLst/>
-            </a:prstGeom>
-            <a:noFill/>
-          </p:spPr>
-          <p:txBody>
-            <a:bodyPr wrap="square" rtlCol="0">
-              <a:spAutoFit/>
-            </a:bodyPr>
-            <a:lstStyle/>
-            <a:p>
-              <a:r>
-                <a:rPr lang="de-DE" sz="1600" dirty="0" smtClean="0">
-                  <a:solidFill>
-                    <a:schemeClr val="tx1">
-                      <a:lumMod val="50000"/>
-                      <a:lumOff val="50000"/>
-                    </a:schemeClr>
-                  </a:solidFill>
-                </a:rPr>
-                <a:t>AUTO AG</a:t>
-              </a:r>
-              <a:endParaRPr lang="de-DE" sz="1600" dirty="0">
-                <a:solidFill>
-                  <a:schemeClr val="tx1">
-                    <a:lumMod val="50000"/>
-                    <a:lumOff val="50000"/>
-                  </a:schemeClr>
-                </a:solidFill>
-              </a:endParaRPr>
-            </a:p>
-          </p:txBody>
-        </p:sp>
-        <p:sp>
-          <p:nvSpPr>
-            <p:cNvPr id="246" name="Textfeld 245"/>
-            <p:cNvSpPr txBox="1"/>
-            <p:nvPr/>
-          </p:nvSpPr>
-          <p:spPr>
-            <a:xfrm>
-              <a:off x="4874269" y="5754564"/>
-              <a:ext cx="2544715" cy="338554"/>
-            </a:xfrm>
-            <a:prstGeom prst="rect">
-              <a:avLst/>
-            </a:prstGeom>
-            <a:noFill/>
-          </p:spPr>
-          <p:txBody>
-            <a:bodyPr wrap="square" rtlCol="0">
-              <a:spAutoFit/>
-            </a:bodyPr>
-            <a:lstStyle/>
-            <a:p>
-              <a:r>
-                <a:rPr lang="de-DE" sz="1600" dirty="0" smtClean="0">
-                  <a:solidFill>
-                    <a:schemeClr val="tx1">
-                      <a:lumMod val="50000"/>
-                      <a:lumOff val="50000"/>
-                    </a:schemeClr>
-                  </a:solidFill>
-                </a:rPr>
-                <a:t>CHEMIE AG</a:t>
-              </a:r>
-              <a:endParaRPr lang="de-DE" sz="1600" dirty="0">
-                <a:solidFill>
-                  <a:schemeClr val="tx1">
-                    <a:lumMod val="50000"/>
-                    <a:lumOff val="50000"/>
-                  </a:schemeClr>
-                </a:solidFill>
-              </a:endParaRPr>
-            </a:p>
-          </p:txBody>
-        </p:sp>
-        <p:sp>
-          <p:nvSpPr>
-            <p:cNvPr id="247" name="Textfeld 246"/>
-            <p:cNvSpPr txBox="1"/>
-            <p:nvPr/>
-          </p:nvSpPr>
-          <p:spPr>
-            <a:xfrm>
-              <a:off x="2570957" y="6168329"/>
-              <a:ext cx="4866400" cy="338554"/>
-            </a:xfrm>
-            <a:prstGeom prst="rect">
-              <a:avLst/>
-            </a:prstGeom>
-            <a:noFill/>
-          </p:spPr>
-          <p:txBody>
-            <a:bodyPr wrap="square" rtlCol="0">
-              <a:spAutoFit/>
-            </a:bodyPr>
-            <a:lstStyle/>
-            <a:p>
-              <a:r>
-                <a:rPr lang="de-DE" sz="1600" dirty="0" smtClean="0">
-                  <a:solidFill>
-                    <a:schemeClr val="tx1">
-                      <a:lumMod val="50000"/>
-                      <a:lumOff val="50000"/>
-                    </a:schemeClr>
-                  </a:solidFill>
-                </a:rPr>
-                <a:t>PORTFOLIO = AUTO AG + CHEMIE AG</a:t>
-              </a:r>
-              <a:endParaRPr lang="de-DE" sz="1600" dirty="0">
-                <a:solidFill>
-                  <a:schemeClr val="tx1">
-                    <a:lumMod val="50000"/>
-                    <a:lumOff val="50000"/>
-                  </a:schemeClr>
-                </a:solidFill>
-              </a:endParaRPr>
-            </a:p>
-          </p:txBody>
-        </p:sp>
-        <p:cxnSp>
-          <p:nvCxnSpPr>
-            <p:cNvPr id="248" name="Gerade Verbindung 247"/>
-            <p:cNvCxnSpPr/>
-            <p:nvPr/>
-          </p:nvCxnSpPr>
-          <p:spPr>
-            <a:xfrm flipH="1">
-              <a:off x="1703045" y="4475936"/>
-              <a:ext cx="4850983" cy="0"/>
-            </a:xfrm>
-            <a:prstGeom prst="line">
-              <a:avLst/>
-            </a:prstGeom>
-            <a:ln>
-              <a:solidFill>
-                <a:srgbClr val="FF5722"/>
-              </a:solidFill>
-              <a:prstDash val="dash"/>
-            </a:ln>
-            <a:effectLst/>
-          </p:spPr>
-          <p:style>
-            <a:lnRef idx="2">
-              <a:schemeClr val="accent1"/>
-            </a:lnRef>
-            <a:fillRef idx="0">
-              <a:schemeClr val="accent1"/>
-            </a:fillRef>
-            <a:effectRef idx="1">
-              <a:schemeClr val="accent1"/>
-            </a:effectRef>
-            <a:fontRef idx="minor">
-              <a:schemeClr val="tx1"/>
-            </a:fontRef>
-          </p:style>
-        </p:cxnSp>
-        <p:cxnSp>
-          <p:nvCxnSpPr>
-            <p:cNvPr id="251" name="Gerade Verbindung 250"/>
-            <p:cNvCxnSpPr/>
-            <p:nvPr/>
-          </p:nvCxnSpPr>
-          <p:spPr>
-            <a:xfrm flipH="1">
-              <a:off x="1704847" y="3457196"/>
-              <a:ext cx="4850983" cy="0"/>
-            </a:xfrm>
-            <a:prstGeom prst="line">
-              <a:avLst/>
-            </a:prstGeom>
-            <a:ln>
-              <a:solidFill>
-                <a:srgbClr val="FF5722"/>
-              </a:solidFill>
-              <a:prstDash val="dash"/>
-            </a:ln>
-            <a:effectLst/>
-          </p:spPr>
-          <p:style>
-            <a:lnRef idx="2">
-              <a:schemeClr val="accent1"/>
-            </a:lnRef>
-            <a:fillRef idx="0">
-              <a:schemeClr val="accent1"/>
-            </a:fillRef>
-            <a:effectRef idx="1">
-              <a:schemeClr val="accent1"/>
-            </a:effectRef>
-            <a:fontRef idx="minor">
-              <a:schemeClr val="tx1"/>
-            </a:fontRef>
-          </p:style>
-        </p:cxnSp>
-        <p:cxnSp>
-          <p:nvCxnSpPr>
-            <p:cNvPr id="252" name="Gerade Verbindung 251"/>
-            <p:cNvCxnSpPr/>
-            <p:nvPr/>
-          </p:nvCxnSpPr>
-          <p:spPr>
-            <a:xfrm flipH="1">
-              <a:off x="1720087" y="2914652"/>
-              <a:ext cx="4850983" cy="0"/>
-            </a:xfrm>
-            <a:prstGeom prst="line">
-              <a:avLst/>
-            </a:prstGeom>
-            <a:ln>
-              <a:solidFill>
-                <a:srgbClr val="2196F3"/>
-              </a:solidFill>
-              <a:prstDash val="dash"/>
-            </a:ln>
-            <a:effectLst/>
-          </p:spPr>
-          <p:style>
-            <a:lnRef idx="2">
-              <a:schemeClr val="accent1"/>
-            </a:lnRef>
-            <a:fillRef idx="0">
-              <a:schemeClr val="accent1"/>
-            </a:fillRef>
-            <a:effectRef idx="1">
-              <a:schemeClr val="accent1"/>
-            </a:effectRef>
-            <a:fontRef idx="minor">
-              <a:schemeClr val="tx1"/>
-            </a:fontRef>
-          </p:style>
-        </p:cxnSp>
-        <p:cxnSp>
-          <p:nvCxnSpPr>
-            <p:cNvPr id="253" name="Gerade Verbindung 252"/>
-            <p:cNvCxnSpPr/>
-            <p:nvPr/>
-          </p:nvCxnSpPr>
-          <p:spPr>
-            <a:xfrm flipH="1">
-              <a:off x="1699774" y="4617121"/>
-              <a:ext cx="4850983" cy="0"/>
-            </a:xfrm>
-            <a:prstGeom prst="line">
-              <a:avLst/>
-            </a:prstGeom>
-            <a:ln>
-              <a:solidFill>
-                <a:srgbClr val="2196F3"/>
-              </a:solidFill>
-              <a:prstDash val="dash"/>
-            </a:ln>
-            <a:effectLst/>
-          </p:spPr>
-          <p:style>
-            <a:lnRef idx="2">
-              <a:schemeClr val="accent1"/>
-            </a:lnRef>
-            <a:fillRef idx="0">
-              <a:schemeClr val="accent1"/>
-            </a:fillRef>
-            <a:effectRef idx="1">
-              <a:schemeClr val="accent1"/>
-            </a:effectRef>
-            <a:fontRef idx="minor">
-              <a:schemeClr val="tx1"/>
-            </a:fontRef>
-          </p:style>
-        </p:cxnSp>
-        <p:cxnSp>
-          <p:nvCxnSpPr>
-            <p:cNvPr id="254" name="Gerade Verbindung 253"/>
-            <p:cNvCxnSpPr/>
-            <p:nvPr/>
-          </p:nvCxnSpPr>
-          <p:spPr>
-            <a:xfrm flipH="1">
-              <a:off x="1726183" y="3112772"/>
-              <a:ext cx="4850983" cy="0"/>
-            </a:xfrm>
-            <a:prstGeom prst="line">
-              <a:avLst/>
-            </a:prstGeom>
-            <a:ln>
-              <a:solidFill>
-                <a:schemeClr val="accent3">
-                  <a:lumMod val="75000"/>
-                </a:schemeClr>
-              </a:solidFill>
-              <a:prstDash val="dash"/>
-            </a:ln>
-            <a:effectLst/>
-          </p:spPr>
-          <p:style>
-            <a:lnRef idx="2">
-              <a:schemeClr val="accent1"/>
-            </a:lnRef>
-            <a:fillRef idx="0">
-              <a:schemeClr val="accent1"/>
-            </a:fillRef>
-            <a:effectRef idx="1">
-              <a:schemeClr val="accent1"/>
-            </a:effectRef>
-            <a:fontRef idx="minor">
-              <a:schemeClr val="tx1"/>
-            </a:fontRef>
-          </p:style>
-        </p:cxnSp>
-        <p:cxnSp>
-          <p:nvCxnSpPr>
-            <p:cNvPr id="255" name="Gerade Verbindung 254"/>
-            <p:cNvCxnSpPr/>
-            <p:nvPr/>
-          </p:nvCxnSpPr>
-          <p:spPr>
-            <a:xfrm flipH="1">
-              <a:off x="1717375" y="5609021"/>
-              <a:ext cx="4850983" cy="0"/>
-            </a:xfrm>
-            <a:prstGeom prst="line">
-              <a:avLst/>
-            </a:prstGeom>
-            <a:ln>
-              <a:solidFill>
-                <a:schemeClr val="accent3">
-                  <a:lumMod val="75000"/>
-                </a:schemeClr>
-              </a:solidFill>
-              <a:prstDash val="dash"/>
-            </a:ln>
-            <a:effectLst/>
-          </p:spPr>
-          <p:style>
-            <a:lnRef idx="2">
-              <a:schemeClr val="accent1"/>
-            </a:lnRef>
-            <a:fillRef idx="0">
-              <a:schemeClr val="accent1"/>
-            </a:fillRef>
-            <a:effectRef idx="1">
-              <a:schemeClr val="accent1"/>
-            </a:effectRef>
-            <a:fontRef idx="minor">
-              <a:schemeClr val="tx1"/>
-            </a:fontRef>
-          </p:style>
-        </p:cxnSp>
-        <p:sp>
-          <p:nvSpPr>
-            <p:cNvPr id="34" name="Rechteck 33"/>
-            <p:cNvSpPr/>
-            <p:nvPr/>
-          </p:nvSpPr>
-          <p:spPr>
-            <a:xfrm>
-              <a:off x="6699983" y="3457196"/>
-              <a:ext cx="100281" cy="1018740"/>
-            </a:xfrm>
-            <a:prstGeom prst="rect">
-              <a:avLst/>
-            </a:prstGeom>
-            <a:solidFill>
-              <a:srgbClr val="FF5722"/>
-            </a:solidFill>
-            <a:ln>
-              <a:noFill/>
-            </a:ln>
-          </p:spPr>
-          <p:style>
-            <a:lnRef idx="1">
-              <a:schemeClr val="accent1"/>
-            </a:lnRef>
-            <a:fillRef idx="3">
-              <a:schemeClr val="accent1"/>
-            </a:fillRef>
-            <a:effectRef idx="2">
-              <a:schemeClr val="accent1"/>
-            </a:effectRef>
-            <a:fontRef idx="minor">
-              <a:schemeClr val="lt1"/>
-            </a:fontRef>
-          </p:style>
-          <p:txBody>
-            <a:bodyPr rtlCol="0" anchor="ctr"/>
-            <a:lstStyle/>
-            <a:p>
-              <a:pPr algn="ctr"/>
-              <a:endParaRPr lang="de-DE"/>
-            </a:p>
-          </p:txBody>
-        </p:sp>
-        <p:sp>
-          <p:nvSpPr>
-            <p:cNvPr id="256" name="Rechteck 255"/>
-            <p:cNvSpPr/>
-            <p:nvPr/>
-          </p:nvSpPr>
-          <p:spPr>
-            <a:xfrm>
-              <a:off x="6852383" y="2896361"/>
-              <a:ext cx="100281" cy="1728000"/>
-            </a:xfrm>
-            <a:prstGeom prst="rect">
-              <a:avLst/>
-            </a:prstGeom>
-            <a:solidFill>
-              <a:srgbClr val="2196F3"/>
-            </a:solidFill>
-            <a:ln>
-              <a:noFill/>
-            </a:ln>
-          </p:spPr>
-          <p:style>
-            <a:lnRef idx="1">
-              <a:schemeClr val="accent1"/>
-            </a:lnRef>
-            <a:fillRef idx="3">
-              <a:schemeClr val="accent1"/>
-            </a:fillRef>
-            <a:effectRef idx="2">
-              <a:schemeClr val="accent1"/>
-            </a:effectRef>
-            <a:fontRef idx="minor">
-              <a:schemeClr val="lt1"/>
-            </a:fontRef>
-          </p:style>
-          <p:txBody>
-            <a:bodyPr rtlCol="0" anchor="ctr"/>
-            <a:lstStyle/>
-            <a:p>
-              <a:pPr algn="ctr"/>
-              <a:endParaRPr lang="de-DE"/>
-            </a:p>
-          </p:txBody>
-        </p:sp>
-        <p:sp>
-          <p:nvSpPr>
-            <p:cNvPr id="257" name="Rechteck 256"/>
-            <p:cNvSpPr/>
-            <p:nvPr/>
-          </p:nvSpPr>
-          <p:spPr>
-            <a:xfrm>
-              <a:off x="7004783" y="3085335"/>
-              <a:ext cx="100281" cy="2556000"/>
-            </a:xfrm>
-            <a:prstGeom prst="rect">
-              <a:avLst/>
-            </a:prstGeom>
-            <a:solidFill>
-              <a:schemeClr val="accent3">
-                <a:lumMod val="75000"/>
-              </a:schemeClr>
-            </a:solidFill>
-            <a:ln>
-              <a:noFill/>
-            </a:ln>
-          </p:spPr>
-          <p:style>
-            <a:lnRef idx="1">
-              <a:schemeClr val="accent1"/>
-            </a:lnRef>
-            <a:fillRef idx="3">
-              <a:schemeClr val="accent1"/>
-            </a:fillRef>
-            <a:effectRef idx="2">
-              <a:schemeClr val="accent1"/>
-            </a:effectRef>
-            <a:fontRef idx="minor">
-              <a:schemeClr val="lt1"/>
-            </a:fontRef>
-          </p:style>
-          <p:txBody>
-            <a:bodyPr rtlCol="0" anchor="ctr"/>
-            <a:lstStyle/>
-            <a:p>
-              <a:pPr algn="ctr"/>
-              <a:endParaRPr lang="de-DE"/>
-            </a:p>
-          </p:txBody>
-        </p:sp>
-        <p:sp>
-          <p:nvSpPr>
-            <p:cNvPr id="258" name="Textfeld 257"/>
-            <p:cNvSpPr txBox="1"/>
-            <p:nvPr/>
-          </p:nvSpPr>
-          <p:spPr>
-            <a:xfrm>
-              <a:off x="2451403" y="2284435"/>
-              <a:ext cx="3733497" cy="338554"/>
-            </a:xfrm>
-            <a:prstGeom prst="rect">
-              <a:avLst/>
-            </a:prstGeom>
-            <a:noFill/>
-          </p:spPr>
-          <p:txBody>
-            <a:bodyPr wrap="square" rtlCol="0">
-              <a:spAutoFit/>
-            </a:bodyPr>
-            <a:lstStyle/>
-            <a:p>
-              <a:pPr algn="ctr"/>
-              <a:r>
-                <a:rPr lang="de-DE" sz="1600" smtClean="0">
-                  <a:solidFill>
-                    <a:schemeClr val="tx1">
-                      <a:lumMod val="50000"/>
-                      <a:lumOff val="50000"/>
-                    </a:schemeClr>
-                  </a:solidFill>
-                </a:rPr>
-                <a:t>SCHWANKUNGSBREITE / RISIKO</a:t>
-              </a:r>
-              <a:endParaRPr lang="de-DE" sz="1600" dirty="0">
-                <a:solidFill>
-                  <a:schemeClr val="tx1">
-                    <a:lumMod val="50000"/>
-                    <a:lumOff val="50000"/>
-                  </a:schemeClr>
-                </a:solidFill>
-              </a:endParaRPr>
-            </a:p>
-          </p:txBody>
-        </p:sp>
-        <p:sp>
-          <p:nvSpPr>
-            <p:cNvPr id="37" name="Pfeil nach rechts 36"/>
-            <p:cNvSpPr/>
-            <p:nvPr/>
-          </p:nvSpPr>
-          <p:spPr>
-            <a:xfrm rot="904814">
-              <a:off x="6010825" y="2442943"/>
-              <a:ext cx="667991" cy="301752"/>
-            </a:xfrm>
-            <a:prstGeom prst="rightArrow">
-              <a:avLst/>
-            </a:prstGeom>
-            <a:solidFill>
-              <a:schemeClr val="bg1">
-                <a:lumMod val="50000"/>
-              </a:schemeClr>
-            </a:solidFill>
-            <a:ln>
-              <a:noFill/>
-            </a:ln>
-          </p:spPr>
-          <p:style>
-            <a:lnRef idx="1">
-              <a:schemeClr val="accent1"/>
-            </a:lnRef>
-            <a:fillRef idx="3">
-              <a:schemeClr val="accent1"/>
-            </a:fillRef>
-            <a:effectRef idx="2">
-              <a:schemeClr val="accent1"/>
-            </a:effectRef>
-            <a:fontRef idx="minor">
-              <a:schemeClr val="lt1"/>
-            </a:fontRef>
-          </p:style>
-          <p:txBody>
-            <a:bodyPr rtlCol="0" anchor="ctr"/>
-            <a:lstStyle/>
-            <a:p>
-              <a:pPr algn="ctr"/>
-              <a:endParaRPr lang="de-DE"/>
-            </a:p>
-          </p:txBody>
-        </p:sp>
-        <p:grpSp>
-          <p:nvGrpSpPr>
-            <p:cNvPr id="38" name="Gruppierung 37"/>
-            <p:cNvGrpSpPr/>
-            <p:nvPr/>
-          </p:nvGrpSpPr>
-          <p:grpSpPr>
-            <a:xfrm>
-              <a:off x="1969109" y="684579"/>
-              <a:ext cx="1459285" cy="1285501"/>
-              <a:chOff x="2230136" y="179129"/>
-              <a:chExt cx="1459285" cy="1285501"/>
-            </a:xfrm>
-          </p:grpSpPr>
-          <p:grpSp>
-            <p:nvGrpSpPr>
-              <p:cNvPr id="259" name="Gruppierung 258"/>
-              <p:cNvGrpSpPr/>
-              <p:nvPr/>
-            </p:nvGrpSpPr>
-            <p:grpSpPr>
-              <a:xfrm>
-                <a:off x="2230136" y="179129"/>
-                <a:ext cx="1332001" cy="1285501"/>
-                <a:chOff x="3304022" y="2838058"/>
-                <a:chExt cx="526570" cy="675861"/>
-              </a:xfrm>
-            </p:grpSpPr>
-            <p:sp>
-              <p:nvSpPr>
-                <p:cNvPr id="260" name="Rechteck 259"/>
-                <p:cNvSpPr/>
-                <p:nvPr/>
-              </p:nvSpPr>
-              <p:spPr>
-                <a:xfrm>
-                  <a:off x="3304022" y="2838058"/>
-                  <a:ext cx="526570" cy="675861"/>
-                </a:xfrm>
-                <a:prstGeom prst="rect">
-                  <a:avLst/>
-                </a:prstGeom>
-                <a:solidFill>
-                  <a:schemeClr val="bg1"/>
-                </a:solidFill>
-                <a:ln>
-                  <a:noFill/>
-                </a:ln>
-                <a:effectLst>
-                  <a:outerShdw blurRad="25400" dist="76200" dir="5400000" algn="t" rotWithShape="0">
-                    <a:prstClr val="black">
-                      <a:alpha val="20000"/>
-                    </a:prstClr>
-                  </a:outerShdw>
-                </a:effectLst>
-              </p:spPr>
-              <p:style>
-                <a:lnRef idx="1">
-                  <a:schemeClr val="accent1"/>
-                </a:lnRef>
-                <a:fillRef idx="3">
-                  <a:schemeClr val="accent1"/>
-                </a:fillRef>
-                <a:effectRef idx="2">
-                  <a:schemeClr val="accent1"/>
-                </a:effectRef>
-                <a:fontRef idx="minor">
-                  <a:schemeClr val="lt1"/>
-                </a:fontRef>
-              </p:style>
-              <p:txBody>
-                <a:bodyPr rtlCol="0" anchor="ctr"/>
-                <a:lstStyle/>
-                <a:p>
-                  <a:pPr algn="ctr"/>
-                  <a:endParaRPr lang="de-DE" dirty="0"/>
-                </a:p>
-              </p:txBody>
-            </p:sp>
-            <p:cxnSp>
-              <p:nvCxnSpPr>
-                <p:cNvPr id="261" name="Gerade Verbindung 260"/>
-                <p:cNvCxnSpPr/>
-                <p:nvPr/>
-              </p:nvCxnSpPr>
-              <p:spPr>
-                <a:xfrm>
-                  <a:off x="3366630" y="3059861"/>
-                  <a:ext cx="384253" cy="0"/>
-                </a:xfrm>
-                <a:prstGeom prst="line">
-                  <a:avLst/>
-                </a:prstGeom>
-                <a:ln>
-                  <a:solidFill>
-                    <a:schemeClr val="tx1">
-                      <a:lumMod val="50000"/>
-                      <a:lumOff val="50000"/>
-                    </a:schemeClr>
-                  </a:solidFill>
-                </a:ln>
-                <a:effectLst/>
-              </p:spPr>
-              <p:style>
-                <a:lnRef idx="2">
-                  <a:schemeClr val="accent1"/>
-                </a:lnRef>
-                <a:fillRef idx="0">
-                  <a:schemeClr val="accent1"/>
-                </a:fillRef>
-                <a:effectRef idx="1">
-                  <a:schemeClr val="accent1"/>
-                </a:effectRef>
-                <a:fontRef idx="minor">
-                  <a:schemeClr val="tx1"/>
-                </a:fontRef>
-              </p:style>
-            </p:cxnSp>
-            <p:cxnSp>
-              <p:nvCxnSpPr>
-                <p:cNvPr id="262" name="Gerade Verbindung 261"/>
-                <p:cNvCxnSpPr/>
-                <p:nvPr/>
-              </p:nvCxnSpPr>
-              <p:spPr>
-                <a:xfrm>
-                  <a:off x="3366630" y="3164391"/>
-                  <a:ext cx="384253" cy="0"/>
-                </a:xfrm>
-                <a:prstGeom prst="line">
-                  <a:avLst/>
-                </a:prstGeom>
-                <a:ln>
-                  <a:solidFill>
-                    <a:schemeClr val="tx1">
-                      <a:lumMod val="50000"/>
-                      <a:lumOff val="50000"/>
-                    </a:schemeClr>
-                  </a:solidFill>
-                </a:ln>
-                <a:effectLst/>
-              </p:spPr>
-              <p:style>
-                <a:lnRef idx="2">
-                  <a:schemeClr val="accent1"/>
-                </a:lnRef>
-                <a:fillRef idx="0">
-                  <a:schemeClr val="accent1"/>
-                </a:fillRef>
-                <a:effectRef idx="1">
-                  <a:schemeClr val="accent1"/>
-                </a:effectRef>
-                <a:fontRef idx="minor">
-                  <a:schemeClr val="tx1"/>
-                </a:fontRef>
-              </p:style>
-            </p:cxnSp>
-            <p:sp>
-              <p:nvSpPr>
-                <p:cNvPr id="266" name="Textfeld 265"/>
-                <p:cNvSpPr txBox="1"/>
-                <p:nvPr/>
-              </p:nvSpPr>
-              <p:spPr>
-                <a:xfrm>
-                  <a:off x="3339156" y="2855246"/>
-                  <a:ext cx="469330" cy="161816"/>
-                </a:xfrm>
-                <a:prstGeom prst="rect">
-                  <a:avLst/>
-                </a:prstGeom>
-                <a:noFill/>
-              </p:spPr>
-              <p:txBody>
-                <a:bodyPr wrap="square" rtlCol="0">
-                  <a:spAutoFit/>
-                </a:bodyPr>
-                <a:lstStyle/>
-                <a:p>
-                  <a:r>
-                    <a:rPr lang="de-DE" sz="1400" dirty="0" smtClean="0">
-                      <a:solidFill>
-                        <a:srgbClr val="2196F3"/>
-                      </a:solidFill>
-                    </a:rPr>
-                    <a:t>AUTO AG</a:t>
-                  </a:r>
-                  <a:endParaRPr lang="de-DE" sz="1400" dirty="0">
-                    <a:solidFill>
-                      <a:srgbClr val="2196F3"/>
-                    </a:solidFill>
-                  </a:endParaRPr>
-                </a:p>
-              </p:txBody>
-            </p:sp>
-          </p:grpSp>
-          <p:sp>
-            <p:nvSpPr>
-              <p:cNvPr id="267" name="Textfeld 266"/>
-              <p:cNvSpPr txBox="1"/>
-              <p:nvPr/>
-            </p:nvSpPr>
-            <p:spPr>
-              <a:xfrm>
-                <a:off x="2302846" y="845216"/>
-                <a:ext cx="1015891" cy="548868"/>
-              </a:xfrm>
-              <a:prstGeom prst="rect">
-                <a:avLst/>
-              </a:prstGeom>
-              <a:noFill/>
-            </p:spPr>
-            <p:txBody>
-              <a:bodyPr wrap="square" rtlCol="0">
-                <a:spAutoFit/>
-              </a:bodyPr>
-              <a:lstStyle/>
-              <a:p>
-                <a:pPr>
-                  <a:spcBef>
-                    <a:spcPts val="200"/>
-                  </a:spcBef>
-                </a:pPr>
-                <a:r>
-                  <a:rPr lang="de-DE" sz="1400" dirty="0" smtClean="0">
-                    <a:solidFill>
-                      <a:schemeClr val="tx1">
-                        <a:lumMod val="50000"/>
-                        <a:lumOff val="50000"/>
-                      </a:schemeClr>
-                    </a:solidFill>
-                  </a:rPr>
-                  <a:t>RENDITE</a:t>
-                </a:r>
-              </a:p>
-              <a:p>
-                <a:pPr>
-                  <a:spcBef>
-                    <a:spcPts val="200"/>
-                  </a:spcBef>
-                </a:pPr>
-                <a:r>
-                  <a:rPr lang="de-DE" sz="1400" dirty="0" smtClean="0">
-                    <a:solidFill>
-                      <a:schemeClr val="tx1">
-                        <a:lumMod val="50000"/>
-                        <a:lumOff val="50000"/>
-                      </a:schemeClr>
-                    </a:solidFill>
-                  </a:rPr>
-                  <a:t>RISIKO   </a:t>
-                </a:r>
-                <a:endParaRPr lang="de-DE" sz="1400" dirty="0">
-                  <a:solidFill>
-                    <a:schemeClr val="tx1">
-                      <a:lumMod val="50000"/>
-                      <a:lumOff val="50000"/>
-                    </a:schemeClr>
-                  </a:solidFill>
-                </a:endParaRPr>
-              </a:p>
-            </p:txBody>
-          </p:sp>
-          <p:sp>
-            <p:nvSpPr>
-              <p:cNvPr id="268" name="Textfeld 267"/>
-              <p:cNvSpPr txBox="1"/>
-              <p:nvPr/>
-            </p:nvSpPr>
-            <p:spPr>
-              <a:xfrm>
-                <a:off x="3177588" y="839587"/>
-                <a:ext cx="511833" cy="553998"/>
-              </a:xfrm>
-              <a:prstGeom prst="rect">
-                <a:avLst/>
-              </a:prstGeom>
-              <a:noFill/>
-            </p:spPr>
-            <p:txBody>
-              <a:bodyPr wrap="square" lIns="108000" tIns="0" bIns="0" rtlCol="0">
-                <a:spAutoFit/>
-              </a:bodyPr>
-              <a:lstStyle/>
-              <a:p>
-                <a:r>
-                  <a:rPr lang="de-DE" b="1" dirty="0" smtClean="0">
-                    <a:solidFill>
-                      <a:srgbClr val="47A4B1"/>
-                    </a:solidFill>
-                    <a:effectLst>
-                      <a:outerShdw blurRad="50800" dir="5400000" algn="ctr" rotWithShape="0">
-                        <a:srgbClr val="000000">
-                          <a:alpha val="43137"/>
-                        </a:srgbClr>
-                      </a:outerShdw>
-                    </a:effectLst>
-                  </a:rPr>
-                  <a:t>+</a:t>
-                </a:r>
-              </a:p>
-              <a:p>
-                <a:r>
-                  <a:rPr lang="de-DE" b="1" dirty="0" smtClean="0">
-                    <a:solidFill>
-                      <a:srgbClr val="FF5722"/>
-                    </a:solidFill>
-                    <a:effectLst>
-                      <a:outerShdw blurRad="50800" dir="5400000" algn="ctr" rotWithShape="0">
-                        <a:srgbClr val="000000">
-                          <a:alpha val="43137"/>
-                        </a:srgbClr>
-                      </a:outerShdw>
-                    </a:effectLst>
-                  </a:rPr>
-                  <a:t>-</a:t>
-                </a:r>
-                <a:endParaRPr lang="de-DE" b="1" dirty="0">
-                  <a:solidFill>
-                    <a:srgbClr val="FF5722"/>
-                  </a:solidFill>
-                  <a:effectLst>
-                    <a:outerShdw blurRad="50800" dir="5400000" algn="ctr" rotWithShape="0">
-                      <a:srgbClr val="000000">
-                        <a:alpha val="43137"/>
-                      </a:srgbClr>
-                    </a:outerShdw>
-                  </a:effectLst>
-                </a:endParaRPr>
-              </a:p>
-            </p:txBody>
-          </p:sp>
-        </p:grpSp>
-        <p:grpSp>
-          <p:nvGrpSpPr>
-            <p:cNvPr id="269" name="Gruppierung 268"/>
-            <p:cNvGrpSpPr/>
-            <p:nvPr/>
-          </p:nvGrpSpPr>
-          <p:grpSpPr>
-            <a:xfrm>
-              <a:off x="3899509" y="684579"/>
-              <a:ext cx="1459286" cy="1285501"/>
-              <a:chOff x="2230135" y="179129"/>
-              <a:chExt cx="1459286" cy="1285501"/>
-            </a:xfrm>
-          </p:grpSpPr>
-          <p:grpSp>
-            <p:nvGrpSpPr>
-              <p:cNvPr id="270" name="Gruppierung 269"/>
-              <p:cNvGrpSpPr/>
-              <p:nvPr/>
-            </p:nvGrpSpPr>
-            <p:grpSpPr>
-              <a:xfrm>
-                <a:off x="2230135" y="179129"/>
-                <a:ext cx="1332001" cy="1285501"/>
-                <a:chOff x="3304022" y="2838058"/>
-                <a:chExt cx="526570" cy="675861"/>
-              </a:xfrm>
-            </p:grpSpPr>
-            <p:sp>
-              <p:nvSpPr>
-                <p:cNvPr id="273" name="Rechteck 272"/>
-                <p:cNvSpPr/>
-                <p:nvPr/>
-              </p:nvSpPr>
-              <p:spPr>
-                <a:xfrm>
-                  <a:off x="3304022" y="2838058"/>
-                  <a:ext cx="526570" cy="675861"/>
-                </a:xfrm>
-                <a:prstGeom prst="rect">
-                  <a:avLst/>
-                </a:prstGeom>
-                <a:solidFill>
-                  <a:schemeClr val="bg1"/>
-                </a:solidFill>
-                <a:ln>
-                  <a:noFill/>
-                </a:ln>
-                <a:effectLst>
-                  <a:outerShdw blurRad="25400" dist="76200" dir="5400000" algn="t" rotWithShape="0">
-                    <a:prstClr val="black">
-                      <a:alpha val="20000"/>
-                    </a:prstClr>
-                  </a:outerShdw>
-                </a:effectLst>
-              </p:spPr>
-              <p:style>
-                <a:lnRef idx="1">
-                  <a:schemeClr val="accent1"/>
-                </a:lnRef>
-                <a:fillRef idx="3">
-                  <a:schemeClr val="accent1"/>
-                </a:fillRef>
-                <a:effectRef idx="2">
-                  <a:schemeClr val="accent1"/>
-                </a:effectRef>
-                <a:fontRef idx="minor">
-                  <a:schemeClr val="lt1"/>
-                </a:fontRef>
-              </p:style>
-              <p:txBody>
-                <a:bodyPr rtlCol="0" anchor="ctr"/>
-                <a:lstStyle/>
-                <a:p>
-                  <a:pPr algn="ctr"/>
-                  <a:endParaRPr lang="de-DE" dirty="0"/>
-                </a:p>
-              </p:txBody>
-            </p:sp>
-            <p:cxnSp>
-              <p:nvCxnSpPr>
-                <p:cNvPr id="274" name="Gerade Verbindung 273"/>
-                <p:cNvCxnSpPr/>
-                <p:nvPr/>
-              </p:nvCxnSpPr>
-              <p:spPr>
-                <a:xfrm>
-                  <a:off x="3366630" y="3059861"/>
-                  <a:ext cx="384253" cy="0"/>
-                </a:xfrm>
-                <a:prstGeom prst="line">
-                  <a:avLst/>
-                </a:prstGeom>
-                <a:ln>
-                  <a:solidFill>
-                    <a:schemeClr val="tx1">
-                      <a:lumMod val="50000"/>
-                      <a:lumOff val="50000"/>
-                    </a:schemeClr>
-                  </a:solidFill>
-                </a:ln>
-                <a:effectLst/>
-              </p:spPr>
-              <p:style>
-                <a:lnRef idx="2">
-                  <a:schemeClr val="accent1"/>
-                </a:lnRef>
-                <a:fillRef idx="0">
-                  <a:schemeClr val="accent1"/>
-                </a:fillRef>
-                <a:effectRef idx="1">
-                  <a:schemeClr val="accent1"/>
-                </a:effectRef>
-                <a:fontRef idx="minor">
-                  <a:schemeClr val="tx1"/>
-                </a:fontRef>
-              </p:style>
-            </p:cxnSp>
-            <p:cxnSp>
-              <p:nvCxnSpPr>
-                <p:cNvPr id="275" name="Gerade Verbindung 274"/>
-                <p:cNvCxnSpPr/>
-                <p:nvPr/>
-              </p:nvCxnSpPr>
-              <p:spPr>
-                <a:xfrm>
-                  <a:off x="3366630" y="3164391"/>
-                  <a:ext cx="384253" cy="0"/>
-                </a:xfrm>
-                <a:prstGeom prst="line">
-                  <a:avLst/>
-                </a:prstGeom>
-                <a:ln>
-                  <a:solidFill>
-                    <a:schemeClr val="tx1">
-                      <a:lumMod val="50000"/>
-                      <a:lumOff val="50000"/>
-                    </a:schemeClr>
-                  </a:solidFill>
-                </a:ln>
-                <a:effectLst/>
-              </p:spPr>
-              <p:style>
-                <a:lnRef idx="2">
-                  <a:schemeClr val="accent1"/>
-                </a:lnRef>
-                <a:fillRef idx="0">
-                  <a:schemeClr val="accent1"/>
-                </a:fillRef>
-                <a:effectRef idx="1">
-                  <a:schemeClr val="accent1"/>
-                </a:effectRef>
-                <a:fontRef idx="minor">
-                  <a:schemeClr val="tx1"/>
-                </a:fontRef>
-              </p:style>
-            </p:cxnSp>
-            <p:sp>
-              <p:nvSpPr>
-                <p:cNvPr id="276" name="Textfeld 275"/>
-                <p:cNvSpPr txBox="1"/>
-                <p:nvPr/>
-              </p:nvSpPr>
-              <p:spPr>
-                <a:xfrm>
-                  <a:off x="3334135" y="2855246"/>
-                  <a:ext cx="469330" cy="161816"/>
-                </a:xfrm>
-                <a:prstGeom prst="rect">
-                  <a:avLst/>
-                </a:prstGeom>
-                <a:noFill/>
-              </p:spPr>
-              <p:txBody>
-                <a:bodyPr wrap="square" rtlCol="0">
-                  <a:spAutoFit/>
-                </a:bodyPr>
-                <a:lstStyle/>
-                <a:p>
-                  <a:r>
-                    <a:rPr lang="de-DE" sz="1400" dirty="0" smtClean="0">
-                      <a:solidFill>
-                        <a:schemeClr val="accent3">
-                          <a:lumMod val="75000"/>
-                        </a:schemeClr>
-                      </a:solidFill>
-                    </a:rPr>
-                    <a:t>CHEMIE AG</a:t>
-                  </a:r>
-                  <a:endParaRPr lang="de-DE" sz="1400" dirty="0">
-                    <a:solidFill>
-                      <a:schemeClr val="accent3">
-                        <a:lumMod val="75000"/>
-                      </a:schemeClr>
-                    </a:solidFill>
-                  </a:endParaRPr>
-                </a:p>
-              </p:txBody>
-            </p:sp>
-          </p:grpSp>
-          <p:sp>
-            <p:nvSpPr>
-              <p:cNvPr id="271" name="Textfeld 270"/>
-              <p:cNvSpPr txBox="1"/>
-              <p:nvPr/>
-            </p:nvSpPr>
-            <p:spPr>
-              <a:xfrm>
-                <a:off x="2302846" y="845216"/>
-                <a:ext cx="1015891" cy="548868"/>
-              </a:xfrm>
-              <a:prstGeom prst="rect">
-                <a:avLst/>
-              </a:prstGeom>
-              <a:noFill/>
-            </p:spPr>
-            <p:txBody>
-              <a:bodyPr wrap="square" rtlCol="0">
-                <a:spAutoFit/>
-              </a:bodyPr>
-              <a:lstStyle>
-                <a:defPPr>
-                  <a:defRPr lang="de-DE"/>
-                </a:defPPr>
-                <a:lvl1pPr>
-                  <a:spcBef>
-                    <a:spcPts val="200"/>
-                  </a:spcBef>
-                  <a:defRPr sz="1400">
-                    <a:solidFill>
-                      <a:schemeClr val="tx1">
-                        <a:lumMod val="50000"/>
-                        <a:lumOff val="50000"/>
-                      </a:schemeClr>
-                    </a:solidFill>
-                  </a:defRPr>
-                </a:lvl1pPr>
-              </a:lstStyle>
-              <a:p>
-                <a:r>
-                  <a:rPr lang="de-DE" dirty="0"/>
-                  <a:t>RENDITE</a:t>
-                </a:r>
-              </a:p>
-              <a:p>
-                <a:r>
-                  <a:rPr lang="de-DE" dirty="0"/>
-                  <a:t>RISIKO   </a:t>
-                </a:r>
-              </a:p>
-            </p:txBody>
-          </p:sp>
-          <p:sp>
-            <p:nvSpPr>
-              <p:cNvPr id="272" name="Textfeld 271"/>
-              <p:cNvSpPr txBox="1"/>
-              <p:nvPr/>
-            </p:nvSpPr>
-            <p:spPr>
-              <a:xfrm>
-                <a:off x="3177588" y="801487"/>
-                <a:ext cx="511833" cy="646331"/>
-              </a:xfrm>
-              <a:prstGeom prst="rect">
-                <a:avLst/>
-              </a:prstGeom>
-              <a:noFill/>
-            </p:spPr>
-            <p:txBody>
-              <a:bodyPr wrap="square" rtlCol="0">
-                <a:spAutoFit/>
-              </a:bodyPr>
-              <a:lstStyle/>
-              <a:p>
-                <a:r>
-                  <a:rPr lang="de-DE" b="1" dirty="0" smtClean="0">
-                    <a:solidFill>
-                      <a:srgbClr val="47A4B1"/>
-                    </a:solidFill>
-                  </a:rPr>
-                  <a:t>+</a:t>
-                </a:r>
-              </a:p>
-              <a:p>
-                <a:r>
-                  <a:rPr lang="de-DE" b="1" dirty="0" smtClean="0">
-                    <a:solidFill>
-                      <a:srgbClr val="FF5722"/>
-                    </a:solidFill>
-                  </a:rPr>
-                  <a:t>-</a:t>
-                </a:r>
-                <a:endParaRPr lang="de-DE" b="1" dirty="0">
-                  <a:solidFill>
-                    <a:srgbClr val="FF5722"/>
-                  </a:solidFill>
-                </a:endParaRPr>
-              </a:p>
-            </p:txBody>
-          </p:sp>
-        </p:grpSp>
-        <p:grpSp>
-          <p:nvGrpSpPr>
-            <p:cNvPr id="277" name="Gruppierung 276"/>
-            <p:cNvGrpSpPr/>
-            <p:nvPr/>
-          </p:nvGrpSpPr>
-          <p:grpSpPr>
-            <a:xfrm>
-              <a:off x="5829912" y="684579"/>
-              <a:ext cx="1471984" cy="1285501"/>
-              <a:chOff x="2230137" y="179129"/>
-              <a:chExt cx="1471984" cy="1285501"/>
-            </a:xfrm>
-          </p:grpSpPr>
-          <p:grpSp>
-            <p:nvGrpSpPr>
-              <p:cNvPr id="278" name="Gruppierung 277"/>
-              <p:cNvGrpSpPr/>
-              <p:nvPr/>
-            </p:nvGrpSpPr>
-            <p:grpSpPr>
-              <a:xfrm>
-                <a:off x="2230137" y="179129"/>
-                <a:ext cx="1456358" cy="1285501"/>
-                <a:chOff x="3304022" y="2838058"/>
-                <a:chExt cx="575731" cy="675861"/>
-              </a:xfrm>
-            </p:grpSpPr>
-            <p:sp>
-              <p:nvSpPr>
-                <p:cNvPr id="281" name="Rechteck 280"/>
-                <p:cNvSpPr/>
-                <p:nvPr/>
-              </p:nvSpPr>
-              <p:spPr>
-                <a:xfrm>
-                  <a:off x="3304022" y="2838058"/>
-                  <a:ext cx="526570" cy="675861"/>
-                </a:xfrm>
-                <a:prstGeom prst="rect">
-                  <a:avLst/>
-                </a:prstGeom>
-                <a:solidFill>
-                  <a:schemeClr val="bg1"/>
-                </a:solidFill>
-                <a:ln>
-                  <a:noFill/>
-                </a:ln>
-                <a:effectLst>
-                  <a:outerShdw blurRad="25400" dist="76200" dir="5400000" algn="t" rotWithShape="0">
-                    <a:prstClr val="black">
-                      <a:alpha val="20000"/>
-                    </a:prstClr>
-                  </a:outerShdw>
-                </a:effectLst>
-              </p:spPr>
-              <p:style>
-                <a:lnRef idx="1">
-                  <a:schemeClr val="accent1"/>
-                </a:lnRef>
-                <a:fillRef idx="3">
-                  <a:schemeClr val="accent1"/>
-                </a:fillRef>
-                <a:effectRef idx="2">
-                  <a:schemeClr val="accent1"/>
-                </a:effectRef>
-                <a:fontRef idx="minor">
-                  <a:schemeClr val="lt1"/>
-                </a:fontRef>
-              </p:style>
-              <p:txBody>
-                <a:bodyPr rtlCol="0" anchor="ctr"/>
-                <a:lstStyle/>
-                <a:p>
-                  <a:pPr algn="ctr"/>
-                  <a:endParaRPr lang="de-DE" dirty="0"/>
-                </a:p>
-              </p:txBody>
-            </p:sp>
-            <p:cxnSp>
-              <p:nvCxnSpPr>
-                <p:cNvPr id="282" name="Gerade Verbindung 281"/>
-                <p:cNvCxnSpPr/>
-                <p:nvPr/>
-              </p:nvCxnSpPr>
-              <p:spPr>
-                <a:xfrm>
-                  <a:off x="3366631" y="3059861"/>
-                  <a:ext cx="384253" cy="0"/>
-                </a:xfrm>
-                <a:prstGeom prst="line">
-                  <a:avLst/>
-                </a:prstGeom>
-                <a:ln>
-                  <a:solidFill>
-                    <a:schemeClr val="tx1">
-                      <a:lumMod val="50000"/>
-                      <a:lumOff val="50000"/>
-                    </a:schemeClr>
-                  </a:solidFill>
-                </a:ln>
-                <a:effectLst/>
-              </p:spPr>
-              <p:style>
-                <a:lnRef idx="2">
-                  <a:schemeClr val="accent1"/>
-                </a:lnRef>
-                <a:fillRef idx="0">
-                  <a:schemeClr val="accent1"/>
-                </a:fillRef>
-                <a:effectRef idx="1">
-                  <a:schemeClr val="accent1"/>
-                </a:effectRef>
-                <a:fontRef idx="minor">
-                  <a:schemeClr val="tx1"/>
-                </a:fontRef>
-              </p:style>
-            </p:cxnSp>
-            <p:cxnSp>
-              <p:nvCxnSpPr>
-                <p:cNvPr id="283" name="Gerade Verbindung 282"/>
-                <p:cNvCxnSpPr/>
-                <p:nvPr/>
-              </p:nvCxnSpPr>
-              <p:spPr>
-                <a:xfrm>
-                  <a:off x="3366631" y="3164391"/>
-                  <a:ext cx="384253" cy="0"/>
-                </a:xfrm>
-                <a:prstGeom prst="line">
-                  <a:avLst/>
-                </a:prstGeom>
-                <a:ln>
-                  <a:solidFill>
-                    <a:schemeClr val="tx1">
-                      <a:lumMod val="50000"/>
-                      <a:lumOff val="50000"/>
-                    </a:schemeClr>
-                  </a:solidFill>
-                </a:ln>
-                <a:effectLst/>
-              </p:spPr>
-              <p:style>
-                <a:lnRef idx="2">
-                  <a:schemeClr val="accent1"/>
-                </a:lnRef>
-                <a:fillRef idx="0">
-                  <a:schemeClr val="accent1"/>
-                </a:fillRef>
-                <a:effectRef idx="1">
-                  <a:schemeClr val="accent1"/>
-                </a:effectRef>
-                <a:fontRef idx="minor">
-                  <a:schemeClr val="tx1"/>
-                </a:fontRef>
-              </p:style>
-            </p:cxnSp>
-            <p:sp>
-              <p:nvSpPr>
-                <p:cNvPr id="284" name="Textfeld 283"/>
-                <p:cNvSpPr txBox="1"/>
-                <p:nvPr/>
-              </p:nvSpPr>
-              <p:spPr>
-                <a:xfrm>
-                  <a:off x="3334135" y="2855246"/>
-                  <a:ext cx="545618" cy="161816"/>
-                </a:xfrm>
-                <a:prstGeom prst="rect">
-                  <a:avLst/>
-                </a:prstGeom>
-                <a:noFill/>
-              </p:spPr>
-              <p:txBody>
-                <a:bodyPr wrap="square" rtlCol="0">
-                  <a:spAutoFit/>
-                </a:bodyPr>
-                <a:lstStyle/>
-                <a:p>
-                  <a:r>
-                    <a:rPr lang="de-DE" sz="1400" dirty="0" smtClean="0">
-                      <a:solidFill>
-                        <a:srgbClr val="FF5722"/>
-                      </a:solidFill>
-                    </a:rPr>
-                    <a:t>PORTFOLIO</a:t>
-                  </a:r>
-                  <a:endParaRPr lang="de-DE" sz="1400" dirty="0">
-                    <a:solidFill>
-                      <a:srgbClr val="FF5722"/>
-                    </a:solidFill>
-                  </a:endParaRPr>
-                </a:p>
-              </p:txBody>
-            </p:sp>
-          </p:grpSp>
-          <p:sp>
-            <p:nvSpPr>
-              <p:cNvPr id="279" name="Textfeld 278"/>
-              <p:cNvSpPr txBox="1"/>
-              <p:nvPr/>
-            </p:nvSpPr>
-            <p:spPr>
-              <a:xfrm>
-                <a:off x="2302846" y="857916"/>
-                <a:ext cx="1015891" cy="548868"/>
-              </a:xfrm>
-              <a:prstGeom prst="rect">
-                <a:avLst/>
-              </a:prstGeom>
-              <a:noFill/>
-            </p:spPr>
-            <p:txBody>
-              <a:bodyPr wrap="square" rtlCol="0">
-                <a:spAutoFit/>
-              </a:bodyPr>
-              <a:lstStyle>
-                <a:defPPr>
-                  <a:defRPr lang="de-DE"/>
-                </a:defPPr>
-                <a:lvl1pPr>
-                  <a:spcBef>
-                    <a:spcPts val="200"/>
-                  </a:spcBef>
-                  <a:defRPr sz="1400">
-                    <a:solidFill>
-                      <a:schemeClr val="tx1">
-                        <a:lumMod val="50000"/>
-                        <a:lumOff val="50000"/>
-                      </a:schemeClr>
-                    </a:solidFill>
-                  </a:defRPr>
-                </a:lvl1pPr>
-              </a:lstStyle>
-              <a:p>
-                <a:r>
-                  <a:rPr lang="de-DE" dirty="0"/>
-                  <a:t>RENDITE</a:t>
-                </a:r>
-              </a:p>
-              <a:p>
-                <a:r>
-                  <a:rPr lang="de-DE" dirty="0"/>
-                  <a:t>RISIKO   </a:t>
-                </a:r>
-              </a:p>
-            </p:txBody>
-          </p:sp>
-          <p:sp>
-            <p:nvSpPr>
-              <p:cNvPr id="280" name="Textfeld 279"/>
-              <p:cNvSpPr txBox="1"/>
-              <p:nvPr/>
-            </p:nvSpPr>
-            <p:spPr>
-              <a:xfrm>
-                <a:off x="3190288" y="814187"/>
-                <a:ext cx="511833" cy="646331"/>
-              </a:xfrm>
-              <a:prstGeom prst="rect">
-                <a:avLst/>
-              </a:prstGeom>
-              <a:noFill/>
-            </p:spPr>
-            <p:txBody>
-              <a:bodyPr wrap="square" rtlCol="0">
-                <a:spAutoFit/>
-              </a:bodyPr>
-              <a:lstStyle/>
-              <a:p>
-                <a:r>
-                  <a:rPr lang="de-DE" b="1" dirty="0" smtClean="0">
-                    <a:solidFill>
-                      <a:srgbClr val="47A4B1"/>
-                    </a:solidFill>
-                  </a:rPr>
-                  <a:t>+</a:t>
-                </a:r>
-              </a:p>
-              <a:p>
-                <a:r>
-                  <a:rPr lang="de-DE" b="1" dirty="0" smtClean="0">
-                    <a:solidFill>
-                      <a:srgbClr val="47A4B1"/>
-                    </a:solidFill>
-                  </a:rPr>
-                  <a:t>+</a:t>
-                </a:r>
-                <a:endParaRPr lang="de-DE" b="1" dirty="0">
-                  <a:solidFill>
-                    <a:srgbClr val="47A4B1"/>
-                  </a:solidFill>
-                </a:endParaRPr>
-              </a:p>
-            </p:txBody>
-          </p:sp>
-        </p:grpSp>
-        <p:sp>
-          <p:nvSpPr>
-            <p:cNvPr id="40" name="Textfeld 39"/>
-            <p:cNvSpPr txBox="1"/>
-            <p:nvPr/>
-          </p:nvSpPr>
-          <p:spPr>
-            <a:xfrm flipH="1">
-              <a:off x="3412531" y="1015054"/>
-              <a:ext cx="513284" cy="584775"/>
-            </a:xfrm>
-            <a:prstGeom prst="rect">
-              <a:avLst/>
-            </a:prstGeom>
-            <a:noFill/>
-          </p:spPr>
-          <p:txBody>
-            <a:bodyPr wrap="square" rtlCol="0">
-              <a:spAutoFit/>
-            </a:bodyPr>
-            <a:lstStyle/>
-            <a:p>
-              <a:r>
-                <a:rPr lang="de-DE" sz="3200" dirty="0" smtClean="0">
-                  <a:solidFill>
-                    <a:schemeClr val="bg1"/>
-                  </a:solidFill>
-                </a:rPr>
-                <a:t>+</a:t>
-              </a:r>
-              <a:endParaRPr lang="de-DE" sz="3200" dirty="0">
-                <a:solidFill>
-                  <a:schemeClr val="bg1"/>
-                </a:solidFill>
-              </a:endParaRPr>
-            </a:p>
-          </p:txBody>
-        </p:sp>
-        <p:sp>
-          <p:nvSpPr>
-            <p:cNvPr id="285" name="Textfeld 284"/>
-            <p:cNvSpPr txBox="1"/>
-            <p:nvPr/>
-          </p:nvSpPr>
-          <p:spPr>
-            <a:xfrm flipH="1">
-              <a:off x="5344669" y="1002877"/>
-              <a:ext cx="513284" cy="584775"/>
-            </a:xfrm>
-            <a:prstGeom prst="rect">
-              <a:avLst/>
-            </a:prstGeom>
-            <a:noFill/>
-          </p:spPr>
-          <p:txBody>
-            <a:bodyPr wrap="square" rtlCol="0">
-              <a:spAutoFit/>
-            </a:bodyPr>
-            <a:lstStyle/>
-            <a:p>
-              <a:r>
-                <a:rPr lang="de-DE" sz="3200">
-                  <a:solidFill>
-                    <a:schemeClr val="bg1"/>
-                  </a:solidFill>
-                </a:rPr>
-                <a:t>=</a:t>
-              </a:r>
-            </a:p>
-          </p:txBody>
-        </p:sp>
-        <p:sp>
-          <p:nvSpPr>
-            <p:cNvPr id="286" name="Textfeld 285"/>
-            <p:cNvSpPr txBox="1"/>
-            <p:nvPr/>
-          </p:nvSpPr>
-          <p:spPr>
-            <a:xfrm>
-              <a:off x="2159609" y="61752"/>
-              <a:ext cx="4680160" cy="584775"/>
-            </a:xfrm>
-            <a:prstGeom prst="rect">
-              <a:avLst/>
-            </a:prstGeom>
-            <a:noFill/>
-          </p:spPr>
-          <p:txBody>
-            <a:bodyPr wrap="square" rtlCol="0">
-              <a:spAutoFit/>
-            </a:bodyPr>
-            <a:lstStyle/>
-            <a:p>
-              <a:pPr algn="ctr"/>
-              <a:r>
-                <a:rPr lang="de-DE" sz="3200" smtClean="0">
-                  <a:solidFill>
-                    <a:schemeClr val="bg1"/>
-                  </a:solidFill>
-                </a:rPr>
-                <a:t>DIVERSIFIKATION</a:t>
-              </a:r>
-              <a:endParaRPr lang="de-DE" sz="3200" dirty="0">
-                <a:solidFill>
-                  <a:schemeClr val="bg1"/>
-                </a:solidFill>
-              </a:endParaRPr>
-            </a:p>
-          </p:txBody>
-        </p:sp>
-      </p:grpSp>
-    </p:spTree>
-    <p:extLst>
-      <p:ext uri="{BB962C8B-B14F-4D97-AF65-F5344CB8AC3E}">
-        <p14:creationId xmlns:p14="http://schemas.microsoft.com/office/powerpoint/2010/main" val="1823674781"/>
       </p:ext>
     </p:extLst>
   </p:cSld>
